--- a/uflorida2019/images/data_flow.pptx
+++ b/uflorida2019/images/data_flow.pptx
@@ -5,10 +5,11 @@
     <p:sldMasterId id="2147483648" r:id="rId1"/>
   </p:sldMasterIdLst>
   <p:sldIdLst>
-    <p:sldId id="256" r:id="rId2"/>
-    <p:sldId id="257" r:id="rId3"/>
-    <p:sldId id="259" r:id="rId4"/>
-    <p:sldId id="258" r:id="rId5"/>
+    <p:sldId id="269" r:id="rId2"/>
+    <p:sldId id="272" r:id="rId3"/>
+    <p:sldId id="274" r:id="rId4"/>
+    <p:sldId id="270" r:id="rId5"/>
+    <p:sldId id="271" r:id="rId6"/>
   </p:sldIdLst>
   <p:sldSz cx="12192000" cy="6858000"/>
   <p:notesSz cx="6858000" cy="9144000"/>
@@ -108,3069 +109,6 @@
     </a:lvl9pPr>
   </p:defaultTextStyle>
 </p:presentation>
-</file>
-
-<file path=ppt/diagrams/colors1.xml><?xml version="1.0" encoding="utf-8"?>
-<dgm:colorsDef xmlns:dgm="http://schemas.openxmlformats.org/drawingml/2006/diagram" xmlns:a="http://schemas.openxmlformats.org/drawingml/2006/main" uniqueId="urn:microsoft.com/office/officeart/2005/8/colors/accent1_2">
-  <dgm:title val=""/>
-  <dgm:desc val=""/>
-  <dgm:catLst>
-    <dgm:cat type="accent1" pri="11200"/>
-  </dgm:catLst>
-  <dgm:styleLbl name="node0">
-    <dgm:fillClrLst meth="repeat">
-      <a:schemeClr val="accent1"/>
-    </dgm:fillClrLst>
-    <dgm:linClrLst meth="repeat">
-      <a:schemeClr val="lt1"/>
-    </dgm:linClrLst>
-    <dgm:effectClrLst/>
-    <dgm:txLinClrLst/>
-    <dgm:txFillClrLst/>
-    <dgm:txEffectClrLst/>
-  </dgm:styleLbl>
-  <dgm:styleLbl name="alignNode1">
-    <dgm:fillClrLst meth="repeat">
-      <a:schemeClr val="accent1"/>
-    </dgm:fillClrLst>
-    <dgm:linClrLst meth="repeat">
-      <a:schemeClr val="accent1"/>
-    </dgm:linClrLst>
-    <dgm:effectClrLst/>
-    <dgm:txLinClrLst/>
-    <dgm:txFillClrLst/>
-    <dgm:txEffectClrLst/>
-  </dgm:styleLbl>
-  <dgm:styleLbl name="node1">
-    <dgm:fillClrLst meth="repeat">
-      <a:schemeClr val="accent1"/>
-    </dgm:fillClrLst>
-    <dgm:linClrLst meth="repeat">
-      <a:schemeClr val="lt1"/>
-    </dgm:linClrLst>
-    <dgm:effectClrLst/>
-    <dgm:txLinClrLst/>
-    <dgm:txFillClrLst/>
-    <dgm:txEffectClrLst/>
-  </dgm:styleLbl>
-  <dgm:styleLbl name="lnNode1">
-    <dgm:fillClrLst meth="repeat">
-      <a:schemeClr val="accent1"/>
-    </dgm:fillClrLst>
-    <dgm:linClrLst meth="repeat">
-      <a:schemeClr val="lt1"/>
-    </dgm:linClrLst>
-    <dgm:effectClrLst/>
-    <dgm:txLinClrLst/>
-    <dgm:txFillClrLst/>
-    <dgm:txEffectClrLst/>
-  </dgm:styleLbl>
-  <dgm:styleLbl name="vennNode1">
-    <dgm:fillClrLst meth="repeat">
-      <a:schemeClr val="accent1">
-        <a:alpha val="50000"/>
-      </a:schemeClr>
-    </dgm:fillClrLst>
-    <dgm:linClrLst meth="repeat">
-      <a:schemeClr val="lt1"/>
-    </dgm:linClrLst>
-    <dgm:effectClrLst/>
-    <dgm:txLinClrLst/>
-    <dgm:txFillClrLst/>
-    <dgm:txEffectClrLst/>
-  </dgm:styleLbl>
-  <dgm:styleLbl name="node2">
-    <dgm:fillClrLst meth="repeat">
-      <a:schemeClr val="accent1"/>
-    </dgm:fillClrLst>
-    <dgm:linClrLst meth="repeat">
-      <a:schemeClr val="lt1"/>
-    </dgm:linClrLst>
-    <dgm:effectClrLst/>
-    <dgm:txLinClrLst/>
-    <dgm:txFillClrLst/>
-    <dgm:txEffectClrLst/>
-  </dgm:styleLbl>
-  <dgm:styleLbl name="node3">
-    <dgm:fillClrLst meth="repeat">
-      <a:schemeClr val="accent1"/>
-    </dgm:fillClrLst>
-    <dgm:linClrLst meth="repeat">
-      <a:schemeClr val="lt1"/>
-    </dgm:linClrLst>
-    <dgm:effectClrLst/>
-    <dgm:txLinClrLst/>
-    <dgm:txFillClrLst/>
-    <dgm:txEffectClrLst/>
-  </dgm:styleLbl>
-  <dgm:styleLbl name="node4">
-    <dgm:fillClrLst meth="repeat">
-      <a:schemeClr val="accent1"/>
-    </dgm:fillClrLst>
-    <dgm:linClrLst meth="repeat">
-      <a:schemeClr val="lt1"/>
-    </dgm:linClrLst>
-    <dgm:effectClrLst/>
-    <dgm:txLinClrLst/>
-    <dgm:txFillClrLst/>
-    <dgm:txEffectClrLst/>
-  </dgm:styleLbl>
-  <dgm:styleLbl name="fgImgPlace1">
-    <dgm:fillClrLst meth="repeat">
-      <a:schemeClr val="accent1">
-        <a:tint val="50000"/>
-      </a:schemeClr>
-    </dgm:fillClrLst>
-    <dgm:linClrLst meth="repeat">
-      <a:schemeClr val="lt1"/>
-    </dgm:linClrLst>
-    <dgm:effectClrLst/>
-    <dgm:txLinClrLst/>
-    <dgm:txFillClrLst meth="repeat">
-      <a:schemeClr val="lt1"/>
-    </dgm:txFillClrLst>
-    <dgm:txEffectClrLst/>
-  </dgm:styleLbl>
-  <dgm:styleLbl name="alignImgPlace1">
-    <dgm:fillClrLst meth="repeat">
-      <a:schemeClr val="accent1">
-        <a:tint val="50000"/>
-      </a:schemeClr>
-    </dgm:fillClrLst>
-    <dgm:linClrLst meth="repeat">
-      <a:schemeClr val="lt1"/>
-    </dgm:linClrLst>
-    <dgm:effectClrLst/>
-    <dgm:txLinClrLst/>
-    <dgm:txFillClrLst meth="repeat">
-      <a:schemeClr val="lt1"/>
-    </dgm:txFillClrLst>
-    <dgm:txEffectClrLst/>
-  </dgm:styleLbl>
-  <dgm:styleLbl name="bgImgPlace1">
-    <dgm:fillClrLst meth="repeat">
-      <a:schemeClr val="accent1">
-        <a:tint val="50000"/>
-      </a:schemeClr>
-    </dgm:fillClrLst>
-    <dgm:linClrLst meth="repeat">
-      <a:schemeClr val="lt1"/>
-    </dgm:linClrLst>
-    <dgm:effectClrLst/>
-    <dgm:txLinClrLst/>
-    <dgm:txFillClrLst meth="repeat">
-      <a:schemeClr val="lt1"/>
-    </dgm:txFillClrLst>
-    <dgm:txEffectClrLst/>
-  </dgm:styleLbl>
-  <dgm:styleLbl name="sibTrans2D1">
-    <dgm:fillClrLst meth="repeat">
-      <a:schemeClr val="accent1">
-        <a:tint val="60000"/>
-      </a:schemeClr>
-    </dgm:fillClrLst>
-    <dgm:linClrLst meth="repeat">
-      <a:schemeClr val="accent1">
-        <a:tint val="60000"/>
-      </a:schemeClr>
-    </dgm:linClrLst>
-    <dgm:effectClrLst/>
-    <dgm:txLinClrLst/>
-    <dgm:txFillClrLst/>
-    <dgm:txEffectClrLst/>
-  </dgm:styleLbl>
-  <dgm:styleLbl name="fgSibTrans2D1">
-    <dgm:fillClrLst meth="repeat">
-      <a:schemeClr val="accent1">
-        <a:tint val="60000"/>
-      </a:schemeClr>
-    </dgm:fillClrLst>
-    <dgm:linClrLst meth="repeat">
-      <a:schemeClr val="accent1">
-        <a:tint val="60000"/>
-      </a:schemeClr>
-    </dgm:linClrLst>
-    <dgm:effectClrLst/>
-    <dgm:txLinClrLst/>
-    <dgm:txFillClrLst/>
-    <dgm:txEffectClrLst/>
-  </dgm:styleLbl>
-  <dgm:styleLbl name="bgSibTrans2D1">
-    <dgm:fillClrLst meth="repeat">
-      <a:schemeClr val="accent1">
-        <a:tint val="60000"/>
-      </a:schemeClr>
-    </dgm:fillClrLst>
-    <dgm:linClrLst meth="repeat">
-      <a:schemeClr val="accent1">
-        <a:tint val="60000"/>
-      </a:schemeClr>
-    </dgm:linClrLst>
-    <dgm:effectClrLst/>
-    <dgm:txLinClrLst/>
-    <dgm:txFillClrLst/>
-    <dgm:txEffectClrLst/>
-  </dgm:styleLbl>
-  <dgm:styleLbl name="sibTrans1D1">
-    <dgm:fillClrLst meth="repeat">
-      <a:schemeClr val="accent1"/>
-    </dgm:fillClrLst>
-    <dgm:linClrLst meth="repeat">
-      <a:schemeClr val="accent1"/>
-    </dgm:linClrLst>
-    <dgm:effectClrLst/>
-    <dgm:txLinClrLst/>
-    <dgm:txFillClrLst meth="repeat">
-      <a:schemeClr val="tx1"/>
-    </dgm:txFillClrLst>
-    <dgm:txEffectClrLst/>
-  </dgm:styleLbl>
-  <dgm:styleLbl name="callout">
-    <dgm:fillClrLst meth="repeat">
-      <a:schemeClr val="accent1"/>
-    </dgm:fillClrLst>
-    <dgm:linClrLst meth="repeat">
-      <a:schemeClr val="accent1">
-        <a:tint val="50000"/>
-      </a:schemeClr>
-    </dgm:linClrLst>
-    <dgm:effectClrLst/>
-    <dgm:txLinClrLst/>
-    <dgm:txFillClrLst meth="repeat">
-      <a:schemeClr val="tx1"/>
-    </dgm:txFillClrLst>
-    <dgm:txEffectClrLst/>
-  </dgm:styleLbl>
-  <dgm:styleLbl name="asst0">
-    <dgm:fillClrLst meth="repeat">
-      <a:schemeClr val="accent1"/>
-    </dgm:fillClrLst>
-    <dgm:linClrLst meth="repeat">
-      <a:schemeClr val="lt1"/>
-    </dgm:linClrLst>
-    <dgm:effectClrLst/>
-    <dgm:txLinClrLst/>
-    <dgm:txFillClrLst/>
-    <dgm:txEffectClrLst/>
-  </dgm:styleLbl>
-  <dgm:styleLbl name="asst1">
-    <dgm:fillClrLst meth="repeat">
-      <a:schemeClr val="accent1"/>
-    </dgm:fillClrLst>
-    <dgm:linClrLst meth="repeat">
-      <a:schemeClr val="lt1"/>
-    </dgm:linClrLst>
-    <dgm:effectClrLst/>
-    <dgm:txLinClrLst/>
-    <dgm:txFillClrLst/>
-    <dgm:txEffectClrLst/>
-  </dgm:styleLbl>
-  <dgm:styleLbl name="asst2">
-    <dgm:fillClrLst meth="repeat">
-      <a:schemeClr val="accent1"/>
-    </dgm:fillClrLst>
-    <dgm:linClrLst meth="repeat">
-      <a:schemeClr val="lt1"/>
-    </dgm:linClrLst>
-    <dgm:effectClrLst/>
-    <dgm:txLinClrLst/>
-    <dgm:txFillClrLst/>
-    <dgm:txEffectClrLst/>
-  </dgm:styleLbl>
-  <dgm:styleLbl name="asst3">
-    <dgm:fillClrLst meth="repeat">
-      <a:schemeClr val="accent1"/>
-    </dgm:fillClrLst>
-    <dgm:linClrLst meth="repeat">
-      <a:schemeClr val="lt1"/>
-    </dgm:linClrLst>
-    <dgm:effectClrLst/>
-    <dgm:txLinClrLst/>
-    <dgm:txFillClrLst/>
-    <dgm:txEffectClrLst/>
-  </dgm:styleLbl>
-  <dgm:styleLbl name="asst4">
-    <dgm:fillClrLst meth="repeat">
-      <a:schemeClr val="accent1"/>
-    </dgm:fillClrLst>
-    <dgm:linClrLst meth="repeat">
-      <a:schemeClr val="lt1"/>
-    </dgm:linClrLst>
-    <dgm:effectClrLst/>
-    <dgm:txLinClrLst/>
-    <dgm:txFillClrLst/>
-    <dgm:txEffectClrLst/>
-  </dgm:styleLbl>
-  <dgm:styleLbl name="parChTrans2D1">
-    <dgm:fillClrLst meth="repeat">
-      <a:schemeClr val="accent1">
-        <a:tint val="60000"/>
-      </a:schemeClr>
-    </dgm:fillClrLst>
-    <dgm:linClrLst meth="repeat">
-      <a:schemeClr val="accent1">
-        <a:tint val="60000"/>
-      </a:schemeClr>
-    </dgm:linClrLst>
-    <dgm:effectClrLst/>
-    <dgm:txLinClrLst/>
-    <dgm:txFillClrLst meth="repeat">
-      <a:schemeClr val="lt1"/>
-    </dgm:txFillClrLst>
-    <dgm:txEffectClrLst/>
-  </dgm:styleLbl>
-  <dgm:styleLbl name="parChTrans2D2">
-    <dgm:fillClrLst meth="repeat">
-      <a:schemeClr val="accent1"/>
-    </dgm:fillClrLst>
-    <dgm:linClrLst meth="repeat">
-      <a:schemeClr val="accent1"/>
-    </dgm:linClrLst>
-    <dgm:effectClrLst/>
-    <dgm:txLinClrLst/>
-    <dgm:txFillClrLst meth="repeat">
-      <a:schemeClr val="lt1"/>
-    </dgm:txFillClrLst>
-    <dgm:txEffectClrLst/>
-  </dgm:styleLbl>
-  <dgm:styleLbl name="parChTrans2D3">
-    <dgm:fillClrLst meth="repeat">
-      <a:schemeClr val="accent1"/>
-    </dgm:fillClrLst>
-    <dgm:linClrLst meth="repeat">
-      <a:schemeClr val="accent1"/>
-    </dgm:linClrLst>
-    <dgm:effectClrLst/>
-    <dgm:txLinClrLst/>
-    <dgm:txFillClrLst meth="repeat">
-      <a:schemeClr val="lt1"/>
-    </dgm:txFillClrLst>
-    <dgm:txEffectClrLst/>
-  </dgm:styleLbl>
-  <dgm:styleLbl name="parChTrans2D4">
-    <dgm:fillClrLst meth="repeat">
-      <a:schemeClr val="accent1"/>
-    </dgm:fillClrLst>
-    <dgm:linClrLst meth="repeat">
-      <a:schemeClr val="accent1"/>
-    </dgm:linClrLst>
-    <dgm:effectClrLst/>
-    <dgm:txLinClrLst/>
-    <dgm:txFillClrLst meth="repeat">
-      <a:schemeClr val="lt1"/>
-    </dgm:txFillClrLst>
-    <dgm:txEffectClrLst/>
-  </dgm:styleLbl>
-  <dgm:styleLbl name="parChTrans1D1">
-    <dgm:fillClrLst meth="repeat">
-      <a:schemeClr val="accent1"/>
-    </dgm:fillClrLst>
-    <dgm:linClrLst meth="repeat">
-      <a:schemeClr val="accent1">
-        <a:shade val="60000"/>
-      </a:schemeClr>
-    </dgm:linClrLst>
-    <dgm:effectClrLst/>
-    <dgm:txLinClrLst/>
-    <dgm:txFillClrLst meth="repeat">
-      <a:schemeClr val="tx1"/>
-    </dgm:txFillClrLst>
-    <dgm:txEffectClrLst/>
-  </dgm:styleLbl>
-  <dgm:styleLbl name="parChTrans1D2">
-    <dgm:fillClrLst meth="repeat">
-      <a:schemeClr val="accent1"/>
-    </dgm:fillClrLst>
-    <dgm:linClrLst meth="repeat">
-      <a:schemeClr val="accent1">
-        <a:shade val="60000"/>
-      </a:schemeClr>
-    </dgm:linClrLst>
-    <dgm:effectClrLst/>
-    <dgm:txLinClrLst/>
-    <dgm:txFillClrLst meth="repeat">
-      <a:schemeClr val="tx1"/>
-    </dgm:txFillClrLst>
-    <dgm:txEffectClrLst/>
-  </dgm:styleLbl>
-  <dgm:styleLbl name="parChTrans1D3">
-    <dgm:fillClrLst meth="repeat">
-      <a:schemeClr val="accent1"/>
-    </dgm:fillClrLst>
-    <dgm:linClrLst meth="repeat">
-      <a:schemeClr val="accent1">
-        <a:shade val="80000"/>
-      </a:schemeClr>
-    </dgm:linClrLst>
-    <dgm:effectClrLst/>
-    <dgm:txLinClrLst/>
-    <dgm:txFillClrLst meth="repeat">
-      <a:schemeClr val="tx1"/>
-    </dgm:txFillClrLst>
-    <dgm:txEffectClrLst/>
-  </dgm:styleLbl>
-  <dgm:styleLbl name="parChTrans1D4">
-    <dgm:fillClrLst meth="repeat">
-      <a:schemeClr val="accent1"/>
-    </dgm:fillClrLst>
-    <dgm:linClrLst meth="repeat">
-      <a:schemeClr val="accent1">
-        <a:shade val="80000"/>
-      </a:schemeClr>
-    </dgm:linClrLst>
-    <dgm:effectClrLst/>
-    <dgm:txLinClrLst/>
-    <dgm:txFillClrLst meth="repeat">
-      <a:schemeClr val="tx1"/>
-    </dgm:txFillClrLst>
-    <dgm:txEffectClrLst/>
-  </dgm:styleLbl>
-  <dgm:styleLbl name="fgAcc1">
-    <dgm:fillClrLst meth="repeat">
-      <a:schemeClr val="lt1">
-        <a:alpha val="90000"/>
-      </a:schemeClr>
-    </dgm:fillClrLst>
-    <dgm:linClrLst meth="repeat">
-      <a:schemeClr val="accent1"/>
-    </dgm:linClrLst>
-    <dgm:effectClrLst/>
-    <dgm:txLinClrLst/>
-    <dgm:txFillClrLst meth="repeat">
-      <a:schemeClr val="dk1"/>
-    </dgm:txFillClrLst>
-    <dgm:txEffectClrLst/>
-  </dgm:styleLbl>
-  <dgm:styleLbl name="conFgAcc1">
-    <dgm:fillClrLst meth="repeat">
-      <a:schemeClr val="lt1">
-        <a:alpha val="90000"/>
-      </a:schemeClr>
-    </dgm:fillClrLst>
-    <dgm:linClrLst meth="repeat">
-      <a:schemeClr val="accent1"/>
-    </dgm:linClrLst>
-    <dgm:effectClrLst/>
-    <dgm:txLinClrLst/>
-    <dgm:txFillClrLst meth="repeat">
-      <a:schemeClr val="dk1"/>
-    </dgm:txFillClrLst>
-    <dgm:txEffectClrLst/>
-  </dgm:styleLbl>
-  <dgm:styleLbl name="alignAcc1">
-    <dgm:fillClrLst meth="repeat">
-      <a:schemeClr val="lt1">
-        <a:alpha val="90000"/>
-      </a:schemeClr>
-    </dgm:fillClrLst>
-    <dgm:linClrLst meth="repeat">
-      <a:schemeClr val="accent1"/>
-    </dgm:linClrLst>
-    <dgm:effectClrLst/>
-    <dgm:txLinClrLst/>
-    <dgm:txFillClrLst meth="repeat">
-      <a:schemeClr val="dk1"/>
-    </dgm:txFillClrLst>
-    <dgm:txEffectClrLst/>
-  </dgm:styleLbl>
-  <dgm:styleLbl name="trAlignAcc1">
-    <dgm:fillClrLst meth="repeat">
-      <a:schemeClr val="lt1">
-        <a:alpha val="40000"/>
-      </a:schemeClr>
-    </dgm:fillClrLst>
-    <dgm:linClrLst meth="repeat">
-      <a:schemeClr val="accent1"/>
-    </dgm:linClrLst>
-    <dgm:effectClrLst/>
-    <dgm:txLinClrLst/>
-    <dgm:txFillClrLst meth="repeat">
-      <a:schemeClr val="dk1"/>
-    </dgm:txFillClrLst>
-    <dgm:txEffectClrLst/>
-  </dgm:styleLbl>
-  <dgm:styleLbl name="bgAcc1">
-    <dgm:fillClrLst meth="repeat">
-      <a:schemeClr val="lt1">
-        <a:alpha val="90000"/>
-      </a:schemeClr>
-    </dgm:fillClrLst>
-    <dgm:linClrLst meth="repeat">
-      <a:schemeClr val="accent1"/>
-    </dgm:linClrLst>
-    <dgm:effectClrLst/>
-    <dgm:txLinClrLst/>
-    <dgm:txFillClrLst meth="repeat">
-      <a:schemeClr val="dk1"/>
-    </dgm:txFillClrLst>
-    <dgm:txEffectClrLst/>
-  </dgm:styleLbl>
-  <dgm:styleLbl name="solidFgAcc1">
-    <dgm:fillClrLst meth="repeat">
-      <a:schemeClr val="lt1"/>
-    </dgm:fillClrLst>
-    <dgm:linClrLst meth="repeat">
-      <a:schemeClr val="accent1"/>
-    </dgm:linClrLst>
-    <dgm:effectClrLst/>
-    <dgm:txLinClrLst/>
-    <dgm:txFillClrLst meth="repeat">
-      <a:schemeClr val="dk1"/>
-    </dgm:txFillClrLst>
-    <dgm:txEffectClrLst/>
-  </dgm:styleLbl>
-  <dgm:styleLbl name="solidAlignAcc1">
-    <dgm:fillClrLst meth="repeat">
-      <a:schemeClr val="lt1"/>
-    </dgm:fillClrLst>
-    <dgm:linClrLst meth="repeat">
-      <a:schemeClr val="accent1"/>
-    </dgm:linClrLst>
-    <dgm:effectClrLst/>
-    <dgm:txLinClrLst/>
-    <dgm:txFillClrLst meth="repeat">
-      <a:schemeClr val="dk1"/>
-    </dgm:txFillClrLst>
-    <dgm:txEffectClrLst/>
-  </dgm:styleLbl>
-  <dgm:styleLbl name="solidBgAcc1">
-    <dgm:fillClrLst meth="repeat">
-      <a:schemeClr val="lt1"/>
-    </dgm:fillClrLst>
-    <dgm:linClrLst meth="repeat">
-      <a:schemeClr val="accent1"/>
-    </dgm:linClrLst>
-    <dgm:effectClrLst/>
-    <dgm:txLinClrLst/>
-    <dgm:txFillClrLst meth="repeat">
-      <a:schemeClr val="dk1"/>
-    </dgm:txFillClrLst>
-    <dgm:txEffectClrLst/>
-  </dgm:styleLbl>
-  <dgm:styleLbl name="fgAccFollowNode1">
-    <dgm:fillClrLst meth="repeat">
-      <a:schemeClr val="accent1">
-        <a:alpha val="90000"/>
-        <a:tint val="40000"/>
-      </a:schemeClr>
-    </dgm:fillClrLst>
-    <dgm:linClrLst meth="repeat">
-      <a:schemeClr val="accent1">
-        <a:alpha val="90000"/>
-        <a:tint val="40000"/>
-      </a:schemeClr>
-    </dgm:linClrLst>
-    <dgm:effectClrLst/>
-    <dgm:txLinClrLst/>
-    <dgm:txFillClrLst meth="repeat">
-      <a:schemeClr val="dk1"/>
-    </dgm:txFillClrLst>
-    <dgm:txEffectClrLst/>
-  </dgm:styleLbl>
-  <dgm:styleLbl name="alignAccFollowNode1">
-    <dgm:fillClrLst meth="repeat">
-      <a:schemeClr val="accent1">
-        <a:alpha val="90000"/>
-        <a:tint val="40000"/>
-      </a:schemeClr>
-    </dgm:fillClrLst>
-    <dgm:linClrLst meth="repeat">
-      <a:schemeClr val="accent1">
-        <a:alpha val="90000"/>
-        <a:tint val="40000"/>
-      </a:schemeClr>
-    </dgm:linClrLst>
-    <dgm:effectClrLst/>
-    <dgm:txLinClrLst/>
-    <dgm:txFillClrLst meth="repeat">
-      <a:schemeClr val="dk1"/>
-    </dgm:txFillClrLst>
-    <dgm:txEffectClrLst/>
-  </dgm:styleLbl>
-  <dgm:styleLbl name="bgAccFollowNode1">
-    <dgm:fillClrLst meth="repeat">
-      <a:schemeClr val="accent1">
-        <a:alpha val="90000"/>
-        <a:tint val="40000"/>
-      </a:schemeClr>
-    </dgm:fillClrLst>
-    <dgm:linClrLst meth="repeat">
-      <a:schemeClr val="accent1">
-        <a:alpha val="90000"/>
-        <a:tint val="40000"/>
-      </a:schemeClr>
-    </dgm:linClrLst>
-    <dgm:effectClrLst/>
-    <dgm:txLinClrLst/>
-    <dgm:txFillClrLst meth="repeat">
-      <a:schemeClr val="dk1"/>
-    </dgm:txFillClrLst>
-    <dgm:txEffectClrLst/>
-  </dgm:styleLbl>
-  <dgm:styleLbl name="fgAcc0">
-    <dgm:fillClrLst meth="repeat">
-      <a:schemeClr val="lt1">
-        <a:alpha val="90000"/>
-      </a:schemeClr>
-    </dgm:fillClrLst>
-    <dgm:linClrLst meth="repeat">
-      <a:schemeClr val="accent1"/>
-    </dgm:linClrLst>
-    <dgm:effectClrLst/>
-    <dgm:txLinClrLst/>
-    <dgm:txFillClrLst meth="repeat">
-      <a:schemeClr val="dk1"/>
-    </dgm:txFillClrLst>
-    <dgm:txEffectClrLst/>
-  </dgm:styleLbl>
-  <dgm:styleLbl name="fgAcc2">
-    <dgm:fillClrLst meth="repeat">
-      <a:schemeClr val="lt1">
-        <a:alpha val="90000"/>
-      </a:schemeClr>
-    </dgm:fillClrLst>
-    <dgm:linClrLst meth="repeat">
-      <a:schemeClr val="accent1"/>
-    </dgm:linClrLst>
-    <dgm:effectClrLst/>
-    <dgm:txLinClrLst/>
-    <dgm:txFillClrLst meth="repeat">
-      <a:schemeClr val="dk1"/>
-    </dgm:txFillClrLst>
-    <dgm:txEffectClrLst/>
-  </dgm:styleLbl>
-  <dgm:styleLbl name="fgAcc3">
-    <dgm:fillClrLst meth="repeat">
-      <a:schemeClr val="lt1">
-        <a:alpha val="90000"/>
-      </a:schemeClr>
-    </dgm:fillClrLst>
-    <dgm:linClrLst meth="repeat">
-      <a:schemeClr val="accent1"/>
-    </dgm:linClrLst>
-    <dgm:effectClrLst/>
-    <dgm:txLinClrLst/>
-    <dgm:txFillClrLst meth="repeat">
-      <a:schemeClr val="dk1"/>
-    </dgm:txFillClrLst>
-    <dgm:txEffectClrLst/>
-  </dgm:styleLbl>
-  <dgm:styleLbl name="fgAcc4">
-    <dgm:fillClrLst meth="repeat">
-      <a:schemeClr val="lt1">
-        <a:alpha val="90000"/>
-      </a:schemeClr>
-    </dgm:fillClrLst>
-    <dgm:linClrLst meth="repeat">
-      <a:schemeClr val="accent1"/>
-    </dgm:linClrLst>
-    <dgm:effectClrLst/>
-    <dgm:txLinClrLst/>
-    <dgm:txFillClrLst meth="repeat">
-      <a:schemeClr val="dk1"/>
-    </dgm:txFillClrLst>
-    <dgm:txEffectClrLst/>
-  </dgm:styleLbl>
-  <dgm:styleLbl name="bgShp">
-    <dgm:fillClrLst meth="repeat">
-      <a:schemeClr val="accent1">
-        <a:tint val="40000"/>
-      </a:schemeClr>
-    </dgm:fillClrLst>
-    <dgm:linClrLst meth="repeat">
-      <a:schemeClr val="accent1"/>
-    </dgm:linClrLst>
-    <dgm:effectClrLst/>
-    <dgm:txLinClrLst/>
-    <dgm:txFillClrLst meth="repeat">
-      <a:schemeClr val="dk1"/>
-    </dgm:txFillClrLst>
-    <dgm:txEffectClrLst/>
-  </dgm:styleLbl>
-  <dgm:styleLbl name="dkBgShp">
-    <dgm:fillClrLst meth="repeat">
-      <a:schemeClr val="accent1">
-        <a:shade val="80000"/>
-      </a:schemeClr>
-    </dgm:fillClrLst>
-    <dgm:linClrLst meth="repeat">
-      <a:schemeClr val="accent1"/>
-    </dgm:linClrLst>
-    <dgm:effectClrLst/>
-    <dgm:txLinClrLst/>
-    <dgm:txFillClrLst meth="repeat">
-      <a:schemeClr val="lt1"/>
-    </dgm:txFillClrLst>
-    <dgm:txEffectClrLst/>
-  </dgm:styleLbl>
-  <dgm:styleLbl name="trBgShp">
-    <dgm:fillClrLst meth="repeat">
-      <a:schemeClr val="accent1">
-        <a:tint val="50000"/>
-        <a:alpha val="40000"/>
-      </a:schemeClr>
-    </dgm:fillClrLst>
-    <dgm:linClrLst meth="repeat">
-      <a:schemeClr val="accent1"/>
-    </dgm:linClrLst>
-    <dgm:effectClrLst/>
-    <dgm:txLinClrLst/>
-    <dgm:txFillClrLst meth="repeat">
-      <a:schemeClr val="lt1"/>
-    </dgm:txFillClrLst>
-    <dgm:txEffectClrLst/>
-  </dgm:styleLbl>
-  <dgm:styleLbl name="fgShp">
-    <dgm:fillClrLst meth="repeat">
-      <a:schemeClr val="accent1">
-        <a:tint val="60000"/>
-      </a:schemeClr>
-    </dgm:fillClrLst>
-    <dgm:linClrLst meth="repeat">
-      <a:schemeClr val="lt1"/>
-    </dgm:linClrLst>
-    <dgm:effectClrLst/>
-    <dgm:txLinClrLst/>
-    <dgm:txFillClrLst meth="repeat">
-      <a:schemeClr val="dk1"/>
-    </dgm:txFillClrLst>
-    <dgm:txEffectClrLst/>
-  </dgm:styleLbl>
-  <dgm:styleLbl name="revTx">
-    <dgm:fillClrLst meth="repeat">
-      <a:schemeClr val="lt1">
-        <a:alpha val="0"/>
-      </a:schemeClr>
-    </dgm:fillClrLst>
-    <dgm:linClrLst meth="repeat">
-      <a:schemeClr val="dk1">
-        <a:alpha val="0"/>
-      </a:schemeClr>
-    </dgm:linClrLst>
-    <dgm:effectClrLst/>
-    <dgm:txLinClrLst/>
-    <dgm:txFillClrLst meth="repeat">
-      <a:schemeClr val="tx1"/>
-    </dgm:txFillClrLst>
-    <dgm:txEffectClrLst/>
-  </dgm:styleLbl>
-</dgm:colorsDef>
-</file>
-
-<file path=ppt/diagrams/data1.xml><?xml version="1.0" encoding="utf-8"?>
-<dgm:dataModel xmlns:dgm="http://schemas.openxmlformats.org/drawingml/2006/diagram" xmlns:a="http://schemas.openxmlformats.org/drawingml/2006/main">
-  <dgm:ptLst>
-    <dgm:pt modelId="{2F9027FD-25FF-7242-A79E-61E742CD368A}" type="doc">
-      <dgm:prSet loTypeId="urn:microsoft.com/office/officeart/2005/8/layout/cycle7" loCatId="" qsTypeId="urn:microsoft.com/office/officeart/2005/8/quickstyle/simple1" qsCatId="simple" csTypeId="urn:microsoft.com/office/officeart/2005/8/colors/accent1_2" csCatId="accent1" phldr="1"/>
-      <dgm:spPr/>
-      <dgm:t>
-        <a:bodyPr/>
-        <a:lstStyle/>
-        <a:p>
-          <a:endParaRPr lang="en-US"/>
-        </a:p>
-      </dgm:t>
-    </dgm:pt>
-    <dgm:pt modelId="{98E2BCE3-48CB-3843-926C-9C320575C833}">
-      <dgm:prSet phldrT="[Text]"/>
-      <dgm:spPr/>
-      <dgm:t>
-        <a:bodyPr/>
-        <a:lstStyle/>
-        <a:p>
-          <a:r>
-            <a:rPr lang="en-US" dirty="0"/>
-            <a:t>Raw Data</a:t>
-          </a:r>
-        </a:p>
-      </dgm:t>
-    </dgm:pt>
-    <dgm:pt modelId="{3970C375-1E59-3046-A337-2E81F2226FCC}" type="parTrans" cxnId="{825B8E76-F658-2D44-84EC-E1A618FA4FA2}">
-      <dgm:prSet/>
-      <dgm:spPr/>
-      <dgm:t>
-        <a:bodyPr/>
-        <a:lstStyle/>
-        <a:p>
-          <a:endParaRPr lang="en-US"/>
-        </a:p>
-      </dgm:t>
-    </dgm:pt>
-    <dgm:pt modelId="{E31B41B2-4191-7A4C-8D0B-1CB17225AEE3}" type="sibTrans" cxnId="{825B8E76-F658-2D44-84EC-E1A618FA4FA2}">
-      <dgm:prSet/>
-      <dgm:spPr/>
-      <dgm:t>
-        <a:bodyPr/>
-        <a:lstStyle/>
-        <a:p>
-          <a:endParaRPr lang="en-US"/>
-        </a:p>
-      </dgm:t>
-    </dgm:pt>
-    <dgm:pt modelId="{7BBF7BA1-7312-0A49-AE5B-44ED289BEA30}">
-      <dgm:prSet phldrT="[Text]"/>
-      <dgm:spPr/>
-      <dgm:t>
-        <a:bodyPr/>
-        <a:lstStyle/>
-        <a:p>
-          <a:r>
-            <a:rPr lang="en-US" dirty="0"/>
-            <a:t>Integrated Data</a:t>
-          </a:r>
-        </a:p>
-      </dgm:t>
-    </dgm:pt>
-    <dgm:pt modelId="{4673452F-58F2-514B-A94D-0577477DF231}" type="parTrans" cxnId="{DAA9A896-D756-5142-BCCC-4D0F68E8FA59}">
-      <dgm:prSet/>
-      <dgm:spPr/>
-      <dgm:t>
-        <a:bodyPr/>
-        <a:lstStyle/>
-        <a:p>
-          <a:endParaRPr lang="en-US"/>
-        </a:p>
-      </dgm:t>
-    </dgm:pt>
-    <dgm:pt modelId="{C364A634-700E-1C44-BFA9-FBBF57C3362D}" type="sibTrans" cxnId="{DAA9A896-D756-5142-BCCC-4D0F68E8FA59}">
-      <dgm:prSet/>
-      <dgm:spPr/>
-      <dgm:t>
-        <a:bodyPr/>
-        <a:lstStyle/>
-        <a:p>
-          <a:endParaRPr lang="en-US"/>
-        </a:p>
-      </dgm:t>
-    </dgm:pt>
-    <dgm:pt modelId="{95D5FBF7-5298-CD4F-97BC-3A5177E8BB16}">
-      <dgm:prSet phldrT="[Text]"/>
-      <dgm:spPr/>
-      <dgm:t>
-        <a:bodyPr/>
-        <a:lstStyle/>
-        <a:p>
-          <a:r>
-            <a:rPr lang="en-US" dirty="0"/>
-            <a:t>Modelling</a:t>
-          </a:r>
-        </a:p>
-      </dgm:t>
-    </dgm:pt>
-    <dgm:pt modelId="{E173B7B8-5356-CA41-9E7A-DD28A1D30425}" type="parTrans" cxnId="{96CEEAC6-A8F2-8B4D-9D9A-28278BDFB5D6}">
-      <dgm:prSet/>
-      <dgm:spPr/>
-      <dgm:t>
-        <a:bodyPr/>
-        <a:lstStyle/>
-        <a:p>
-          <a:endParaRPr lang="en-US"/>
-        </a:p>
-      </dgm:t>
-    </dgm:pt>
-    <dgm:pt modelId="{7B6C4EA7-15F1-8148-A405-FD179DD3C66B}" type="sibTrans" cxnId="{96CEEAC6-A8F2-8B4D-9D9A-28278BDFB5D6}">
-      <dgm:prSet/>
-      <dgm:spPr/>
-      <dgm:t>
-        <a:bodyPr/>
-        <a:lstStyle/>
-        <a:p>
-          <a:endParaRPr lang="en-US"/>
-        </a:p>
-      </dgm:t>
-    </dgm:pt>
-    <dgm:pt modelId="{273A8519-1310-F445-ADA5-347BDF1382C3}">
-      <dgm:prSet phldrT="[Text]"/>
-      <dgm:spPr/>
-      <dgm:t>
-        <a:bodyPr/>
-        <a:lstStyle/>
-        <a:p>
-          <a:r>
-            <a:rPr lang="en-US" dirty="0"/>
-            <a:t>Model Results</a:t>
-          </a:r>
-        </a:p>
-      </dgm:t>
-    </dgm:pt>
-    <dgm:pt modelId="{90D11DA4-D3EC-8043-91DF-D29E97CE2399}" type="parTrans" cxnId="{A2A6090A-B9A7-8F43-A67D-CBEFD2BC0492}">
-      <dgm:prSet/>
-      <dgm:spPr/>
-      <dgm:t>
-        <a:bodyPr/>
-        <a:lstStyle/>
-        <a:p>
-          <a:endParaRPr lang="en-US"/>
-        </a:p>
-      </dgm:t>
-    </dgm:pt>
-    <dgm:pt modelId="{CEECA0C8-3DE3-A845-B4B5-E1782D2FC225}" type="sibTrans" cxnId="{A2A6090A-B9A7-8F43-A67D-CBEFD2BC0492}">
-      <dgm:prSet/>
-      <dgm:spPr/>
-      <dgm:t>
-        <a:bodyPr/>
-        <a:lstStyle/>
-        <a:p>
-          <a:endParaRPr lang="en-US"/>
-        </a:p>
-      </dgm:t>
-    </dgm:pt>
-    <dgm:pt modelId="{E8B46390-5E06-EE44-B4F7-06C0A906BEC9}">
-      <dgm:prSet phldrT="[Text]"/>
-      <dgm:spPr/>
-      <dgm:t>
-        <a:bodyPr/>
-        <a:lstStyle/>
-        <a:p>
-          <a:r>
-            <a:rPr lang="en-US" dirty="0"/>
-            <a:t>Software</a:t>
-          </a:r>
-        </a:p>
-      </dgm:t>
-    </dgm:pt>
-    <dgm:pt modelId="{6D3A753A-9F2D-DD4E-A860-50CE315127BC}" type="parTrans" cxnId="{AC225AE9-4360-164F-9034-EB24E6E573F4}">
-      <dgm:prSet/>
-      <dgm:spPr/>
-      <dgm:t>
-        <a:bodyPr/>
-        <a:lstStyle/>
-        <a:p>
-          <a:endParaRPr lang="en-US"/>
-        </a:p>
-      </dgm:t>
-    </dgm:pt>
-    <dgm:pt modelId="{DCE89F1D-6B14-9942-A902-E85BDCCEA4D5}" type="sibTrans" cxnId="{AC225AE9-4360-164F-9034-EB24E6E573F4}">
-      <dgm:prSet/>
-      <dgm:spPr/>
-      <dgm:t>
-        <a:bodyPr/>
-        <a:lstStyle/>
-        <a:p>
-          <a:endParaRPr lang="en-US"/>
-        </a:p>
-      </dgm:t>
-    </dgm:pt>
-    <dgm:pt modelId="{9F03E49C-B988-824A-B635-516F7C23E00F}" type="pres">
-      <dgm:prSet presAssocID="{2F9027FD-25FF-7242-A79E-61E742CD368A}" presName="Name0" presStyleCnt="0">
-        <dgm:presLayoutVars>
-          <dgm:dir/>
-          <dgm:resizeHandles val="exact"/>
-        </dgm:presLayoutVars>
-      </dgm:prSet>
-      <dgm:spPr/>
-    </dgm:pt>
-    <dgm:pt modelId="{C4287D23-7520-ED44-A8B9-5B1E61F530BB}" type="pres">
-      <dgm:prSet presAssocID="{98E2BCE3-48CB-3843-926C-9C320575C833}" presName="node" presStyleLbl="node1" presStyleIdx="0" presStyleCnt="5">
-        <dgm:presLayoutVars>
-          <dgm:bulletEnabled val="1"/>
-        </dgm:presLayoutVars>
-      </dgm:prSet>
-      <dgm:spPr/>
-    </dgm:pt>
-    <dgm:pt modelId="{9992F0E4-0D14-D64A-BD5A-6603CFFA780B}" type="pres">
-      <dgm:prSet presAssocID="{E31B41B2-4191-7A4C-8D0B-1CB17225AEE3}" presName="sibTrans" presStyleLbl="sibTrans2D1" presStyleIdx="0" presStyleCnt="5"/>
-      <dgm:spPr/>
-    </dgm:pt>
-    <dgm:pt modelId="{A0550FA0-1085-CE42-8D25-D1EF7BC5B68F}" type="pres">
-      <dgm:prSet presAssocID="{E31B41B2-4191-7A4C-8D0B-1CB17225AEE3}" presName="connectorText" presStyleLbl="sibTrans2D1" presStyleIdx="0" presStyleCnt="5"/>
-      <dgm:spPr/>
-    </dgm:pt>
-    <dgm:pt modelId="{D39BD426-78E6-8B40-B515-E21E74645A99}" type="pres">
-      <dgm:prSet presAssocID="{7BBF7BA1-7312-0A49-AE5B-44ED289BEA30}" presName="node" presStyleLbl="node1" presStyleIdx="1" presStyleCnt="5">
-        <dgm:presLayoutVars>
-          <dgm:bulletEnabled val="1"/>
-        </dgm:presLayoutVars>
-      </dgm:prSet>
-      <dgm:spPr/>
-    </dgm:pt>
-    <dgm:pt modelId="{F3B8F976-572A-084A-8EA7-F9491BBCA4E0}" type="pres">
-      <dgm:prSet presAssocID="{C364A634-700E-1C44-BFA9-FBBF57C3362D}" presName="sibTrans" presStyleLbl="sibTrans2D1" presStyleIdx="1" presStyleCnt="5"/>
-      <dgm:spPr/>
-    </dgm:pt>
-    <dgm:pt modelId="{266690F9-8262-5F49-BA95-818EFCBC0DD5}" type="pres">
-      <dgm:prSet presAssocID="{C364A634-700E-1C44-BFA9-FBBF57C3362D}" presName="connectorText" presStyleLbl="sibTrans2D1" presStyleIdx="1" presStyleCnt="5"/>
-      <dgm:spPr/>
-    </dgm:pt>
-    <dgm:pt modelId="{A97B12C2-A38D-CF47-B880-2D296737B665}" type="pres">
-      <dgm:prSet presAssocID="{95D5FBF7-5298-CD4F-97BC-3A5177E8BB16}" presName="node" presStyleLbl="node1" presStyleIdx="2" presStyleCnt="5">
-        <dgm:presLayoutVars>
-          <dgm:bulletEnabled val="1"/>
-        </dgm:presLayoutVars>
-      </dgm:prSet>
-      <dgm:spPr/>
-    </dgm:pt>
-    <dgm:pt modelId="{41C9BB89-8180-C444-B64D-6E9D3A56BF71}" type="pres">
-      <dgm:prSet presAssocID="{7B6C4EA7-15F1-8148-A405-FD179DD3C66B}" presName="sibTrans" presStyleLbl="sibTrans2D1" presStyleIdx="2" presStyleCnt="5"/>
-      <dgm:spPr/>
-    </dgm:pt>
-    <dgm:pt modelId="{B02CDD63-3A6B-6948-ACF1-88A58EB52FB9}" type="pres">
-      <dgm:prSet presAssocID="{7B6C4EA7-15F1-8148-A405-FD179DD3C66B}" presName="connectorText" presStyleLbl="sibTrans2D1" presStyleIdx="2" presStyleCnt="5"/>
-      <dgm:spPr/>
-    </dgm:pt>
-    <dgm:pt modelId="{D9A4E293-0315-194A-8F86-8192C9C15FE2}" type="pres">
-      <dgm:prSet presAssocID="{273A8519-1310-F445-ADA5-347BDF1382C3}" presName="node" presStyleLbl="node1" presStyleIdx="3" presStyleCnt="5">
-        <dgm:presLayoutVars>
-          <dgm:bulletEnabled val="1"/>
-        </dgm:presLayoutVars>
-      </dgm:prSet>
-      <dgm:spPr/>
-    </dgm:pt>
-    <dgm:pt modelId="{A10AAD6D-DC12-3B4D-A324-2A61F8F0E7F9}" type="pres">
-      <dgm:prSet presAssocID="{CEECA0C8-3DE3-A845-B4B5-E1782D2FC225}" presName="sibTrans" presStyleLbl="sibTrans2D1" presStyleIdx="3" presStyleCnt="5"/>
-      <dgm:spPr/>
-    </dgm:pt>
-    <dgm:pt modelId="{4C59CEE1-2F87-EA4E-8E8A-291C26890606}" type="pres">
-      <dgm:prSet presAssocID="{CEECA0C8-3DE3-A845-B4B5-E1782D2FC225}" presName="connectorText" presStyleLbl="sibTrans2D1" presStyleIdx="3" presStyleCnt="5"/>
-      <dgm:spPr/>
-    </dgm:pt>
-    <dgm:pt modelId="{25133257-38DD-9A4F-9A27-6A420EAE490B}" type="pres">
-      <dgm:prSet presAssocID="{E8B46390-5E06-EE44-B4F7-06C0A906BEC9}" presName="node" presStyleLbl="node1" presStyleIdx="4" presStyleCnt="5" custRadScaleRad="104680" custRadScaleInc="-17582">
-        <dgm:presLayoutVars>
-          <dgm:bulletEnabled val="1"/>
-        </dgm:presLayoutVars>
-      </dgm:prSet>
-      <dgm:spPr/>
-    </dgm:pt>
-    <dgm:pt modelId="{19C40F79-5F42-B342-95C4-A46358F9843B}" type="pres">
-      <dgm:prSet presAssocID="{DCE89F1D-6B14-9942-A902-E85BDCCEA4D5}" presName="sibTrans" presStyleLbl="sibTrans2D1" presStyleIdx="4" presStyleCnt="5"/>
-      <dgm:spPr/>
-    </dgm:pt>
-    <dgm:pt modelId="{A44DFC98-F506-9748-979F-0900ED0A9539}" type="pres">
-      <dgm:prSet presAssocID="{DCE89F1D-6B14-9942-A902-E85BDCCEA4D5}" presName="connectorText" presStyleLbl="sibTrans2D1" presStyleIdx="4" presStyleCnt="5"/>
-      <dgm:spPr/>
-    </dgm:pt>
-  </dgm:ptLst>
-  <dgm:cxnLst>
-    <dgm:cxn modelId="{A2A6090A-B9A7-8F43-A67D-CBEFD2BC0492}" srcId="{2F9027FD-25FF-7242-A79E-61E742CD368A}" destId="{273A8519-1310-F445-ADA5-347BDF1382C3}" srcOrd="3" destOrd="0" parTransId="{90D11DA4-D3EC-8043-91DF-D29E97CE2399}" sibTransId="{CEECA0C8-3DE3-A845-B4B5-E1782D2FC225}"/>
-    <dgm:cxn modelId="{28130C0B-2B88-3C45-948D-04BB0F6CB325}" type="presOf" srcId="{7BBF7BA1-7312-0A49-AE5B-44ED289BEA30}" destId="{D39BD426-78E6-8B40-B515-E21E74645A99}" srcOrd="0" destOrd="0" presId="urn:microsoft.com/office/officeart/2005/8/layout/cycle7"/>
-    <dgm:cxn modelId="{40501A1A-70F3-F44A-9053-EEE5EBA273B9}" type="presOf" srcId="{E31B41B2-4191-7A4C-8D0B-1CB17225AEE3}" destId="{A0550FA0-1085-CE42-8D25-D1EF7BC5B68F}" srcOrd="1" destOrd="0" presId="urn:microsoft.com/office/officeart/2005/8/layout/cycle7"/>
-    <dgm:cxn modelId="{F29C5D26-12C3-7944-BCAA-171DCD189DC6}" type="presOf" srcId="{DCE89F1D-6B14-9942-A902-E85BDCCEA4D5}" destId="{19C40F79-5F42-B342-95C4-A46358F9843B}" srcOrd="0" destOrd="0" presId="urn:microsoft.com/office/officeart/2005/8/layout/cycle7"/>
-    <dgm:cxn modelId="{9733AF2D-3186-6845-BB7A-F237E4A30693}" type="presOf" srcId="{95D5FBF7-5298-CD4F-97BC-3A5177E8BB16}" destId="{A97B12C2-A38D-CF47-B880-2D296737B665}" srcOrd="0" destOrd="0" presId="urn:microsoft.com/office/officeart/2005/8/layout/cycle7"/>
-    <dgm:cxn modelId="{13D1004D-3739-9442-85B9-A1CC4F3BF76A}" type="presOf" srcId="{C364A634-700E-1C44-BFA9-FBBF57C3362D}" destId="{F3B8F976-572A-084A-8EA7-F9491BBCA4E0}" srcOrd="0" destOrd="0" presId="urn:microsoft.com/office/officeart/2005/8/layout/cycle7"/>
-    <dgm:cxn modelId="{DF87B95E-30A9-724E-877B-033A3AFA0519}" type="presOf" srcId="{7B6C4EA7-15F1-8148-A405-FD179DD3C66B}" destId="{B02CDD63-3A6B-6948-ACF1-88A58EB52FB9}" srcOrd="1" destOrd="0" presId="urn:microsoft.com/office/officeart/2005/8/layout/cycle7"/>
-    <dgm:cxn modelId="{187AD26E-F15D-A149-9280-60D68B77E7C7}" type="presOf" srcId="{E31B41B2-4191-7A4C-8D0B-1CB17225AEE3}" destId="{9992F0E4-0D14-D64A-BD5A-6603CFFA780B}" srcOrd="0" destOrd="0" presId="urn:microsoft.com/office/officeart/2005/8/layout/cycle7"/>
-    <dgm:cxn modelId="{825B8E76-F658-2D44-84EC-E1A618FA4FA2}" srcId="{2F9027FD-25FF-7242-A79E-61E742CD368A}" destId="{98E2BCE3-48CB-3843-926C-9C320575C833}" srcOrd="0" destOrd="0" parTransId="{3970C375-1E59-3046-A337-2E81F2226FCC}" sibTransId="{E31B41B2-4191-7A4C-8D0B-1CB17225AEE3}"/>
-    <dgm:cxn modelId="{DAA9A896-D756-5142-BCCC-4D0F68E8FA59}" srcId="{2F9027FD-25FF-7242-A79E-61E742CD368A}" destId="{7BBF7BA1-7312-0A49-AE5B-44ED289BEA30}" srcOrd="1" destOrd="0" parTransId="{4673452F-58F2-514B-A94D-0577477DF231}" sibTransId="{C364A634-700E-1C44-BFA9-FBBF57C3362D}"/>
-    <dgm:cxn modelId="{7B915BA9-6D65-2640-8703-8D2139B3CEC4}" type="presOf" srcId="{7B6C4EA7-15F1-8148-A405-FD179DD3C66B}" destId="{41C9BB89-8180-C444-B64D-6E9D3A56BF71}" srcOrd="0" destOrd="0" presId="urn:microsoft.com/office/officeart/2005/8/layout/cycle7"/>
-    <dgm:cxn modelId="{B491C1AA-AC80-B244-B73F-DA48175785E9}" type="presOf" srcId="{98E2BCE3-48CB-3843-926C-9C320575C833}" destId="{C4287D23-7520-ED44-A8B9-5B1E61F530BB}" srcOrd="0" destOrd="0" presId="urn:microsoft.com/office/officeart/2005/8/layout/cycle7"/>
-    <dgm:cxn modelId="{344586AE-979C-D54C-A195-19877A0C90D5}" type="presOf" srcId="{DCE89F1D-6B14-9942-A902-E85BDCCEA4D5}" destId="{A44DFC98-F506-9748-979F-0900ED0A9539}" srcOrd="1" destOrd="0" presId="urn:microsoft.com/office/officeart/2005/8/layout/cycle7"/>
-    <dgm:cxn modelId="{29AB53BA-F888-044A-B262-5BA0BE34319C}" type="presOf" srcId="{CEECA0C8-3DE3-A845-B4B5-E1782D2FC225}" destId="{4C59CEE1-2F87-EA4E-8E8A-291C26890606}" srcOrd="1" destOrd="0" presId="urn:microsoft.com/office/officeart/2005/8/layout/cycle7"/>
-    <dgm:cxn modelId="{3C3E7DC5-476C-0047-9044-E2641E331B35}" type="presOf" srcId="{C364A634-700E-1C44-BFA9-FBBF57C3362D}" destId="{266690F9-8262-5F49-BA95-818EFCBC0DD5}" srcOrd="1" destOrd="0" presId="urn:microsoft.com/office/officeart/2005/8/layout/cycle7"/>
-    <dgm:cxn modelId="{96CEEAC6-A8F2-8B4D-9D9A-28278BDFB5D6}" srcId="{2F9027FD-25FF-7242-A79E-61E742CD368A}" destId="{95D5FBF7-5298-CD4F-97BC-3A5177E8BB16}" srcOrd="2" destOrd="0" parTransId="{E173B7B8-5356-CA41-9E7A-DD28A1D30425}" sibTransId="{7B6C4EA7-15F1-8148-A405-FD179DD3C66B}"/>
-    <dgm:cxn modelId="{2673F0D0-3ECD-E643-9E33-87B3C2D985D8}" type="presOf" srcId="{E8B46390-5E06-EE44-B4F7-06C0A906BEC9}" destId="{25133257-38DD-9A4F-9A27-6A420EAE490B}" srcOrd="0" destOrd="0" presId="urn:microsoft.com/office/officeart/2005/8/layout/cycle7"/>
-    <dgm:cxn modelId="{179142D8-D4E5-AD48-BE8E-B810E449E1CB}" type="presOf" srcId="{CEECA0C8-3DE3-A845-B4B5-E1782D2FC225}" destId="{A10AAD6D-DC12-3B4D-A324-2A61F8F0E7F9}" srcOrd="0" destOrd="0" presId="urn:microsoft.com/office/officeart/2005/8/layout/cycle7"/>
-    <dgm:cxn modelId="{BCA154DC-12AC-5941-A6B4-25EA4B773877}" type="presOf" srcId="{2F9027FD-25FF-7242-A79E-61E742CD368A}" destId="{9F03E49C-B988-824A-B635-516F7C23E00F}" srcOrd="0" destOrd="0" presId="urn:microsoft.com/office/officeart/2005/8/layout/cycle7"/>
-    <dgm:cxn modelId="{AC225AE9-4360-164F-9034-EB24E6E573F4}" srcId="{2F9027FD-25FF-7242-A79E-61E742CD368A}" destId="{E8B46390-5E06-EE44-B4F7-06C0A906BEC9}" srcOrd="4" destOrd="0" parTransId="{6D3A753A-9F2D-DD4E-A860-50CE315127BC}" sibTransId="{DCE89F1D-6B14-9942-A902-E85BDCCEA4D5}"/>
-    <dgm:cxn modelId="{0BFD25EC-3917-044B-8A44-A53E253FC8C2}" type="presOf" srcId="{273A8519-1310-F445-ADA5-347BDF1382C3}" destId="{D9A4E293-0315-194A-8F86-8192C9C15FE2}" srcOrd="0" destOrd="0" presId="urn:microsoft.com/office/officeart/2005/8/layout/cycle7"/>
-    <dgm:cxn modelId="{76CD0A24-66BD-834A-A2CB-F7B28EB4AB83}" type="presParOf" srcId="{9F03E49C-B988-824A-B635-516F7C23E00F}" destId="{C4287D23-7520-ED44-A8B9-5B1E61F530BB}" srcOrd="0" destOrd="0" presId="urn:microsoft.com/office/officeart/2005/8/layout/cycle7"/>
-    <dgm:cxn modelId="{A2C51702-DAB2-3045-AA6A-F451F3412465}" type="presParOf" srcId="{9F03E49C-B988-824A-B635-516F7C23E00F}" destId="{9992F0E4-0D14-D64A-BD5A-6603CFFA780B}" srcOrd="1" destOrd="0" presId="urn:microsoft.com/office/officeart/2005/8/layout/cycle7"/>
-    <dgm:cxn modelId="{EF8AF1E4-C6C0-EB43-98AF-CD59A2D762EA}" type="presParOf" srcId="{9992F0E4-0D14-D64A-BD5A-6603CFFA780B}" destId="{A0550FA0-1085-CE42-8D25-D1EF7BC5B68F}" srcOrd="0" destOrd="0" presId="urn:microsoft.com/office/officeart/2005/8/layout/cycle7"/>
-    <dgm:cxn modelId="{8219EF5E-2D6D-9346-9581-A6D6E51EBD1B}" type="presParOf" srcId="{9F03E49C-B988-824A-B635-516F7C23E00F}" destId="{D39BD426-78E6-8B40-B515-E21E74645A99}" srcOrd="2" destOrd="0" presId="urn:microsoft.com/office/officeart/2005/8/layout/cycle7"/>
-    <dgm:cxn modelId="{3462DB38-328C-E440-B25F-8DD6AF474733}" type="presParOf" srcId="{9F03E49C-B988-824A-B635-516F7C23E00F}" destId="{F3B8F976-572A-084A-8EA7-F9491BBCA4E0}" srcOrd="3" destOrd="0" presId="urn:microsoft.com/office/officeart/2005/8/layout/cycle7"/>
-    <dgm:cxn modelId="{8D9331E4-E909-9541-9080-71833F8027F7}" type="presParOf" srcId="{F3B8F976-572A-084A-8EA7-F9491BBCA4E0}" destId="{266690F9-8262-5F49-BA95-818EFCBC0DD5}" srcOrd="0" destOrd="0" presId="urn:microsoft.com/office/officeart/2005/8/layout/cycle7"/>
-    <dgm:cxn modelId="{4D9031C6-E24C-6341-86FB-24C4B58DD6D3}" type="presParOf" srcId="{9F03E49C-B988-824A-B635-516F7C23E00F}" destId="{A97B12C2-A38D-CF47-B880-2D296737B665}" srcOrd="4" destOrd="0" presId="urn:microsoft.com/office/officeart/2005/8/layout/cycle7"/>
-    <dgm:cxn modelId="{470812E8-6FD4-4D43-8CF9-C46116E46C69}" type="presParOf" srcId="{9F03E49C-B988-824A-B635-516F7C23E00F}" destId="{41C9BB89-8180-C444-B64D-6E9D3A56BF71}" srcOrd="5" destOrd="0" presId="urn:microsoft.com/office/officeart/2005/8/layout/cycle7"/>
-    <dgm:cxn modelId="{C62D91E5-55A8-9E41-9FAF-3DCDF1101F68}" type="presParOf" srcId="{41C9BB89-8180-C444-B64D-6E9D3A56BF71}" destId="{B02CDD63-3A6B-6948-ACF1-88A58EB52FB9}" srcOrd="0" destOrd="0" presId="urn:microsoft.com/office/officeart/2005/8/layout/cycle7"/>
-    <dgm:cxn modelId="{C5F57BC4-A973-BA4A-A526-4E03325E84CF}" type="presParOf" srcId="{9F03E49C-B988-824A-B635-516F7C23E00F}" destId="{D9A4E293-0315-194A-8F86-8192C9C15FE2}" srcOrd="6" destOrd="0" presId="urn:microsoft.com/office/officeart/2005/8/layout/cycle7"/>
-    <dgm:cxn modelId="{3F6AAE43-BD49-AC4B-A41E-56F61216095A}" type="presParOf" srcId="{9F03E49C-B988-824A-B635-516F7C23E00F}" destId="{A10AAD6D-DC12-3B4D-A324-2A61F8F0E7F9}" srcOrd="7" destOrd="0" presId="urn:microsoft.com/office/officeart/2005/8/layout/cycle7"/>
-    <dgm:cxn modelId="{B7B75FF6-B25C-D346-83EC-A6894628CD80}" type="presParOf" srcId="{A10AAD6D-DC12-3B4D-A324-2A61F8F0E7F9}" destId="{4C59CEE1-2F87-EA4E-8E8A-291C26890606}" srcOrd="0" destOrd="0" presId="urn:microsoft.com/office/officeart/2005/8/layout/cycle7"/>
-    <dgm:cxn modelId="{E6A0793A-8B92-D744-9024-1C5EEA79BE03}" type="presParOf" srcId="{9F03E49C-B988-824A-B635-516F7C23E00F}" destId="{25133257-38DD-9A4F-9A27-6A420EAE490B}" srcOrd="8" destOrd="0" presId="urn:microsoft.com/office/officeart/2005/8/layout/cycle7"/>
-    <dgm:cxn modelId="{F2902598-0EF9-F447-92E6-EC455219E409}" type="presParOf" srcId="{9F03E49C-B988-824A-B635-516F7C23E00F}" destId="{19C40F79-5F42-B342-95C4-A46358F9843B}" srcOrd="9" destOrd="0" presId="urn:microsoft.com/office/officeart/2005/8/layout/cycle7"/>
-    <dgm:cxn modelId="{2879B40A-F20D-3A4B-A0CE-FE1DBF4E37C5}" type="presParOf" srcId="{19C40F79-5F42-B342-95C4-A46358F9843B}" destId="{A44DFC98-F506-9748-979F-0900ED0A9539}" srcOrd="0" destOrd="0" presId="urn:microsoft.com/office/officeart/2005/8/layout/cycle7"/>
-  </dgm:cxnLst>
-  <dgm:bg/>
-  <dgm:whole/>
-  <dgm:extLst>
-    <a:ext uri="http://schemas.microsoft.com/office/drawing/2008/diagram">
-      <dsp:dataModelExt xmlns:dsp="http://schemas.microsoft.com/office/drawing/2008/diagram" relId="rId6" minVer="http://schemas.openxmlformats.org/drawingml/2006/diagram"/>
-    </a:ext>
-  </dgm:extLst>
-</dgm:dataModel>
-</file>
-
-<file path=ppt/diagrams/drawing1.xml><?xml version="1.0" encoding="utf-8"?>
-<dsp:drawing xmlns:dgm="http://schemas.openxmlformats.org/drawingml/2006/diagram" xmlns:dsp="http://schemas.microsoft.com/office/drawing/2008/diagram" xmlns:a="http://schemas.openxmlformats.org/drawingml/2006/main">
-  <dsp:spTree>
-    <dsp:nvGrpSpPr>
-      <dsp:cNvPr id="0" name=""/>
-      <dsp:cNvGrpSpPr/>
-    </dsp:nvGrpSpPr>
-    <dsp:grpSpPr/>
-    <dsp:sp modelId="{C4287D23-7520-ED44-A8B9-5B1E61F530BB}">
-      <dsp:nvSpPr>
-        <dsp:cNvPr id="0" name=""/>
-        <dsp:cNvSpPr/>
-      </dsp:nvSpPr>
-      <dsp:spPr>
-        <a:xfrm>
-          <a:off x="3174007" y="3867"/>
-          <a:ext cx="1779984" cy="889992"/>
-        </a:xfrm>
-        <a:prstGeom prst="roundRect">
-          <a:avLst>
-            <a:gd name="adj" fmla="val 10000"/>
-          </a:avLst>
-        </a:prstGeom>
-        <a:solidFill>
-          <a:schemeClr val="accent1">
-            <a:hueOff val="0"/>
-            <a:satOff val="0"/>
-            <a:lumOff val="0"/>
-            <a:alphaOff val="0"/>
-          </a:schemeClr>
-        </a:solidFill>
-        <a:ln w="12700" cap="flat" cmpd="sng" algn="ctr">
-          <a:solidFill>
-            <a:schemeClr val="lt1">
-              <a:hueOff val="0"/>
-              <a:satOff val="0"/>
-              <a:lumOff val="0"/>
-              <a:alphaOff val="0"/>
-            </a:schemeClr>
-          </a:solidFill>
-          <a:prstDash val="solid"/>
-          <a:miter lim="800000"/>
-        </a:ln>
-        <a:effectLst/>
-      </dsp:spPr>
-      <dsp:style>
-        <a:lnRef idx="2">
-          <a:scrgbClr r="0" g="0" b="0"/>
-        </a:lnRef>
-        <a:fillRef idx="1">
-          <a:scrgbClr r="0" g="0" b="0"/>
-        </a:fillRef>
-        <a:effectRef idx="0">
-          <a:scrgbClr r="0" g="0" b="0"/>
-        </a:effectRef>
-        <a:fontRef idx="minor">
-          <a:schemeClr val="lt1"/>
-        </a:fontRef>
-      </dsp:style>
-      <dsp:txBody>
-        <a:bodyPr spcFirstLastPara="0" vert="horz" wrap="square" lIns="87630" tIns="87630" rIns="87630" bIns="87630" numCol="1" spcCol="1270" anchor="ctr" anchorCtr="0">
-          <a:noAutofit/>
-        </a:bodyPr>
-        <a:lstStyle/>
-        <a:p>
-          <a:pPr marL="0" lvl="0" indent="0" algn="ctr" defTabSz="1022350">
-            <a:lnSpc>
-              <a:spcPct val="90000"/>
-            </a:lnSpc>
-            <a:spcBef>
-              <a:spcPct val="0"/>
-            </a:spcBef>
-            <a:spcAft>
-              <a:spcPct val="35000"/>
-            </a:spcAft>
-            <a:buNone/>
-          </a:pPr>
-          <a:r>
-            <a:rPr lang="en-US" sz="2300" kern="1200" dirty="0"/>
-            <a:t>Raw Data</a:t>
-          </a:r>
-        </a:p>
-      </dsp:txBody>
-      <dsp:txXfrm>
-        <a:off x="3200074" y="29934"/>
-        <a:ext cx="1727850" cy="837858"/>
-      </dsp:txXfrm>
-    </dsp:sp>
-    <dsp:sp modelId="{9992F0E4-0D14-D64A-BD5A-6603CFFA780B}">
-      <dsp:nvSpPr>
-        <dsp:cNvPr id="0" name=""/>
-        <dsp:cNvSpPr/>
-      </dsp:nvSpPr>
-      <dsp:spPr>
-        <a:xfrm rot="2160000">
-          <a:off x="4789239" y="1156537"/>
-          <a:ext cx="926320" cy="311497"/>
-        </a:xfrm>
-        <a:prstGeom prst="leftRightArrow">
-          <a:avLst>
-            <a:gd name="adj1" fmla="val 60000"/>
-            <a:gd name="adj2" fmla="val 50000"/>
-          </a:avLst>
-        </a:prstGeom>
-        <a:solidFill>
-          <a:schemeClr val="accent1">
-            <a:tint val="60000"/>
-            <a:hueOff val="0"/>
-            <a:satOff val="0"/>
-            <a:lumOff val="0"/>
-            <a:alphaOff val="0"/>
-          </a:schemeClr>
-        </a:solidFill>
-        <a:ln>
-          <a:noFill/>
-        </a:ln>
-        <a:effectLst/>
-      </dsp:spPr>
-      <dsp:style>
-        <a:lnRef idx="0">
-          <a:scrgbClr r="0" g="0" b="0"/>
-        </a:lnRef>
-        <a:fillRef idx="1">
-          <a:scrgbClr r="0" g="0" b="0"/>
-        </a:fillRef>
-        <a:effectRef idx="0">
-          <a:scrgbClr r="0" g="0" b="0"/>
-        </a:effectRef>
-        <a:fontRef idx="minor">
-          <a:schemeClr val="lt1"/>
-        </a:fontRef>
-      </dsp:style>
-      <dsp:txBody>
-        <a:bodyPr spcFirstLastPara="0" vert="horz" wrap="square" lIns="0" tIns="0" rIns="0" bIns="0" numCol="1" spcCol="1270" anchor="ctr" anchorCtr="0">
-          <a:noAutofit/>
-        </a:bodyPr>
-        <a:lstStyle/>
-        <a:p>
-          <a:pPr marL="0" lvl="0" indent="0" algn="ctr" defTabSz="577850">
-            <a:lnSpc>
-              <a:spcPct val="90000"/>
-            </a:lnSpc>
-            <a:spcBef>
-              <a:spcPct val="0"/>
-            </a:spcBef>
-            <a:spcAft>
-              <a:spcPct val="35000"/>
-            </a:spcAft>
-            <a:buNone/>
-          </a:pPr>
-          <a:endParaRPr lang="en-US" sz="1300" kern="1200"/>
-        </a:p>
-      </dsp:txBody>
-      <dsp:txXfrm>
-        <a:off x="4882688" y="1218836"/>
-        <a:ext cx="739422" cy="186899"/>
-      </dsp:txXfrm>
-    </dsp:sp>
-    <dsp:sp modelId="{D39BD426-78E6-8B40-B515-E21E74645A99}">
-      <dsp:nvSpPr>
-        <dsp:cNvPr id="0" name=""/>
-        <dsp:cNvSpPr/>
-      </dsp:nvSpPr>
-      <dsp:spPr>
-        <a:xfrm>
-          <a:off x="5550806" y="1730712"/>
-          <a:ext cx="1779984" cy="889992"/>
-        </a:xfrm>
-        <a:prstGeom prst="roundRect">
-          <a:avLst>
-            <a:gd name="adj" fmla="val 10000"/>
-          </a:avLst>
-        </a:prstGeom>
-        <a:solidFill>
-          <a:schemeClr val="accent1">
-            <a:hueOff val="0"/>
-            <a:satOff val="0"/>
-            <a:lumOff val="0"/>
-            <a:alphaOff val="0"/>
-          </a:schemeClr>
-        </a:solidFill>
-        <a:ln w="12700" cap="flat" cmpd="sng" algn="ctr">
-          <a:solidFill>
-            <a:schemeClr val="lt1">
-              <a:hueOff val="0"/>
-              <a:satOff val="0"/>
-              <a:lumOff val="0"/>
-              <a:alphaOff val="0"/>
-            </a:schemeClr>
-          </a:solidFill>
-          <a:prstDash val="solid"/>
-          <a:miter lim="800000"/>
-        </a:ln>
-        <a:effectLst/>
-      </dsp:spPr>
-      <dsp:style>
-        <a:lnRef idx="2">
-          <a:scrgbClr r="0" g="0" b="0"/>
-        </a:lnRef>
-        <a:fillRef idx="1">
-          <a:scrgbClr r="0" g="0" b="0"/>
-        </a:fillRef>
-        <a:effectRef idx="0">
-          <a:scrgbClr r="0" g="0" b="0"/>
-        </a:effectRef>
-        <a:fontRef idx="minor">
-          <a:schemeClr val="lt1"/>
-        </a:fontRef>
-      </dsp:style>
-      <dsp:txBody>
-        <a:bodyPr spcFirstLastPara="0" vert="horz" wrap="square" lIns="87630" tIns="87630" rIns="87630" bIns="87630" numCol="1" spcCol="1270" anchor="ctr" anchorCtr="0">
-          <a:noAutofit/>
-        </a:bodyPr>
-        <a:lstStyle/>
-        <a:p>
-          <a:pPr marL="0" lvl="0" indent="0" algn="ctr" defTabSz="1022350">
-            <a:lnSpc>
-              <a:spcPct val="90000"/>
-            </a:lnSpc>
-            <a:spcBef>
-              <a:spcPct val="0"/>
-            </a:spcBef>
-            <a:spcAft>
-              <a:spcPct val="35000"/>
-            </a:spcAft>
-            <a:buNone/>
-          </a:pPr>
-          <a:r>
-            <a:rPr lang="en-US" sz="2300" kern="1200" dirty="0"/>
-            <a:t>Integrated Data</a:t>
-          </a:r>
-        </a:p>
-      </dsp:txBody>
-      <dsp:txXfrm>
-        <a:off x="5576873" y="1756779"/>
-        <a:ext cx="1727850" cy="837858"/>
-      </dsp:txXfrm>
-    </dsp:sp>
-    <dsp:sp modelId="{F3B8F976-572A-084A-8EA7-F9491BBCA4E0}">
-      <dsp:nvSpPr>
-        <dsp:cNvPr id="0" name=""/>
-        <dsp:cNvSpPr/>
-      </dsp:nvSpPr>
-      <dsp:spPr>
-        <a:xfrm rot="6480000">
-          <a:off x="5523710" y="3417007"/>
-          <a:ext cx="926320" cy="311497"/>
-        </a:xfrm>
-        <a:prstGeom prst="leftRightArrow">
-          <a:avLst>
-            <a:gd name="adj1" fmla="val 60000"/>
-            <a:gd name="adj2" fmla="val 50000"/>
-          </a:avLst>
-        </a:prstGeom>
-        <a:solidFill>
-          <a:schemeClr val="accent1">
-            <a:tint val="60000"/>
-            <a:hueOff val="0"/>
-            <a:satOff val="0"/>
-            <a:lumOff val="0"/>
-            <a:alphaOff val="0"/>
-          </a:schemeClr>
-        </a:solidFill>
-        <a:ln>
-          <a:noFill/>
-        </a:ln>
-        <a:effectLst/>
-      </dsp:spPr>
-      <dsp:style>
-        <a:lnRef idx="0">
-          <a:scrgbClr r="0" g="0" b="0"/>
-        </a:lnRef>
-        <a:fillRef idx="1">
-          <a:scrgbClr r="0" g="0" b="0"/>
-        </a:fillRef>
-        <a:effectRef idx="0">
-          <a:scrgbClr r="0" g="0" b="0"/>
-        </a:effectRef>
-        <a:fontRef idx="minor">
-          <a:schemeClr val="lt1"/>
-        </a:fontRef>
-      </dsp:style>
-      <dsp:txBody>
-        <a:bodyPr spcFirstLastPara="0" vert="horz" wrap="square" lIns="0" tIns="0" rIns="0" bIns="0" numCol="1" spcCol="1270" anchor="ctr" anchorCtr="0">
-          <a:noAutofit/>
-        </a:bodyPr>
-        <a:lstStyle/>
-        <a:p>
-          <a:pPr marL="0" lvl="0" indent="0" algn="ctr" defTabSz="577850">
-            <a:lnSpc>
-              <a:spcPct val="90000"/>
-            </a:lnSpc>
-            <a:spcBef>
-              <a:spcPct val="0"/>
-            </a:spcBef>
-            <a:spcAft>
-              <a:spcPct val="35000"/>
-            </a:spcAft>
-            <a:buNone/>
-          </a:pPr>
-          <a:endParaRPr lang="en-US" sz="1300" kern="1200"/>
-        </a:p>
-      </dsp:txBody>
-      <dsp:txXfrm rot="10800000">
-        <a:off x="5617159" y="3479306"/>
-        <a:ext cx="739422" cy="186899"/>
-      </dsp:txXfrm>
-    </dsp:sp>
-    <dsp:sp modelId="{A97B12C2-A38D-CF47-B880-2D296737B665}">
-      <dsp:nvSpPr>
-        <dsp:cNvPr id="0" name=""/>
-        <dsp:cNvSpPr/>
-      </dsp:nvSpPr>
-      <dsp:spPr>
-        <a:xfrm>
-          <a:off x="4642950" y="4524807"/>
-          <a:ext cx="1779984" cy="889992"/>
-        </a:xfrm>
-        <a:prstGeom prst="roundRect">
-          <a:avLst>
-            <a:gd name="adj" fmla="val 10000"/>
-          </a:avLst>
-        </a:prstGeom>
-        <a:solidFill>
-          <a:schemeClr val="accent1">
-            <a:hueOff val="0"/>
-            <a:satOff val="0"/>
-            <a:lumOff val="0"/>
-            <a:alphaOff val="0"/>
-          </a:schemeClr>
-        </a:solidFill>
-        <a:ln w="12700" cap="flat" cmpd="sng" algn="ctr">
-          <a:solidFill>
-            <a:schemeClr val="lt1">
-              <a:hueOff val="0"/>
-              <a:satOff val="0"/>
-              <a:lumOff val="0"/>
-              <a:alphaOff val="0"/>
-            </a:schemeClr>
-          </a:solidFill>
-          <a:prstDash val="solid"/>
-          <a:miter lim="800000"/>
-        </a:ln>
-        <a:effectLst/>
-      </dsp:spPr>
-      <dsp:style>
-        <a:lnRef idx="2">
-          <a:scrgbClr r="0" g="0" b="0"/>
-        </a:lnRef>
-        <a:fillRef idx="1">
-          <a:scrgbClr r="0" g="0" b="0"/>
-        </a:fillRef>
-        <a:effectRef idx="0">
-          <a:scrgbClr r="0" g="0" b="0"/>
-        </a:effectRef>
-        <a:fontRef idx="minor">
-          <a:schemeClr val="lt1"/>
-        </a:fontRef>
-      </dsp:style>
-      <dsp:txBody>
-        <a:bodyPr spcFirstLastPara="0" vert="horz" wrap="square" lIns="87630" tIns="87630" rIns="87630" bIns="87630" numCol="1" spcCol="1270" anchor="ctr" anchorCtr="0">
-          <a:noAutofit/>
-        </a:bodyPr>
-        <a:lstStyle/>
-        <a:p>
-          <a:pPr marL="0" lvl="0" indent="0" algn="ctr" defTabSz="1022350">
-            <a:lnSpc>
-              <a:spcPct val="90000"/>
-            </a:lnSpc>
-            <a:spcBef>
-              <a:spcPct val="0"/>
-            </a:spcBef>
-            <a:spcAft>
-              <a:spcPct val="35000"/>
-            </a:spcAft>
-            <a:buNone/>
-          </a:pPr>
-          <a:r>
-            <a:rPr lang="en-US" sz="2300" kern="1200" dirty="0"/>
-            <a:t>Modelling</a:t>
-          </a:r>
-        </a:p>
-      </dsp:txBody>
-      <dsp:txXfrm>
-        <a:off x="4669017" y="4550874"/>
-        <a:ext cx="1727850" cy="837858"/>
-      </dsp:txXfrm>
-    </dsp:sp>
-    <dsp:sp modelId="{41C9BB89-8180-C444-B64D-6E9D3A56BF71}">
-      <dsp:nvSpPr>
-        <dsp:cNvPr id="0" name=""/>
-        <dsp:cNvSpPr/>
-      </dsp:nvSpPr>
-      <dsp:spPr>
-        <a:xfrm rot="10800000">
-          <a:off x="3600839" y="4814054"/>
-          <a:ext cx="926320" cy="311497"/>
-        </a:xfrm>
-        <a:prstGeom prst="leftRightArrow">
-          <a:avLst>
-            <a:gd name="adj1" fmla="val 60000"/>
-            <a:gd name="adj2" fmla="val 50000"/>
-          </a:avLst>
-        </a:prstGeom>
-        <a:solidFill>
-          <a:schemeClr val="accent1">
-            <a:tint val="60000"/>
-            <a:hueOff val="0"/>
-            <a:satOff val="0"/>
-            <a:lumOff val="0"/>
-            <a:alphaOff val="0"/>
-          </a:schemeClr>
-        </a:solidFill>
-        <a:ln>
-          <a:noFill/>
-        </a:ln>
-        <a:effectLst/>
-      </dsp:spPr>
-      <dsp:style>
-        <a:lnRef idx="0">
-          <a:scrgbClr r="0" g="0" b="0"/>
-        </a:lnRef>
-        <a:fillRef idx="1">
-          <a:scrgbClr r="0" g="0" b="0"/>
-        </a:fillRef>
-        <a:effectRef idx="0">
-          <a:scrgbClr r="0" g="0" b="0"/>
-        </a:effectRef>
-        <a:fontRef idx="minor">
-          <a:schemeClr val="lt1"/>
-        </a:fontRef>
-      </dsp:style>
-      <dsp:txBody>
-        <a:bodyPr spcFirstLastPara="0" vert="horz" wrap="square" lIns="0" tIns="0" rIns="0" bIns="0" numCol="1" spcCol="1270" anchor="ctr" anchorCtr="0">
-          <a:noAutofit/>
-        </a:bodyPr>
-        <a:lstStyle/>
-        <a:p>
-          <a:pPr marL="0" lvl="0" indent="0" algn="ctr" defTabSz="577850">
-            <a:lnSpc>
-              <a:spcPct val="90000"/>
-            </a:lnSpc>
-            <a:spcBef>
-              <a:spcPct val="0"/>
-            </a:spcBef>
-            <a:spcAft>
-              <a:spcPct val="35000"/>
-            </a:spcAft>
-            <a:buNone/>
-          </a:pPr>
-          <a:endParaRPr lang="en-US" sz="1300" kern="1200"/>
-        </a:p>
-      </dsp:txBody>
-      <dsp:txXfrm rot="10800000">
-        <a:off x="3694288" y="4876353"/>
-        <a:ext cx="739422" cy="186899"/>
-      </dsp:txXfrm>
-    </dsp:sp>
-    <dsp:sp modelId="{D9A4E293-0315-194A-8F86-8192C9C15FE2}">
-      <dsp:nvSpPr>
-        <dsp:cNvPr id="0" name=""/>
-        <dsp:cNvSpPr/>
-      </dsp:nvSpPr>
-      <dsp:spPr>
-        <a:xfrm>
-          <a:off x="1705065" y="4524807"/>
-          <a:ext cx="1779984" cy="889992"/>
-        </a:xfrm>
-        <a:prstGeom prst="roundRect">
-          <a:avLst>
-            <a:gd name="adj" fmla="val 10000"/>
-          </a:avLst>
-        </a:prstGeom>
-        <a:solidFill>
-          <a:schemeClr val="accent1">
-            <a:hueOff val="0"/>
-            <a:satOff val="0"/>
-            <a:lumOff val="0"/>
-            <a:alphaOff val="0"/>
-          </a:schemeClr>
-        </a:solidFill>
-        <a:ln w="12700" cap="flat" cmpd="sng" algn="ctr">
-          <a:solidFill>
-            <a:schemeClr val="lt1">
-              <a:hueOff val="0"/>
-              <a:satOff val="0"/>
-              <a:lumOff val="0"/>
-              <a:alphaOff val="0"/>
-            </a:schemeClr>
-          </a:solidFill>
-          <a:prstDash val="solid"/>
-          <a:miter lim="800000"/>
-        </a:ln>
-        <a:effectLst/>
-      </dsp:spPr>
-      <dsp:style>
-        <a:lnRef idx="2">
-          <a:scrgbClr r="0" g="0" b="0"/>
-        </a:lnRef>
-        <a:fillRef idx="1">
-          <a:scrgbClr r="0" g="0" b="0"/>
-        </a:fillRef>
-        <a:effectRef idx="0">
-          <a:scrgbClr r="0" g="0" b="0"/>
-        </a:effectRef>
-        <a:fontRef idx="minor">
-          <a:schemeClr val="lt1"/>
-        </a:fontRef>
-      </dsp:style>
-      <dsp:txBody>
-        <a:bodyPr spcFirstLastPara="0" vert="horz" wrap="square" lIns="87630" tIns="87630" rIns="87630" bIns="87630" numCol="1" spcCol="1270" anchor="ctr" anchorCtr="0">
-          <a:noAutofit/>
-        </a:bodyPr>
-        <a:lstStyle/>
-        <a:p>
-          <a:pPr marL="0" lvl="0" indent="0" algn="ctr" defTabSz="1022350">
-            <a:lnSpc>
-              <a:spcPct val="90000"/>
-            </a:lnSpc>
-            <a:spcBef>
-              <a:spcPct val="0"/>
-            </a:spcBef>
-            <a:spcAft>
-              <a:spcPct val="35000"/>
-            </a:spcAft>
-            <a:buNone/>
-          </a:pPr>
-          <a:r>
-            <a:rPr lang="en-US" sz="2300" kern="1200" dirty="0"/>
-            <a:t>Model Results</a:t>
-          </a:r>
-        </a:p>
-      </dsp:txBody>
-      <dsp:txXfrm>
-        <a:off x="1731132" y="4550874"/>
-        <a:ext cx="1727850" cy="837858"/>
-      </dsp:txXfrm>
-    </dsp:sp>
-    <dsp:sp modelId="{A10AAD6D-DC12-3B4D-A324-2A61F8F0E7F9}">
-      <dsp:nvSpPr>
-        <dsp:cNvPr id="0" name=""/>
-        <dsp:cNvSpPr/>
-      </dsp:nvSpPr>
-      <dsp:spPr>
-        <a:xfrm rot="14808360">
-          <a:off x="1585373" y="3538548"/>
-          <a:ext cx="926320" cy="311497"/>
-        </a:xfrm>
-        <a:prstGeom prst="leftRightArrow">
-          <a:avLst>
-            <a:gd name="adj1" fmla="val 60000"/>
-            <a:gd name="adj2" fmla="val 50000"/>
-          </a:avLst>
-        </a:prstGeom>
-        <a:solidFill>
-          <a:schemeClr val="accent1">
-            <a:tint val="60000"/>
-            <a:hueOff val="0"/>
-            <a:satOff val="0"/>
-            <a:lumOff val="0"/>
-            <a:alphaOff val="0"/>
-          </a:schemeClr>
-        </a:solidFill>
-        <a:ln>
-          <a:noFill/>
-        </a:ln>
-        <a:effectLst/>
-      </dsp:spPr>
-      <dsp:style>
-        <a:lnRef idx="0">
-          <a:scrgbClr r="0" g="0" b="0"/>
-        </a:lnRef>
-        <a:fillRef idx="1">
-          <a:scrgbClr r="0" g="0" b="0"/>
-        </a:fillRef>
-        <a:effectRef idx="0">
-          <a:scrgbClr r="0" g="0" b="0"/>
-        </a:effectRef>
-        <a:fontRef idx="minor">
-          <a:schemeClr val="lt1"/>
-        </a:fontRef>
-      </dsp:style>
-      <dsp:txBody>
-        <a:bodyPr spcFirstLastPara="0" vert="horz" wrap="square" lIns="0" tIns="0" rIns="0" bIns="0" numCol="1" spcCol="1270" anchor="ctr" anchorCtr="0">
-          <a:noAutofit/>
-        </a:bodyPr>
-        <a:lstStyle/>
-        <a:p>
-          <a:pPr marL="0" lvl="0" indent="0" algn="ctr" defTabSz="577850">
-            <a:lnSpc>
-              <a:spcPct val="90000"/>
-            </a:lnSpc>
-            <a:spcBef>
-              <a:spcPct val="0"/>
-            </a:spcBef>
-            <a:spcAft>
-              <a:spcPct val="35000"/>
-            </a:spcAft>
-            <a:buNone/>
-          </a:pPr>
-          <a:endParaRPr lang="en-US" sz="1300" kern="1200"/>
-        </a:p>
-      </dsp:txBody>
-      <dsp:txXfrm rot="10800000">
-        <a:off x="1678822" y="3600847"/>
-        <a:ext cx="739422" cy="186899"/>
-      </dsp:txXfrm>
-    </dsp:sp>
-    <dsp:sp modelId="{25133257-38DD-9A4F-9A27-6A420EAE490B}">
-      <dsp:nvSpPr>
-        <dsp:cNvPr id="0" name=""/>
-        <dsp:cNvSpPr/>
-      </dsp:nvSpPr>
-      <dsp:spPr>
-        <a:xfrm>
-          <a:off x="612016" y="1973795"/>
-          <a:ext cx="1779984" cy="889992"/>
-        </a:xfrm>
-        <a:prstGeom prst="roundRect">
-          <a:avLst>
-            <a:gd name="adj" fmla="val 10000"/>
-          </a:avLst>
-        </a:prstGeom>
-        <a:solidFill>
-          <a:schemeClr val="accent1">
-            <a:hueOff val="0"/>
-            <a:satOff val="0"/>
-            <a:lumOff val="0"/>
-            <a:alphaOff val="0"/>
-          </a:schemeClr>
-        </a:solidFill>
-        <a:ln w="12700" cap="flat" cmpd="sng" algn="ctr">
-          <a:solidFill>
-            <a:schemeClr val="lt1">
-              <a:hueOff val="0"/>
-              <a:satOff val="0"/>
-              <a:lumOff val="0"/>
-              <a:alphaOff val="0"/>
-            </a:schemeClr>
-          </a:solidFill>
-          <a:prstDash val="solid"/>
-          <a:miter lim="800000"/>
-        </a:ln>
-        <a:effectLst/>
-      </dsp:spPr>
-      <dsp:style>
-        <a:lnRef idx="2">
-          <a:scrgbClr r="0" g="0" b="0"/>
-        </a:lnRef>
-        <a:fillRef idx="1">
-          <a:scrgbClr r="0" g="0" b="0"/>
-        </a:fillRef>
-        <a:effectRef idx="0">
-          <a:scrgbClr r="0" g="0" b="0"/>
-        </a:effectRef>
-        <a:fontRef idx="minor">
-          <a:schemeClr val="lt1"/>
-        </a:fontRef>
-      </dsp:style>
-      <dsp:txBody>
-        <a:bodyPr spcFirstLastPara="0" vert="horz" wrap="square" lIns="87630" tIns="87630" rIns="87630" bIns="87630" numCol="1" spcCol="1270" anchor="ctr" anchorCtr="0">
-          <a:noAutofit/>
-        </a:bodyPr>
-        <a:lstStyle/>
-        <a:p>
-          <a:pPr marL="0" lvl="0" indent="0" algn="ctr" defTabSz="1022350">
-            <a:lnSpc>
-              <a:spcPct val="90000"/>
-            </a:lnSpc>
-            <a:spcBef>
-              <a:spcPct val="0"/>
-            </a:spcBef>
-            <a:spcAft>
-              <a:spcPct val="35000"/>
-            </a:spcAft>
-            <a:buNone/>
-          </a:pPr>
-          <a:r>
-            <a:rPr lang="en-US" sz="2300" kern="1200" dirty="0"/>
-            <a:t>Software</a:t>
-          </a:r>
-        </a:p>
-      </dsp:txBody>
-      <dsp:txXfrm>
-        <a:off x="638083" y="1999862"/>
-        <a:ext cx="1727850" cy="837858"/>
-      </dsp:txXfrm>
-    </dsp:sp>
-    <dsp:sp modelId="{19C40F79-5F42-B342-95C4-A46358F9843B}">
-      <dsp:nvSpPr>
-        <dsp:cNvPr id="0" name=""/>
-        <dsp:cNvSpPr/>
-      </dsp:nvSpPr>
-      <dsp:spPr>
-        <a:xfrm rot="19346588">
-          <a:off x="2319844" y="1278078"/>
-          <a:ext cx="926320" cy="311497"/>
-        </a:xfrm>
-        <a:prstGeom prst="leftRightArrow">
-          <a:avLst>
-            <a:gd name="adj1" fmla="val 60000"/>
-            <a:gd name="adj2" fmla="val 50000"/>
-          </a:avLst>
-        </a:prstGeom>
-        <a:solidFill>
-          <a:schemeClr val="accent1">
-            <a:tint val="60000"/>
-            <a:hueOff val="0"/>
-            <a:satOff val="0"/>
-            <a:lumOff val="0"/>
-            <a:alphaOff val="0"/>
-          </a:schemeClr>
-        </a:solidFill>
-        <a:ln>
-          <a:noFill/>
-        </a:ln>
-        <a:effectLst/>
-      </dsp:spPr>
-      <dsp:style>
-        <a:lnRef idx="0">
-          <a:scrgbClr r="0" g="0" b="0"/>
-        </a:lnRef>
-        <a:fillRef idx="1">
-          <a:scrgbClr r="0" g="0" b="0"/>
-        </a:fillRef>
-        <a:effectRef idx="0">
-          <a:scrgbClr r="0" g="0" b="0"/>
-        </a:effectRef>
-        <a:fontRef idx="minor">
-          <a:schemeClr val="lt1"/>
-        </a:fontRef>
-      </dsp:style>
-      <dsp:txBody>
-        <a:bodyPr spcFirstLastPara="0" vert="horz" wrap="square" lIns="0" tIns="0" rIns="0" bIns="0" numCol="1" spcCol="1270" anchor="ctr" anchorCtr="0">
-          <a:noAutofit/>
-        </a:bodyPr>
-        <a:lstStyle/>
-        <a:p>
-          <a:pPr marL="0" lvl="0" indent="0" algn="ctr" defTabSz="577850">
-            <a:lnSpc>
-              <a:spcPct val="90000"/>
-            </a:lnSpc>
-            <a:spcBef>
-              <a:spcPct val="0"/>
-            </a:spcBef>
-            <a:spcAft>
-              <a:spcPct val="35000"/>
-            </a:spcAft>
-            <a:buNone/>
-          </a:pPr>
-          <a:endParaRPr lang="en-US" sz="1300" kern="1200"/>
-        </a:p>
-      </dsp:txBody>
-      <dsp:txXfrm>
-        <a:off x="2413293" y="1340377"/>
-        <a:ext cx="739422" cy="186899"/>
-      </dsp:txXfrm>
-    </dsp:sp>
-  </dsp:spTree>
-</dsp:drawing>
-</file>
-
-<file path=ppt/diagrams/layout1.xml><?xml version="1.0" encoding="utf-8"?>
-<dgm:layoutDef xmlns:dgm="http://schemas.openxmlformats.org/drawingml/2006/diagram" xmlns:a="http://schemas.openxmlformats.org/drawingml/2006/main" uniqueId="urn:microsoft.com/office/officeart/2005/8/layout/cycle7">
-  <dgm:title val=""/>
-  <dgm:desc val=""/>
-  <dgm:catLst>
-    <dgm:cat type="cycle" pri="6000"/>
-  </dgm:catLst>
-  <dgm:sampData>
-    <dgm:dataModel>
-      <dgm:ptLst>
-        <dgm:pt modelId="0" type="doc"/>
-        <dgm:pt modelId="1">
-          <dgm:prSet phldr="1"/>
-        </dgm:pt>
-        <dgm:pt modelId="2">
-          <dgm:prSet phldr="1"/>
-        </dgm:pt>
-        <dgm:pt modelId="3">
-          <dgm:prSet phldr="1"/>
-        </dgm:pt>
-      </dgm:ptLst>
-      <dgm:cxnLst>
-        <dgm:cxn modelId="6" srcId="0" destId="1" srcOrd="0" destOrd="0"/>
-        <dgm:cxn modelId="7" srcId="0" destId="2" srcOrd="1" destOrd="0"/>
-        <dgm:cxn modelId="8" srcId="0" destId="3" srcOrd="2" destOrd="0"/>
-      </dgm:cxnLst>
-      <dgm:bg/>
-      <dgm:whole/>
-    </dgm:dataModel>
-  </dgm:sampData>
-  <dgm:styleData>
-    <dgm:dataModel>
-      <dgm:ptLst>
-        <dgm:pt modelId="0" type="doc"/>
-        <dgm:pt modelId="1"/>
-        <dgm:pt modelId="2"/>
-        <dgm:pt modelId="3"/>
-      </dgm:ptLst>
-      <dgm:cxnLst>
-        <dgm:cxn modelId="4" srcId="0" destId="1" srcOrd="0" destOrd="0"/>
-        <dgm:cxn modelId="5" srcId="0" destId="2" srcOrd="1" destOrd="0"/>
-        <dgm:cxn modelId="6" srcId="0" destId="3" srcOrd="2" destOrd="0"/>
-      </dgm:cxnLst>
-      <dgm:bg/>
-      <dgm:whole/>
-    </dgm:dataModel>
-  </dgm:styleData>
-  <dgm:clrData>
-    <dgm:dataModel>
-      <dgm:ptLst>
-        <dgm:pt modelId="0" type="doc"/>
-        <dgm:pt modelId="1"/>
-        <dgm:pt modelId="2"/>
-        <dgm:pt modelId="3"/>
-        <dgm:pt modelId="4"/>
-        <dgm:pt modelId="5"/>
-        <dgm:pt modelId="6"/>
-      </dgm:ptLst>
-      <dgm:cxnLst>
-        <dgm:cxn modelId="7" srcId="0" destId="1" srcOrd="0" destOrd="0"/>
-        <dgm:cxn modelId="8" srcId="0" destId="2" srcOrd="1" destOrd="0"/>
-        <dgm:cxn modelId="9" srcId="0" destId="3" srcOrd="2" destOrd="0"/>
-        <dgm:cxn modelId="10" srcId="0" destId="4" srcOrd="3" destOrd="0"/>
-        <dgm:cxn modelId="11" srcId="0" destId="5" srcOrd="4" destOrd="0"/>
-        <dgm:cxn modelId="12" srcId="0" destId="6" srcOrd="5" destOrd="0"/>
-      </dgm:cxnLst>
-      <dgm:bg/>
-      <dgm:whole/>
-    </dgm:dataModel>
-  </dgm:clrData>
-  <dgm:layoutNode name="Name0">
-    <dgm:varLst>
-      <dgm:dir/>
-      <dgm:resizeHandles val="exact"/>
-    </dgm:varLst>
-    <dgm:choose name="Name1">
-      <dgm:if name="Name2" func="var" arg="dir" op="equ" val="norm">
-        <dgm:alg type="cycle">
-          <dgm:param type="stAng" val="0"/>
-          <dgm:param type="spanAng" val="360"/>
-        </dgm:alg>
-      </dgm:if>
-      <dgm:else name="Name3">
-        <dgm:alg type="cycle">
-          <dgm:param type="stAng" val="0"/>
-          <dgm:param type="spanAng" val="-360"/>
-        </dgm:alg>
-      </dgm:else>
-    </dgm:choose>
-    <dgm:shape xmlns:r="http://schemas.openxmlformats.org/officeDocument/2006/relationships" r:blip="">
-      <dgm:adjLst/>
-    </dgm:shape>
-    <dgm:presOf/>
-    <dgm:constrLst>
-      <dgm:constr type="diam" refType="w"/>
-      <dgm:constr type="w" for="ch" ptType="node" refType="w"/>
-      <dgm:constr type="primFontSz" for="ch" ptType="node" op="equ" val="65"/>
-      <dgm:constr type="w" for="ch" forName="sibTrans" refType="w" refFor="ch" refPtType="node" op="equ" fact="0.35"/>
-      <dgm:constr type="connDist" for="ch" forName="sibTrans" op="equ"/>
-      <dgm:constr type="primFontSz" for="des" forName="connectorText" op="equ" val="55"/>
-      <dgm:constr type="primFontSz" for="des" forName="connectorText" refType="primFontSz" refFor="ch" refPtType="node" op="lte" fact="0.8"/>
-      <dgm:constr type="sibSp" refType="w" refFor="ch" refPtType="node" op="equ" fact="0.65"/>
-    </dgm:constrLst>
-    <dgm:ruleLst/>
-    <dgm:forEach name="nodesForEach" axis="ch" ptType="node">
-      <dgm:layoutNode name="node">
-        <dgm:varLst>
-          <dgm:bulletEnabled val="1"/>
-        </dgm:varLst>
-        <dgm:alg type="tx"/>
-        <dgm:shape xmlns:r="http://schemas.openxmlformats.org/officeDocument/2006/relationships" type="roundRect" r:blip="">
-          <dgm:adjLst>
-            <dgm:adj idx="1" val="0.1"/>
-          </dgm:adjLst>
-        </dgm:shape>
-        <dgm:presOf axis="desOrSelf" ptType="node"/>
-        <dgm:constrLst>
-          <dgm:constr type="h" refType="w" fact="0.5"/>
-          <dgm:constr type="tMarg" refType="primFontSz" fact="0.3"/>
-          <dgm:constr type="bMarg" refType="primFontSz" fact="0.3"/>
-          <dgm:constr type="lMarg" refType="primFontSz" fact="0.3"/>
-          <dgm:constr type="rMarg" refType="primFontSz" fact="0.3"/>
-        </dgm:constrLst>
-        <dgm:ruleLst>
-          <dgm:rule type="primFontSz" val="5" fact="NaN" max="NaN"/>
-        </dgm:ruleLst>
-      </dgm:layoutNode>
-      <dgm:choose name="Name4">
-        <dgm:if name="Name5" axis="par ch" ptType="doc node" func="cnt" op="gt" val="1">
-          <dgm:forEach name="sibTransForEach" axis="followSib" ptType="sibTrans" hideLastTrans="0" cnt="1">
-            <dgm:layoutNode name="sibTrans">
-              <dgm:choose name="Name6">
-                <dgm:if name="Name7" axis="par ch" ptType="doc node" func="posEven" op="equ" val="1">
-                  <dgm:alg type="conn">
-                    <dgm:param type="begPts" val="radial"/>
-                    <dgm:param type="endPts" val="radial"/>
-                    <dgm:param type="begSty" val="arr"/>
-                    <dgm:param type="endSty" val="arr"/>
-                  </dgm:alg>
-                </dgm:if>
-                <dgm:else name="Name8">
-                  <dgm:alg type="conn">
-                    <dgm:param type="begPts" val="auto"/>
-                    <dgm:param type="endPts" val="auto"/>
-                    <dgm:param type="begSty" val="arr"/>
-                    <dgm:param type="endSty" val="arr"/>
-                  </dgm:alg>
-                </dgm:else>
-              </dgm:choose>
-              <dgm:shape xmlns:r="http://schemas.openxmlformats.org/officeDocument/2006/relationships" type="conn" r:blip="">
-                <dgm:adjLst/>
-              </dgm:shape>
-              <dgm:presOf axis="self"/>
-              <dgm:constrLst>
-                <dgm:constr type="h" refType="w" fact="0.5"/>
-                <dgm:constr type="connDist"/>
-                <dgm:constr type="begPad" refType="connDist" fact="0.1"/>
-                <dgm:constr type="endPad" refType="connDist" fact="0.1"/>
-              </dgm:constrLst>
-              <dgm:ruleLst/>
-              <dgm:layoutNode name="connectorText">
-                <dgm:alg type="tx">
-                  <dgm:param type="autoTxRot" val="grav"/>
-                </dgm:alg>
-                <dgm:shape xmlns:r="http://schemas.openxmlformats.org/officeDocument/2006/relationships" type="conn" r:blip="" hideGeom="1">
-                  <dgm:adjLst/>
-                </dgm:shape>
-                <dgm:presOf axis="self"/>
-                <dgm:constrLst>
-                  <dgm:constr type="lMarg"/>
-                  <dgm:constr type="rMarg"/>
-                  <dgm:constr type="tMarg"/>
-                  <dgm:constr type="bMarg"/>
-                </dgm:constrLst>
-                <dgm:ruleLst>
-                  <dgm:rule type="primFontSz" val="5" fact="NaN" max="NaN"/>
-                </dgm:ruleLst>
-              </dgm:layoutNode>
-            </dgm:layoutNode>
-          </dgm:forEach>
-        </dgm:if>
-        <dgm:else name="Name9"/>
-      </dgm:choose>
-    </dgm:forEach>
-  </dgm:layoutNode>
-</dgm:layoutDef>
-</file>
-
-<file path=ppt/diagrams/quickStyle1.xml><?xml version="1.0" encoding="utf-8"?>
-<dgm:styleDef xmlns:dgm="http://schemas.openxmlformats.org/drawingml/2006/diagram" xmlns:a="http://schemas.openxmlformats.org/drawingml/2006/main" uniqueId="urn:microsoft.com/office/officeart/2005/8/quickstyle/simple1">
-  <dgm:title val=""/>
-  <dgm:desc val=""/>
-  <dgm:catLst>
-    <dgm:cat type="simple" pri="10100"/>
-  </dgm:catLst>
-  <dgm:scene3d>
-    <a:camera prst="orthographicFront"/>
-    <a:lightRig rig="threePt" dir="t"/>
-  </dgm:scene3d>
-  <dgm:styleLbl name="node0">
-    <dgm:scene3d>
-      <a:camera prst="orthographicFront"/>
-      <a:lightRig rig="threePt" dir="t"/>
-    </dgm:scene3d>
-    <dgm:sp3d/>
-    <dgm:txPr/>
-    <dgm:style>
-      <a:lnRef idx="2">
-        <a:scrgbClr r="0" g="0" b="0"/>
-      </a:lnRef>
-      <a:fillRef idx="1">
-        <a:scrgbClr r="0" g="0" b="0"/>
-      </a:fillRef>
-      <a:effectRef idx="0">
-        <a:scrgbClr r="0" g="0" b="0"/>
-      </a:effectRef>
-      <a:fontRef idx="minor">
-        <a:schemeClr val="lt1"/>
-      </a:fontRef>
-    </dgm:style>
-  </dgm:styleLbl>
-  <dgm:styleLbl name="lnNode1">
-    <dgm:scene3d>
-      <a:camera prst="orthographicFront"/>
-      <a:lightRig rig="threePt" dir="t"/>
-    </dgm:scene3d>
-    <dgm:sp3d/>
-    <dgm:txPr/>
-    <dgm:style>
-      <a:lnRef idx="2">
-        <a:scrgbClr r="0" g="0" b="0"/>
-      </a:lnRef>
-      <a:fillRef idx="1">
-        <a:scrgbClr r="0" g="0" b="0"/>
-      </a:fillRef>
-      <a:effectRef idx="0">
-        <a:scrgbClr r="0" g="0" b="0"/>
-      </a:effectRef>
-      <a:fontRef idx="minor">
-        <a:schemeClr val="lt1"/>
-      </a:fontRef>
-    </dgm:style>
-  </dgm:styleLbl>
-  <dgm:styleLbl name="vennNode1">
-    <dgm:scene3d>
-      <a:camera prst="orthographicFront"/>
-      <a:lightRig rig="threePt" dir="t"/>
-    </dgm:scene3d>
-    <dgm:sp3d/>
-    <dgm:txPr/>
-    <dgm:style>
-      <a:lnRef idx="2">
-        <a:scrgbClr r="0" g="0" b="0"/>
-      </a:lnRef>
-      <a:fillRef idx="1">
-        <a:scrgbClr r="0" g="0" b="0"/>
-      </a:fillRef>
-      <a:effectRef idx="0">
-        <a:scrgbClr r="0" g="0" b="0"/>
-      </a:effectRef>
-      <a:fontRef idx="minor">
-        <a:schemeClr val="tx1"/>
-      </a:fontRef>
-    </dgm:style>
-  </dgm:styleLbl>
-  <dgm:styleLbl name="alignNode1">
-    <dgm:scene3d>
-      <a:camera prst="orthographicFront"/>
-      <a:lightRig rig="threePt" dir="t"/>
-    </dgm:scene3d>
-    <dgm:sp3d/>
-    <dgm:txPr/>
-    <dgm:style>
-      <a:lnRef idx="2">
-        <a:scrgbClr r="0" g="0" b="0"/>
-      </a:lnRef>
-      <a:fillRef idx="1">
-        <a:scrgbClr r="0" g="0" b="0"/>
-      </a:fillRef>
-      <a:effectRef idx="0">
-        <a:scrgbClr r="0" g="0" b="0"/>
-      </a:effectRef>
-      <a:fontRef idx="minor">
-        <a:schemeClr val="lt1"/>
-      </a:fontRef>
-    </dgm:style>
-  </dgm:styleLbl>
-  <dgm:styleLbl name="node1">
-    <dgm:scene3d>
-      <a:camera prst="orthographicFront"/>
-      <a:lightRig rig="threePt" dir="t"/>
-    </dgm:scene3d>
-    <dgm:sp3d/>
-    <dgm:txPr/>
-    <dgm:style>
-      <a:lnRef idx="2">
-        <a:scrgbClr r="0" g="0" b="0"/>
-      </a:lnRef>
-      <a:fillRef idx="1">
-        <a:scrgbClr r="0" g="0" b="0"/>
-      </a:fillRef>
-      <a:effectRef idx="0">
-        <a:scrgbClr r="0" g="0" b="0"/>
-      </a:effectRef>
-      <a:fontRef idx="minor">
-        <a:schemeClr val="lt1"/>
-      </a:fontRef>
-    </dgm:style>
-  </dgm:styleLbl>
-  <dgm:styleLbl name="node2">
-    <dgm:scene3d>
-      <a:camera prst="orthographicFront"/>
-      <a:lightRig rig="threePt" dir="t"/>
-    </dgm:scene3d>
-    <dgm:sp3d/>
-    <dgm:txPr/>
-    <dgm:style>
-      <a:lnRef idx="2">
-        <a:scrgbClr r="0" g="0" b="0"/>
-      </a:lnRef>
-      <a:fillRef idx="1">
-        <a:scrgbClr r="0" g="0" b="0"/>
-      </a:fillRef>
-      <a:effectRef idx="0">
-        <a:scrgbClr r="0" g="0" b="0"/>
-      </a:effectRef>
-      <a:fontRef idx="minor">
-        <a:schemeClr val="lt1"/>
-      </a:fontRef>
-    </dgm:style>
-  </dgm:styleLbl>
-  <dgm:styleLbl name="node3">
-    <dgm:scene3d>
-      <a:camera prst="orthographicFront"/>
-      <a:lightRig rig="threePt" dir="t"/>
-    </dgm:scene3d>
-    <dgm:sp3d/>
-    <dgm:txPr/>
-    <dgm:style>
-      <a:lnRef idx="2">
-        <a:scrgbClr r="0" g="0" b="0"/>
-      </a:lnRef>
-      <a:fillRef idx="1">
-        <a:scrgbClr r="0" g="0" b="0"/>
-      </a:fillRef>
-      <a:effectRef idx="0">
-        <a:scrgbClr r="0" g="0" b="0"/>
-      </a:effectRef>
-      <a:fontRef idx="minor">
-        <a:schemeClr val="lt1"/>
-      </a:fontRef>
-    </dgm:style>
-  </dgm:styleLbl>
-  <dgm:styleLbl name="node4">
-    <dgm:scene3d>
-      <a:camera prst="orthographicFront"/>
-      <a:lightRig rig="threePt" dir="t"/>
-    </dgm:scene3d>
-    <dgm:sp3d/>
-    <dgm:txPr/>
-    <dgm:style>
-      <a:lnRef idx="2">
-        <a:scrgbClr r="0" g="0" b="0"/>
-      </a:lnRef>
-      <a:fillRef idx="1">
-        <a:scrgbClr r="0" g="0" b="0"/>
-      </a:fillRef>
-      <a:effectRef idx="0">
-        <a:scrgbClr r="0" g="0" b="0"/>
-      </a:effectRef>
-      <a:fontRef idx="minor">
-        <a:schemeClr val="lt1"/>
-      </a:fontRef>
-    </dgm:style>
-  </dgm:styleLbl>
-  <dgm:styleLbl name="fgImgPlace1">
-    <dgm:scene3d>
-      <a:camera prst="orthographicFront"/>
-      <a:lightRig rig="threePt" dir="t"/>
-    </dgm:scene3d>
-    <dgm:sp3d/>
-    <dgm:txPr/>
-    <dgm:style>
-      <a:lnRef idx="2">
-        <a:scrgbClr r="0" g="0" b="0"/>
-      </a:lnRef>
-      <a:fillRef idx="1">
-        <a:scrgbClr r="0" g="0" b="0"/>
-      </a:fillRef>
-      <a:effectRef idx="0">
-        <a:scrgbClr r="0" g="0" b="0"/>
-      </a:effectRef>
-      <a:fontRef idx="minor"/>
-    </dgm:style>
-  </dgm:styleLbl>
-  <dgm:styleLbl name="alignImgPlace1">
-    <dgm:scene3d>
-      <a:camera prst="orthographicFront"/>
-      <a:lightRig rig="threePt" dir="t"/>
-    </dgm:scene3d>
-    <dgm:sp3d/>
-    <dgm:txPr/>
-    <dgm:style>
-      <a:lnRef idx="2">
-        <a:scrgbClr r="0" g="0" b="0"/>
-      </a:lnRef>
-      <a:fillRef idx="1">
-        <a:scrgbClr r="0" g="0" b="0"/>
-      </a:fillRef>
-      <a:effectRef idx="0">
-        <a:scrgbClr r="0" g="0" b="0"/>
-      </a:effectRef>
-      <a:fontRef idx="minor"/>
-    </dgm:style>
-  </dgm:styleLbl>
-  <dgm:styleLbl name="bgImgPlace1">
-    <dgm:scene3d>
-      <a:camera prst="orthographicFront"/>
-      <a:lightRig rig="threePt" dir="t"/>
-    </dgm:scene3d>
-    <dgm:sp3d/>
-    <dgm:txPr/>
-    <dgm:style>
-      <a:lnRef idx="2">
-        <a:scrgbClr r="0" g="0" b="0"/>
-      </a:lnRef>
-      <a:fillRef idx="1">
-        <a:scrgbClr r="0" g="0" b="0"/>
-      </a:fillRef>
-      <a:effectRef idx="0">
-        <a:scrgbClr r="0" g="0" b="0"/>
-      </a:effectRef>
-      <a:fontRef idx="minor"/>
-    </dgm:style>
-  </dgm:styleLbl>
-  <dgm:styleLbl name="sibTrans2D1">
-    <dgm:scene3d>
-      <a:camera prst="orthographicFront"/>
-      <a:lightRig rig="threePt" dir="t"/>
-    </dgm:scene3d>
-    <dgm:sp3d/>
-    <dgm:txPr/>
-    <dgm:style>
-      <a:lnRef idx="0">
-        <a:scrgbClr r="0" g="0" b="0"/>
-      </a:lnRef>
-      <a:fillRef idx="1">
-        <a:scrgbClr r="0" g="0" b="0"/>
-      </a:fillRef>
-      <a:effectRef idx="0">
-        <a:scrgbClr r="0" g="0" b="0"/>
-      </a:effectRef>
-      <a:fontRef idx="minor">
-        <a:schemeClr val="lt1"/>
-      </a:fontRef>
-    </dgm:style>
-  </dgm:styleLbl>
-  <dgm:styleLbl name="fgSibTrans2D1">
-    <dgm:scene3d>
-      <a:camera prst="orthographicFront"/>
-      <a:lightRig rig="threePt" dir="t"/>
-    </dgm:scene3d>
-    <dgm:sp3d/>
-    <dgm:txPr/>
-    <dgm:style>
-      <a:lnRef idx="0">
-        <a:scrgbClr r="0" g="0" b="0"/>
-      </a:lnRef>
-      <a:fillRef idx="1">
-        <a:scrgbClr r="0" g="0" b="0"/>
-      </a:fillRef>
-      <a:effectRef idx="0">
-        <a:scrgbClr r="0" g="0" b="0"/>
-      </a:effectRef>
-      <a:fontRef idx="minor">
-        <a:schemeClr val="lt1"/>
-      </a:fontRef>
-    </dgm:style>
-  </dgm:styleLbl>
-  <dgm:styleLbl name="bgSibTrans2D1">
-    <dgm:scene3d>
-      <a:camera prst="orthographicFront"/>
-      <a:lightRig rig="threePt" dir="t"/>
-    </dgm:scene3d>
-    <dgm:sp3d/>
-    <dgm:txPr/>
-    <dgm:style>
-      <a:lnRef idx="0">
-        <a:scrgbClr r="0" g="0" b="0"/>
-      </a:lnRef>
-      <a:fillRef idx="1">
-        <a:scrgbClr r="0" g="0" b="0"/>
-      </a:fillRef>
-      <a:effectRef idx="0">
-        <a:scrgbClr r="0" g="0" b="0"/>
-      </a:effectRef>
-      <a:fontRef idx="minor">
-        <a:schemeClr val="lt1"/>
-      </a:fontRef>
-    </dgm:style>
-  </dgm:styleLbl>
-  <dgm:styleLbl name="sibTrans1D1">
-    <dgm:scene3d>
-      <a:camera prst="orthographicFront"/>
-      <a:lightRig rig="threePt" dir="t"/>
-    </dgm:scene3d>
-    <dgm:sp3d/>
-    <dgm:txPr/>
-    <dgm:style>
-      <a:lnRef idx="1">
-        <a:scrgbClr r="0" g="0" b="0"/>
-      </a:lnRef>
-      <a:fillRef idx="0">
-        <a:scrgbClr r="0" g="0" b="0"/>
-      </a:fillRef>
-      <a:effectRef idx="0">
-        <a:scrgbClr r="0" g="0" b="0"/>
-      </a:effectRef>
-      <a:fontRef idx="minor"/>
-    </dgm:style>
-  </dgm:styleLbl>
-  <dgm:styleLbl name="callout">
-    <dgm:scene3d>
-      <a:camera prst="orthographicFront"/>
-      <a:lightRig rig="threePt" dir="t"/>
-    </dgm:scene3d>
-    <dgm:sp3d/>
-    <dgm:txPr/>
-    <dgm:style>
-      <a:lnRef idx="2">
-        <a:scrgbClr r="0" g="0" b="0"/>
-      </a:lnRef>
-      <a:fillRef idx="1">
-        <a:scrgbClr r="0" g="0" b="0"/>
-      </a:fillRef>
-      <a:effectRef idx="0">
-        <a:scrgbClr r="0" g="0" b="0"/>
-      </a:effectRef>
-      <a:fontRef idx="minor"/>
-    </dgm:style>
-  </dgm:styleLbl>
-  <dgm:styleLbl name="asst0">
-    <dgm:scene3d>
-      <a:camera prst="orthographicFront"/>
-      <a:lightRig rig="threePt" dir="t"/>
-    </dgm:scene3d>
-    <dgm:sp3d/>
-    <dgm:txPr/>
-    <dgm:style>
-      <a:lnRef idx="2">
-        <a:scrgbClr r="0" g="0" b="0"/>
-      </a:lnRef>
-      <a:fillRef idx="1">
-        <a:scrgbClr r="0" g="0" b="0"/>
-      </a:fillRef>
-      <a:effectRef idx="0">
-        <a:scrgbClr r="0" g="0" b="0"/>
-      </a:effectRef>
-      <a:fontRef idx="minor">
-        <a:schemeClr val="lt1"/>
-      </a:fontRef>
-    </dgm:style>
-  </dgm:styleLbl>
-  <dgm:styleLbl name="asst1">
-    <dgm:scene3d>
-      <a:camera prst="orthographicFront"/>
-      <a:lightRig rig="threePt" dir="t"/>
-    </dgm:scene3d>
-    <dgm:sp3d/>
-    <dgm:txPr/>
-    <dgm:style>
-      <a:lnRef idx="2">
-        <a:scrgbClr r="0" g="0" b="0"/>
-      </a:lnRef>
-      <a:fillRef idx="1">
-        <a:scrgbClr r="0" g="0" b="0"/>
-      </a:fillRef>
-      <a:effectRef idx="0">
-        <a:scrgbClr r="0" g="0" b="0"/>
-      </a:effectRef>
-      <a:fontRef idx="minor">
-        <a:schemeClr val="lt1"/>
-      </a:fontRef>
-    </dgm:style>
-  </dgm:styleLbl>
-  <dgm:styleLbl name="asst2">
-    <dgm:scene3d>
-      <a:camera prst="orthographicFront"/>
-      <a:lightRig rig="threePt" dir="t"/>
-    </dgm:scene3d>
-    <dgm:sp3d/>
-    <dgm:txPr/>
-    <dgm:style>
-      <a:lnRef idx="2">
-        <a:scrgbClr r="0" g="0" b="0"/>
-      </a:lnRef>
-      <a:fillRef idx="1">
-        <a:scrgbClr r="0" g="0" b="0"/>
-      </a:fillRef>
-      <a:effectRef idx="0">
-        <a:scrgbClr r="0" g="0" b="0"/>
-      </a:effectRef>
-      <a:fontRef idx="minor">
-        <a:schemeClr val="lt1"/>
-      </a:fontRef>
-    </dgm:style>
-  </dgm:styleLbl>
-  <dgm:styleLbl name="asst3">
-    <dgm:scene3d>
-      <a:camera prst="orthographicFront"/>
-      <a:lightRig rig="threePt" dir="t"/>
-    </dgm:scene3d>
-    <dgm:sp3d/>
-    <dgm:txPr/>
-    <dgm:style>
-      <a:lnRef idx="2">
-        <a:scrgbClr r="0" g="0" b="0"/>
-      </a:lnRef>
-      <a:fillRef idx="1">
-        <a:scrgbClr r="0" g="0" b="0"/>
-      </a:fillRef>
-      <a:effectRef idx="0">
-        <a:scrgbClr r="0" g="0" b="0"/>
-      </a:effectRef>
-      <a:fontRef idx="minor">
-        <a:schemeClr val="lt1"/>
-      </a:fontRef>
-    </dgm:style>
-  </dgm:styleLbl>
-  <dgm:styleLbl name="asst4">
-    <dgm:scene3d>
-      <a:camera prst="orthographicFront"/>
-      <a:lightRig rig="threePt" dir="t"/>
-    </dgm:scene3d>
-    <dgm:sp3d/>
-    <dgm:txPr/>
-    <dgm:style>
-      <a:lnRef idx="2">
-        <a:scrgbClr r="0" g="0" b="0"/>
-      </a:lnRef>
-      <a:fillRef idx="1">
-        <a:scrgbClr r="0" g="0" b="0"/>
-      </a:fillRef>
-      <a:effectRef idx="0">
-        <a:scrgbClr r="0" g="0" b="0"/>
-      </a:effectRef>
-      <a:fontRef idx="minor">
-        <a:schemeClr val="lt1"/>
-      </a:fontRef>
-    </dgm:style>
-  </dgm:styleLbl>
-  <dgm:styleLbl name="parChTrans2D1">
-    <dgm:scene3d>
-      <a:camera prst="orthographicFront"/>
-      <a:lightRig rig="threePt" dir="t"/>
-    </dgm:scene3d>
-    <dgm:sp3d/>
-    <dgm:txPr/>
-    <dgm:style>
-      <a:lnRef idx="2">
-        <a:scrgbClr r="0" g="0" b="0"/>
-      </a:lnRef>
-      <a:fillRef idx="1">
-        <a:scrgbClr r="0" g="0" b="0"/>
-      </a:fillRef>
-      <a:effectRef idx="0">
-        <a:scrgbClr r="0" g="0" b="0"/>
-      </a:effectRef>
-      <a:fontRef idx="minor">
-        <a:schemeClr val="lt1"/>
-      </a:fontRef>
-    </dgm:style>
-  </dgm:styleLbl>
-  <dgm:styleLbl name="parChTrans2D2">
-    <dgm:scene3d>
-      <a:camera prst="orthographicFront"/>
-      <a:lightRig rig="threePt" dir="t"/>
-    </dgm:scene3d>
-    <dgm:sp3d/>
-    <dgm:txPr/>
-    <dgm:style>
-      <a:lnRef idx="2">
-        <a:scrgbClr r="0" g="0" b="0"/>
-      </a:lnRef>
-      <a:fillRef idx="1">
-        <a:scrgbClr r="0" g="0" b="0"/>
-      </a:fillRef>
-      <a:effectRef idx="0">
-        <a:scrgbClr r="0" g="0" b="0"/>
-      </a:effectRef>
-      <a:fontRef idx="minor">
-        <a:schemeClr val="lt1"/>
-      </a:fontRef>
-    </dgm:style>
-  </dgm:styleLbl>
-  <dgm:styleLbl name="parChTrans2D3">
-    <dgm:scene3d>
-      <a:camera prst="orthographicFront"/>
-      <a:lightRig rig="threePt" dir="t"/>
-    </dgm:scene3d>
-    <dgm:sp3d/>
-    <dgm:txPr/>
-    <dgm:style>
-      <a:lnRef idx="2">
-        <a:scrgbClr r="0" g="0" b="0"/>
-      </a:lnRef>
-      <a:fillRef idx="1">
-        <a:scrgbClr r="0" g="0" b="0"/>
-      </a:fillRef>
-      <a:effectRef idx="0">
-        <a:scrgbClr r="0" g="0" b="0"/>
-      </a:effectRef>
-      <a:fontRef idx="minor">
-        <a:schemeClr val="lt1"/>
-      </a:fontRef>
-    </dgm:style>
-  </dgm:styleLbl>
-  <dgm:styleLbl name="parChTrans2D4">
-    <dgm:scene3d>
-      <a:camera prst="orthographicFront"/>
-      <a:lightRig rig="threePt" dir="t"/>
-    </dgm:scene3d>
-    <dgm:sp3d/>
-    <dgm:txPr/>
-    <dgm:style>
-      <a:lnRef idx="2">
-        <a:scrgbClr r="0" g="0" b="0"/>
-      </a:lnRef>
-      <a:fillRef idx="1">
-        <a:scrgbClr r="0" g="0" b="0"/>
-      </a:fillRef>
-      <a:effectRef idx="0">
-        <a:scrgbClr r="0" g="0" b="0"/>
-      </a:effectRef>
-      <a:fontRef idx="minor">
-        <a:schemeClr val="lt1"/>
-      </a:fontRef>
-    </dgm:style>
-  </dgm:styleLbl>
-  <dgm:styleLbl name="parChTrans1D1">
-    <dgm:scene3d>
-      <a:camera prst="orthographicFront"/>
-      <a:lightRig rig="threePt" dir="t"/>
-    </dgm:scene3d>
-    <dgm:sp3d/>
-    <dgm:txPr/>
-    <dgm:style>
-      <a:lnRef idx="2">
-        <a:scrgbClr r="0" g="0" b="0"/>
-      </a:lnRef>
-      <a:fillRef idx="0">
-        <a:scrgbClr r="0" g="0" b="0"/>
-      </a:fillRef>
-      <a:effectRef idx="0">
-        <a:scrgbClr r="0" g="0" b="0"/>
-      </a:effectRef>
-      <a:fontRef idx="minor"/>
-    </dgm:style>
-  </dgm:styleLbl>
-  <dgm:styleLbl name="parChTrans1D2">
-    <dgm:scene3d>
-      <a:camera prst="orthographicFront"/>
-      <a:lightRig rig="threePt" dir="t"/>
-    </dgm:scene3d>
-    <dgm:sp3d/>
-    <dgm:txPr/>
-    <dgm:style>
-      <a:lnRef idx="2">
-        <a:scrgbClr r="0" g="0" b="0"/>
-      </a:lnRef>
-      <a:fillRef idx="0">
-        <a:scrgbClr r="0" g="0" b="0"/>
-      </a:fillRef>
-      <a:effectRef idx="0">
-        <a:scrgbClr r="0" g="0" b="0"/>
-      </a:effectRef>
-      <a:fontRef idx="minor"/>
-    </dgm:style>
-  </dgm:styleLbl>
-  <dgm:styleLbl name="parChTrans1D3">
-    <dgm:scene3d>
-      <a:camera prst="orthographicFront"/>
-      <a:lightRig rig="threePt" dir="t"/>
-    </dgm:scene3d>
-    <dgm:sp3d/>
-    <dgm:txPr/>
-    <dgm:style>
-      <a:lnRef idx="2">
-        <a:scrgbClr r="0" g="0" b="0"/>
-      </a:lnRef>
-      <a:fillRef idx="0">
-        <a:scrgbClr r="0" g="0" b="0"/>
-      </a:fillRef>
-      <a:effectRef idx="0">
-        <a:scrgbClr r="0" g="0" b="0"/>
-      </a:effectRef>
-      <a:fontRef idx="minor"/>
-    </dgm:style>
-  </dgm:styleLbl>
-  <dgm:styleLbl name="parChTrans1D4">
-    <dgm:scene3d>
-      <a:camera prst="orthographicFront"/>
-      <a:lightRig rig="threePt" dir="t"/>
-    </dgm:scene3d>
-    <dgm:sp3d/>
-    <dgm:txPr/>
-    <dgm:style>
-      <a:lnRef idx="2">
-        <a:scrgbClr r="0" g="0" b="0"/>
-      </a:lnRef>
-      <a:fillRef idx="0">
-        <a:scrgbClr r="0" g="0" b="0"/>
-      </a:fillRef>
-      <a:effectRef idx="0">
-        <a:scrgbClr r="0" g="0" b="0"/>
-      </a:effectRef>
-      <a:fontRef idx="minor"/>
-    </dgm:style>
-  </dgm:styleLbl>
-  <dgm:styleLbl name="fgAcc1">
-    <dgm:scene3d>
-      <a:camera prst="orthographicFront"/>
-      <a:lightRig rig="threePt" dir="t"/>
-    </dgm:scene3d>
-    <dgm:sp3d/>
-    <dgm:txPr/>
-    <dgm:style>
-      <a:lnRef idx="2">
-        <a:scrgbClr r="0" g="0" b="0"/>
-      </a:lnRef>
-      <a:fillRef idx="1">
-        <a:scrgbClr r="0" g="0" b="0"/>
-      </a:fillRef>
-      <a:effectRef idx="0">
-        <a:scrgbClr r="0" g="0" b="0"/>
-      </a:effectRef>
-      <a:fontRef idx="minor"/>
-    </dgm:style>
-  </dgm:styleLbl>
-  <dgm:styleLbl name="conFgAcc1">
-    <dgm:scene3d>
-      <a:camera prst="orthographicFront"/>
-      <a:lightRig rig="threePt" dir="t"/>
-    </dgm:scene3d>
-    <dgm:sp3d/>
-    <dgm:txPr/>
-    <dgm:style>
-      <a:lnRef idx="2">
-        <a:scrgbClr r="0" g="0" b="0"/>
-      </a:lnRef>
-      <a:fillRef idx="1">
-        <a:scrgbClr r="0" g="0" b="0"/>
-      </a:fillRef>
-      <a:effectRef idx="0">
-        <a:scrgbClr r="0" g="0" b="0"/>
-      </a:effectRef>
-      <a:fontRef idx="minor"/>
-    </dgm:style>
-  </dgm:styleLbl>
-  <dgm:styleLbl name="alignAcc1">
-    <dgm:scene3d>
-      <a:camera prst="orthographicFront"/>
-      <a:lightRig rig="threePt" dir="t"/>
-    </dgm:scene3d>
-    <dgm:sp3d/>
-    <dgm:txPr/>
-    <dgm:style>
-      <a:lnRef idx="2">
-        <a:scrgbClr r="0" g="0" b="0"/>
-      </a:lnRef>
-      <a:fillRef idx="1">
-        <a:scrgbClr r="0" g="0" b="0"/>
-      </a:fillRef>
-      <a:effectRef idx="0">
-        <a:scrgbClr r="0" g="0" b="0"/>
-      </a:effectRef>
-      <a:fontRef idx="minor"/>
-    </dgm:style>
-  </dgm:styleLbl>
-  <dgm:styleLbl name="trAlignAcc1">
-    <dgm:scene3d>
-      <a:camera prst="orthographicFront"/>
-      <a:lightRig rig="threePt" dir="t"/>
-    </dgm:scene3d>
-    <dgm:sp3d/>
-    <dgm:txPr/>
-    <dgm:style>
-      <a:lnRef idx="1">
-        <a:scrgbClr r="0" g="0" b="0"/>
-      </a:lnRef>
-      <a:fillRef idx="1">
-        <a:scrgbClr r="0" g="0" b="0"/>
-      </a:fillRef>
-      <a:effectRef idx="0">
-        <a:scrgbClr r="0" g="0" b="0"/>
-      </a:effectRef>
-      <a:fontRef idx="minor"/>
-    </dgm:style>
-  </dgm:styleLbl>
-  <dgm:styleLbl name="bgAcc1">
-    <dgm:scene3d>
-      <a:camera prst="orthographicFront"/>
-      <a:lightRig rig="threePt" dir="t"/>
-    </dgm:scene3d>
-    <dgm:sp3d/>
-    <dgm:txPr/>
-    <dgm:style>
-      <a:lnRef idx="2">
-        <a:scrgbClr r="0" g="0" b="0"/>
-      </a:lnRef>
-      <a:fillRef idx="1">
-        <a:scrgbClr r="0" g="0" b="0"/>
-      </a:fillRef>
-      <a:effectRef idx="0">
-        <a:scrgbClr r="0" g="0" b="0"/>
-      </a:effectRef>
-      <a:fontRef idx="minor"/>
-    </dgm:style>
-  </dgm:styleLbl>
-  <dgm:styleLbl name="solidFgAcc1">
-    <dgm:scene3d>
-      <a:camera prst="orthographicFront"/>
-      <a:lightRig rig="threePt" dir="t"/>
-    </dgm:scene3d>
-    <dgm:sp3d/>
-    <dgm:txPr/>
-    <dgm:style>
-      <a:lnRef idx="2">
-        <a:scrgbClr r="0" g="0" b="0"/>
-      </a:lnRef>
-      <a:fillRef idx="1">
-        <a:scrgbClr r="0" g="0" b="0"/>
-      </a:fillRef>
-      <a:effectRef idx="0">
-        <a:scrgbClr r="0" g="0" b="0"/>
-      </a:effectRef>
-      <a:fontRef idx="minor"/>
-    </dgm:style>
-  </dgm:styleLbl>
-  <dgm:styleLbl name="solidAlignAcc1">
-    <dgm:scene3d>
-      <a:camera prst="orthographicFront"/>
-      <a:lightRig rig="threePt" dir="t"/>
-    </dgm:scene3d>
-    <dgm:sp3d/>
-    <dgm:txPr/>
-    <dgm:style>
-      <a:lnRef idx="2">
-        <a:scrgbClr r="0" g="0" b="0"/>
-      </a:lnRef>
-      <a:fillRef idx="1">
-        <a:scrgbClr r="0" g="0" b="0"/>
-      </a:fillRef>
-      <a:effectRef idx="0">
-        <a:scrgbClr r="0" g="0" b="0"/>
-      </a:effectRef>
-      <a:fontRef idx="minor"/>
-    </dgm:style>
-  </dgm:styleLbl>
-  <dgm:styleLbl name="solidBgAcc1">
-    <dgm:scene3d>
-      <a:camera prst="orthographicFront"/>
-      <a:lightRig rig="threePt" dir="t"/>
-    </dgm:scene3d>
-    <dgm:sp3d/>
-    <dgm:txPr/>
-    <dgm:style>
-      <a:lnRef idx="2">
-        <a:scrgbClr r="0" g="0" b="0"/>
-      </a:lnRef>
-      <a:fillRef idx="1">
-        <a:scrgbClr r="0" g="0" b="0"/>
-      </a:fillRef>
-      <a:effectRef idx="0">
-        <a:scrgbClr r="0" g="0" b="0"/>
-      </a:effectRef>
-      <a:fontRef idx="minor"/>
-    </dgm:style>
-  </dgm:styleLbl>
-  <dgm:styleLbl name="fgAccFollowNode1">
-    <dgm:scene3d>
-      <a:camera prst="orthographicFront"/>
-      <a:lightRig rig="threePt" dir="t"/>
-    </dgm:scene3d>
-    <dgm:sp3d/>
-    <dgm:txPr/>
-    <dgm:style>
-      <a:lnRef idx="2">
-        <a:scrgbClr r="0" g="0" b="0"/>
-      </a:lnRef>
-      <a:fillRef idx="1">
-        <a:scrgbClr r="0" g="0" b="0"/>
-      </a:fillRef>
-      <a:effectRef idx="0">
-        <a:scrgbClr r="0" g="0" b="0"/>
-      </a:effectRef>
-      <a:fontRef idx="minor"/>
-    </dgm:style>
-  </dgm:styleLbl>
-  <dgm:styleLbl name="alignAccFollowNode1">
-    <dgm:scene3d>
-      <a:camera prst="orthographicFront"/>
-      <a:lightRig rig="threePt" dir="t"/>
-    </dgm:scene3d>
-    <dgm:sp3d/>
-    <dgm:txPr/>
-    <dgm:style>
-      <a:lnRef idx="2">
-        <a:scrgbClr r="0" g="0" b="0"/>
-      </a:lnRef>
-      <a:fillRef idx="1">
-        <a:scrgbClr r="0" g="0" b="0"/>
-      </a:fillRef>
-      <a:effectRef idx="0">
-        <a:scrgbClr r="0" g="0" b="0"/>
-      </a:effectRef>
-      <a:fontRef idx="minor"/>
-    </dgm:style>
-  </dgm:styleLbl>
-  <dgm:styleLbl name="bgAccFollowNode1">
-    <dgm:scene3d>
-      <a:camera prst="orthographicFront"/>
-      <a:lightRig rig="threePt" dir="t"/>
-    </dgm:scene3d>
-    <dgm:sp3d/>
-    <dgm:txPr/>
-    <dgm:style>
-      <a:lnRef idx="2">
-        <a:scrgbClr r="0" g="0" b="0"/>
-      </a:lnRef>
-      <a:fillRef idx="1">
-        <a:scrgbClr r="0" g="0" b="0"/>
-      </a:fillRef>
-      <a:effectRef idx="0">
-        <a:scrgbClr r="0" g="0" b="0"/>
-      </a:effectRef>
-      <a:fontRef idx="minor"/>
-    </dgm:style>
-  </dgm:styleLbl>
-  <dgm:styleLbl name="fgAcc0">
-    <dgm:scene3d>
-      <a:camera prst="orthographicFront"/>
-      <a:lightRig rig="threePt" dir="t"/>
-    </dgm:scene3d>
-    <dgm:sp3d/>
-    <dgm:txPr/>
-    <dgm:style>
-      <a:lnRef idx="2">
-        <a:scrgbClr r="0" g="0" b="0"/>
-      </a:lnRef>
-      <a:fillRef idx="1">
-        <a:scrgbClr r="0" g="0" b="0"/>
-      </a:fillRef>
-      <a:effectRef idx="0">
-        <a:scrgbClr r="0" g="0" b="0"/>
-      </a:effectRef>
-      <a:fontRef idx="minor"/>
-    </dgm:style>
-  </dgm:styleLbl>
-  <dgm:styleLbl name="fgAcc2">
-    <dgm:scene3d>
-      <a:camera prst="orthographicFront"/>
-      <a:lightRig rig="threePt" dir="t"/>
-    </dgm:scene3d>
-    <dgm:sp3d/>
-    <dgm:txPr/>
-    <dgm:style>
-      <a:lnRef idx="2">
-        <a:scrgbClr r="0" g="0" b="0"/>
-      </a:lnRef>
-      <a:fillRef idx="1">
-        <a:scrgbClr r="0" g="0" b="0"/>
-      </a:fillRef>
-      <a:effectRef idx="0">
-        <a:scrgbClr r="0" g="0" b="0"/>
-      </a:effectRef>
-      <a:fontRef idx="minor"/>
-    </dgm:style>
-  </dgm:styleLbl>
-  <dgm:styleLbl name="fgAcc3">
-    <dgm:scene3d>
-      <a:camera prst="orthographicFront"/>
-      <a:lightRig rig="threePt" dir="t"/>
-    </dgm:scene3d>
-    <dgm:sp3d/>
-    <dgm:txPr/>
-    <dgm:style>
-      <a:lnRef idx="2">
-        <a:scrgbClr r="0" g="0" b="0"/>
-      </a:lnRef>
-      <a:fillRef idx="1">
-        <a:scrgbClr r="0" g="0" b="0"/>
-      </a:fillRef>
-      <a:effectRef idx="0">
-        <a:scrgbClr r="0" g="0" b="0"/>
-      </a:effectRef>
-      <a:fontRef idx="minor"/>
-    </dgm:style>
-  </dgm:styleLbl>
-  <dgm:styleLbl name="fgAcc4">
-    <dgm:scene3d>
-      <a:camera prst="orthographicFront"/>
-      <a:lightRig rig="threePt" dir="t"/>
-    </dgm:scene3d>
-    <dgm:sp3d/>
-    <dgm:txPr/>
-    <dgm:style>
-      <a:lnRef idx="2">
-        <a:scrgbClr r="0" g="0" b="0"/>
-      </a:lnRef>
-      <a:fillRef idx="1">
-        <a:scrgbClr r="0" g="0" b="0"/>
-      </a:fillRef>
-      <a:effectRef idx="0">
-        <a:scrgbClr r="0" g="0" b="0"/>
-      </a:effectRef>
-      <a:fontRef idx="minor"/>
-    </dgm:style>
-  </dgm:styleLbl>
-  <dgm:styleLbl name="bgShp">
-    <dgm:scene3d>
-      <a:camera prst="orthographicFront"/>
-      <a:lightRig rig="threePt" dir="t"/>
-    </dgm:scene3d>
-    <dgm:sp3d/>
-    <dgm:txPr/>
-    <dgm:style>
-      <a:lnRef idx="0">
-        <a:scrgbClr r="0" g="0" b="0"/>
-      </a:lnRef>
-      <a:fillRef idx="1">
-        <a:scrgbClr r="0" g="0" b="0"/>
-      </a:fillRef>
-      <a:effectRef idx="0">
-        <a:scrgbClr r="0" g="0" b="0"/>
-      </a:effectRef>
-      <a:fontRef idx="minor"/>
-    </dgm:style>
-  </dgm:styleLbl>
-  <dgm:styleLbl name="dkBgShp">
-    <dgm:scene3d>
-      <a:camera prst="orthographicFront"/>
-      <a:lightRig rig="threePt" dir="t"/>
-    </dgm:scene3d>
-    <dgm:sp3d/>
-    <dgm:txPr/>
-    <dgm:style>
-      <a:lnRef idx="0">
-        <a:scrgbClr r="0" g="0" b="0"/>
-      </a:lnRef>
-      <a:fillRef idx="1">
-        <a:scrgbClr r="0" g="0" b="0"/>
-      </a:fillRef>
-      <a:effectRef idx="0">
-        <a:scrgbClr r="0" g="0" b="0"/>
-      </a:effectRef>
-      <a:fontRef idx="minor"/>
-    </dgm:style>
-  </dgm:styleLbl>
-  <dgm:styleLbl name="trBgShp">
-    <dgm:scene3d>
-      <a:camera prst="orthographicFront"/>
-      <a:lightRig rig="threePt" dir="t"/>
-    </dgm:scene3d>
-    <dgm:sp3d/>
-    <dgm:txPr/>
-    <dgm:style>
-      <a:lnRef idx="0">
-        <a:scrgbClr r="0" g="0" b="0"/>
-      </a:lnRef>
-      <a:fillRef idx="1">
-        <a:scrgbClr r="0" g="0" b="0"/>
-      </a:fillRef>
-      <a:effectRef idx="0">
-        <a:scrgbClr r="0" g="0" b="0"/>
-      </a:effectRef>
-      <a:fontRef idx="minor"/>
-    </dgm:style>
-  </dgm:styleLbl>
-  <dgm:styleLbl name="fgShp">
-    <dgm:scene3d>
-      <a:camera prst="orthographicFront"/>
-      <a:lightRig rig="threePt" dir="t"/>
-    </dgm:scene3d>
-    <dgm:sp3d/>
-    <dgm:txPr/>
-    <dgm:style>
-      <a:lnRef idx="2">
-        <a:scrgbClr r="0" g="0" b="0"/>
-      </a:lnRef>
-      <a:fillRef idx="1">
-        <a:scrgbClr r="0" g="0" b="0"/>
-      </a:fillRef>
-      <a:effectRef idx="0">
-        <a:scrgbClr r="0" g="0" b="0"/>
-      </a:effectRef>
-      <a:fontRef idx="minor"/>
-    </dgm:style>
-  </dgm:styleLbl>
-  <dgm:styleLbl name="revTx">
-    <dgm:scene3d>
-      <a:camera prst="orthographicFront"/>
-      <a:lightRig rig="threePt" dir="t"/>
-    </dgm:scene3d>
-    <dgm:sp3d/>
-    <dgm:txPr/>
-    <dgm:style>
-      <a:lnRef idx="0">
-        <a:scrgbClr r="0" g="0" b="0"/>
-      </a:lnRef>
-      <a:fillRef idx="0">
-        <a:scrgbClr r="0" g="0" b="0"/>
-      </a:fillRef>
-      <a:effectRef idx="0">
-        <a:scrgbClr r="0" g="0" b="0"/>
-      </a:effectRef>
-      <a:fontRef idx="minor"/>
-    </dgm:style>
-  </dgm:styleLbl>
-</dgm:styleDef>
 </file>
 
 <file path=ppt/slideLayouts/slideLayout1.xml><?xml version="1.0" encoding="utf-8"?>
@@ -6387,64 +3325,59 @@
           <a:chExt cx="0" cy="0"/>
         </a:xfrm>
       </p:grpSpPr>
-      <p:graphicFrame>
-        <p:nvGraphicFramePr>
-          <p:cNvPr id="4" name="Diagram 3">
-            <a:extLst>
-              <a:ext uri="{FF2B5EF4-FFF2-40B4-BE49-F238E27FC236}">
-                <a16:creationId xmlns:a16="http://schemas.microsoft.com/office/drawing/2014/main" id="{B44097D9-35D9-D146-BE48-A3F81F942528}"/>
-              </a:ext>
-            </a:extLst>
-          </p:cNvPr>
-          <p:cNvGraphicFramePr/>
-          <p:nvPr>
-            <p:extLst>
-              <p:ext uri="{D42A27DB-BD31-4B8C-83A1-F6EECF244321}">
-                <p14:modId xmlns:p14="http://schemas.microsoft.com/office/powerpoint/2010/main" val="742331350"/>
-              </p:ext>
-            </p:extLst>
-          </p:nvPr>
-        </p:nvGraphicFramePr>
-        <p:xfrm>
-          <a:off x="2032000" y="719666"/>
-          <a:ext cx="8128000" cy="5418667"/>
-        </p:xfrm>
-        <a:graphic>
-          <a:graphicData uri="http://schemas.openxmlformats.org/drawingml/2006/diagram">
-            <dgm:relIds xmlns:dgm="http://schemas.openxmlformats.org/drawingml/2006/diagram" xmlns:r="http://schemas.openxmlformats.org/officeDocument/2006/relationships" r:dm="rId2" r:lo="rId3" r:qs="rId4" r:cs="rId5"/>
-          </a:graphicData>
-        </a:graphic>
-      </p:graphicFrame>
-    </p:spTree>
-    <p:extLst>
-      <p:ext uri="{BB962C8B-B14F-4D97-AF65-F5344CB8AC3E}">
-        <p14:creationId xmlns:p14="http://schemas.microsoft.com/office/powerpoint/2010/main" val="3933588288"/>
-      </p:ext>
-    </p:extLst>
-  </p:cSld>
-  <p:clrMapOvr>
-    <a:masterClrMapping/>
-  </p:clrMapOvr>
-</p:sld>
-</file>
-
-<file path=ppt/slides/slide2.xml><?xml version="1.0" encoding="utf-8"?>
-<p:sld xmlns:a="http://schemas.openxmlformats.org/drawingml/2006/main" xmlns:r="http://schemas.openxmlformats.org/officeDocument/2006/relationships" xmlns:p="http://schemas.openxmlformats.org/presentationml/2006/main">
-  <p:cSld>
-    <p:spTree>
-      <p:nvGrpSpPr>
-        <p:cNvPr id="1" name=""/>
-        <p:cNvGrpSpPr/>
-        <p:nvPr/>
-      </p:nvGrpSpPr>
-      <p:grpSpPr>
-        <a:xfrm>
-          <a:off x="0" y="0"/>
-          <a:ext cx="0" cy="0"/>
-          <a:chOff x="0" y="0"/>
-          <a:chExt cx="0" cy="0"/>
-        </a:xfrm>
-      </p:grpSpPr>
+      <p:sp>
+        <p:nvSpPr>
+          <p:cNvPr id="77" name="Rounded Rectangle 76">
+            <a:extLst>
+              <a:ext uri="{FF2B5EF4-FFF2-40B4-BE49-F238E27FC236}">
+                <a16:creationId xmlns:a16="http://schemas.microsoft.com/office/drawing/2014/main" id="{190D7A0D-44C1-9B44-B70A-7B084A771DA6}"/>
+              </a:ext>
+            </a:extLst>
+          </p:cNvPr>
+          <p:cNvSpPr/>
+          <p:nvPr/>
+        </p:nvSpPr>
+        <p:spPr>
+          <a:xfrm>
+            <a:off x="1273215" y="763930"/>
+            <a:ext cx="9154126" cy="5421626"/>
+          </a:xfrm>
+          <a:prstGeom prst="roundRect">
+            <a:avLst>
+              <a:gd name="adj" fmla="val 10000"/>
+            </a:avLst>
+          </a:prstGeom>
+          <a:solidFill>
+            <a:schemeClr val="bg2">
+              <a:alpha val="34000"/>
+            </a:schemeClr>
+          </a:solidFill>
+          <a:ln w="0">
+            <a:noFill/>
+          </a:ln>
+        </p:spPr>
+        <p:style>
+          <a:lnRef idx="1">
+            <a:schemeClr val="accent3"/>
+          </a:lnRef>
+          <a:fillRef idx="2">
+            <a:schemeClr val="accent3"/>
+          </a:fillRef>
+          <a:effectRef idx="1">
+            <a:schemeClr val="accent3"/>
+          </a:effectRef>
+          <a:fontRef idx="minor">
+            <a:schemeClr val="dk1"/>
+          </a:fontRef>
+        </p:style>
+        <p:txBody>
+          <a:bodyPr/>
+          <a:lstStyle/>
+          <a:p>
+            <a:endParaRPr lang="en-US" dirty="0"/>
+          </a:p>
+        </p:txBody>
+      </p:sp>
       <p:grpSp>
         <p:nvGrpSpPr>
           <p:cNvPr id="5" name="Group 4">
@@ -6459,7 +3392,7 @@
         </p:nvGrpSpPr>
         <p:grpSpPr>
           <a:xfrm>
-            <a:off x="1583156" y="624483"/>
+            <a:off x="1861861" y="1342112"/>
             <a:ext cx="1779984" cy="889992"/>
             <a:chOff x="612016" y="1973795"/>
             <a:chExt cx="1779984" cy="889992"/>
@@ -6581,10 +3514,10 @@
       </p:grpSp>
       <p:grpSp>
         <p:nvGrpSpPr>
-          <p:cNvPr id="8" name="Group 7">
-            <a:extLst>
-              <a:ext uri="{FF2B5EF4-FFF2-40B4-BE49-F238E27FC236}">
-                <a16:creationId xmlns:a16="http://schemas.microsoft.com/office/drawing/2014/main" id="{C9B3C6EB-5FB1-2045-9A3A-9D8E1557EB58}"/>
+          <p:cNvPr id="11" name="Group 10">
+            <a:extLst>
+              <a:ext uri="{FF2B5EF4-FFF2-40B4-BE49-F238E27FC236}">
+                <a16:creationId xmlns:a16="http://schemas.microsoft.com/office/drawing/2014/main" id="{C7D4969E-6376-B748-A395-7D99B65A222C}"/>
               </a:ext>
             </a:extLst>
           </p:cNvPr>
@@ -6593,141 +3526,7 @@
         </p:nvGrpSpPr>
         <p:grpSpPr>
           <a:xfrm>
-            <a:off x="4837009" y="650550"/>
-            <a:ext cx="1779984" cy="889992"/>
-            <a:chOff x="612016" y="1973795"/>
-            <a:chExt cx="1779984" cy="889992"/>
-          </a:xfrm>
-        </p:grpSpPr>
-        <p:sp>
-          <p:nvSpPr>
-            <p:cNvPr id="9" name="Rounded Rectangle 8">
-              <a:extLst>
-                <a:ext uri="{FF2B5EF4-FFF2-40B4-BE49-F238E27FC236}">
-                  <a16:creationId xmlns:a16="http://schemas.microsoft.com/office/drawing/2014/main" id="{8768D07A-BA6C-CC46-8476-0E7C73907A28}"/>
-                </a:ext>
-              </a:extLst>
-            </p:cNvPr>
-            <p:cNvSpPr/>
-            <p:nvPr/>
-          </p:nvSpPr>
-          <p:spPr>
-            <a:xfrm>
-              <a:off x="612016" y="1973795"/>
-              <a:ext cx="1779984" cy="889992"/>
-            </a:xfrm>
-            <a:prstGeom prst="roundRect">
-              <a:avLst>
-                <a:gd name="adj" fmla="val 10000"/>
-              </a:avLst>
-            </a:prstGeom>
-          </p:spPr>
-          <p:style>
-            <a:lnRef idx="2">
-              <a:schemeClr val="lt1">
-                <a:hueOff val="0"/>
-                <a:satOff val="0"/>
-                <a:lumOff val="0"/>
-                <a:alphaOff val="0"/>
-              </a:schemeClr>
-            </a:lnRef>
-            <a:fillRef idx="1">
-              <a:schemeClr val="accent1">
-                <a:hueOff val="0"/>
-                <a:satOff val="0"/>
-                <a:lumOff val="0"/>
-                <a:alphaOff val="0"/>
-              </a:schemeClr>
-            </a:fillRef>
-            <a:effectRef idx="0">
-              <a:schemeClr val="accent1">
-                <a:hueOff val="0"/>
-                <a:satOff val="0"/>
-                <a:lumOff val="0"/>
-                <a:alphaOff val="0"/>
-              </a:schemeClr>
-            </a:effectRef>
-            <a:fontRef idx="minor">
-              <a:schemeClr val="lt1"/>
-            </a:fontRef>
-          </p:style>
-        </p:sp>
-        <p:sp>
-          <p:nvSpPr>
-            <p:cNvPr id="10" name="Rounded Rectangle 4">
-              <a:extLst>
-                <a:ext uri="{FF2B5EF4-FFF2-40B4-BE49-F238E27FC236}">
-                  <a16:creationId xmlns:a16="http://schemas.microsoft.com/office/drawing/2014/main" id="{39D4F9D0-889D-0543-899E-0F9EC3D996DE}"/>
-                </a:ext>
-              </a:extLst>
-            </p:cNvPr>
-            <p:cNvSpPr txBox="1"/>
-            <p:nvPr/>
-          </p:nvSpPr>
-          <p:spPr>
-            <a:xfrm>
-              <a:off x="638083" y="1999862"/>
-              <a:ext cx="1727850" cy="837858"/>
-            </a:xfrm>
-            <a:prstGeom prst="rect">
-              <a:avLst/>
-            </a:prstGeom>
-          </p:spPr>
-          <p:style>
-            <a:lnRef idx="0">
-              <a:scrgbClr r="0" g="0" b="0"/>
-            </a:lnRef>
-            <a:fillRef idx="0">
-              <a:scrgbClr r="0" g="0" b="0"/>
-            </a:fillRef>
-            <a:effectRef idx="0">
-              <a:scrgbClr r="0" g="0" b="0"/>
-            </a:effectRef>
-            <a:fontRef idx="minor">
-              <a:schemeClr val="lt1"/>
-            </a:fontRef>
-          </p:style>
-          <p:txBody>
-            <a:bodyPr spcFirstLastPara="0" vert="horz" wrap="square" lIns="87630" tIns="87630" rIns="87630" bIns="87630" numCol="1" spcCol="1270" anchor="ctr" anchorCtr="0">
-              <a:noAutofit/>
-            </a:bodyPr>
-            <a:lstStyle/>
-            <a:p>
-              <a:pPr marL="0" lvl="0" indent="0" algn="ctr" defTabSz="1022350">
-                <a:lnSpc>
-                  <a:spcPct val="90000"/>
-                </a:lnSpc>
-                <a:spcBef>
-                  <a:spcPct val="0"/>
-                </a:spcBef>
-                <a:spcAft>
-                  <a:spcPct val="35000"/>
-                </a:spcAft>
-                <a:buNone/>
-              </a:pPr>
-              <a:r>
-                <a:rPr lang="en-US" sz="2300" kern="1200" dirty="0"/>
-                <a:t>Integrated Data</a:t>
-              </a:r>
-            </a:p>
-          </p:txBody>
-        </p:sp>
-      </p:grpSp>
-      <p:grpSp>
-        <p:nvGrpSpPr>
-          <p:cNvPr id="11" name="Group 10">
-            <a:extLst>
-              <a:ext uri="{FF2B5EF4-FFF2-40B4-BE49-F238E27FC236}">
-                <a16:creationId xmlns:a16="http://schemas.microsoft.com/office/drawing/2014/main" id="{C7D4969E-6376-B748-A395-7D99B65A222C}"/>
-              </a:ext>
-            </a:extLst>
-          </p:cNvPr>
-          <p:cNvGrpSpPr/>
-          <p:nvPr/>
-        </p:nvGrpSpPr>
-        <p:grpSpPr>
-          <a:xfrm>
-            <a:off x="3337073" y="2751720"/>
+            <a:off x="4945702" y="1368179"/>
             <a:ext cx="1779984" cy="889992"/>
             <a:chOff x="612016" y="1973795"/>
             <a:chExt cx="1779984" cy="889992"/>
@@ -6849,10 +3648,10 @@
       </p:grpSp>
       <p:cxnSp>
         <p:nvCxnSpPr>
-          <p:cNvPr id="27" name="Straight Arrow Connector 26">
-            <a:extLst>
-              <a:ext uri="{FF2B5EF4-FFF2-40B4-BE49-F238E27FC236}">
-                <a16:creationId xmlns:a16="http://schemas.microsoft.com/office/drawing/2014/main" id="{54AF83C0-A85B-A44E-817A-F0ADF606E81B}"/>
+          <p:cNvPr id="34" name="Straight Arrow Connector 33">
+            <a:extLst>
+              <a:ext uri="{FF2B5EF4-FFF2-40B4-BE49-F238E27FC236}">
+                <a16:creationId xmlns:a16="http://schemas.microsoft.com/office/drawing/2014/main" id="{C0FC2E24-02CB-014F-B96B-16E338D1CAB4}"/>
               </a:ext>
             </a:extLst>
           </p:cNvPr>
@@ -6863,55 +3662,8 @@
         </p:nvCxnSpPr>
         <p:spPr>
           <a:xfrm>
-            <a:off x="3557588" y="1069479"/>
-            <a:ext cx="1014412" cy="0"/>
-          </a:xfrm>
-          <a:prstGeom prst="straightConnector1">
-            <a:avLst/>
-          </a:prstGeom>
-          <a:ln w="127000">
-            <a:solidFill>
-              <a:schemeClr val="tx1">
-                <a:alpha val="34000"/>
-              </a:schemeClr>
-            </a:solidFill>
-            <a:headEnd w="med" len="sm"/>
-            <a:tailEnd type="triangle" w="med" len="sm"/>
-          </a:ln>
-        </p:spPr>
-        <p:style>
-          <a:lnRef idx="1">
-            <a:schemeClr val="accent1"/>
-          </a:lnRef>
-          <a:fillRef idx="0">
-            <a:schemeClr val="accent1"/>
-          </a:fillRef>
-          <a:effectRef idx="0">
-            <a:schemeClr val="accent1"/>
-          </a:effectRef>
-          <a:fontRef idx="minor">
-            <a:schemeClr val="tx1"/>
-          </a:fontRef>
-        </p:style>
-      </p:cxnSp>
-      <p:cxnSp>
-        <p:nvCxnSpPr>
-          <p:cNvPr id="34" name="Straight Arrow Connector 33">
-            <a:extLst>
-              <a:ext uri="{FF2B5EF4-FFF2-40B4-BE49-F238E27FC236}">
-                <a16:creationId xmlns:a16="http://schemas.microsoft.com/office/drawing/2014/main" id="{C0FC2E24-02CB-014F-B96B-16E338D1CAB4}"/>
-              </a:ext>
-            </a:extLst>
-          </p:cNvPr>
-          <p:cNvCxnSpPr>
-            <a:cxnSpLocks/>
-          </p:cNvCxnSpPr>
-          <p:nvPr/>
-        </p:nvCxnSpPr>
-        <p:spPr>
-          <a:xfrm>
-            <a:off x="2473148" y="1623007"/>
-            <a:ext cx="942126" cy="1020181"/>
+            <a:off x="3693979" y="1774904"/>
+            <a:ext cx="1113864" cy="0"/>
           </a:xfrm>
           <a:prstGeom prst="straightConnector1">
             <a:avLst/>
@@ -6943,10 +3695,10 @@
       </p:cxnSp>
       <p:grpSp>
         <p:nvGrpSpPr>
-          <p:cNvPr id="40" name="Group 39">
-            <a:extLst>
-              <a:ext uri="{FF2B5EF4-FFF2-40B4-BE49-F238E27FC236}">
-                <a16:creationId xmlns:a16="http://schemas.microsoft.com/office/drawing/2014/main" id="{7D5CA198-9EEC-194F-9E35-F0CD67FEBD50}"/>
+          <p:cNvPr id="50" name="Group 49">
+            <a:extLst>
+              <a:ext uri="{FF2B5EF4-FFF2-40B4-BE49-F238E27FC236}">
+                <a16:creationId xmlns:a16="http://schemas.microsoft.com/office/drawing/2014/main" id="{7883139C-3ADA-C349-85F1-EC311573C32D}"/>
               </a:ext>
             </a:extLst>
           </p:cNvPr>
@@ -6955,7 +3707,7 @@
         </p:nvGrpSpPr>
         <p:grpSpPr>
           <a:xfrm>
-            <a:off x="7286625" y="2777787"/>
+            <a:off x="8029543" y="1394246"/>
             <a:ext cx="1779984" cy="889992"/>
             <a:chOff x="612016" y="1973795"/>
             <a:chExt cx="1779984" cy="889992"/>
@@ -6963,10 +3715,10 @@
         </p:grpSpPr>
         <p:sp>
           <p:nvSpPr>
-            <p:cNvPr id="41" name="Rounded Rectangle 40">
+            <p:cNvPr id="51" name="Rounded Rectangle 50">
               <a:extLst>
                 <a:ext uri="{FF2B5EF4-FFF2-40B4-BE49-F238E27FC236}">
-                  <a16:creationId xmlns:a16="http://schemas.microsoft.com/office/drawing/2014/main" id="{BEDBF21E-DE61-104E-AE4B-E3D2F3D0F017}"/>
+                  <a16:creationId xmlns:a16="http://schemas.microsoft.com/office/drawing/2014/main" id="{66882A24-7901-4D4C-AFED-718E611716F5}"/>
                 </a:ext>
               </a:extLst>
             </p:cNvPr>
@@ -7016,10 +3768,10 @@
         </p:sp>
         <p:sp>
           <p:nvSpPr>
-            <p:cNvPr id="42" name="Rounded Rectangle 4">
+            <p:cNvPr id="52" name="Rounded Rectangle 4">
               <a:extLst>
                 <a:ext uri="{FF2B5EF4-FFF2-40B4-BE49-F238E27FC236}">
-                  <a16:creationId xmlns:a16="http://schemas.microsoft.com/office/drawing/2014/main" id="{7DAD1CEB-96BC-1946-B0DE-8F9D8029DA16}"/>
+                  <a16:creationId xmlns:a16="http://schemas.microsoft.com/office/drawing/2014/main" id="{D470F569-E4AB-CE4D-B110-EAB9C7541BFC}"/>
                 </a:ext>
               </a:extLst>
             </p:cNvPr>
@@ -7069,7 +3821,7 @@
               </a:pPr>
               <a:r>
                 <a:rPr lang="en-US" sz="2300" kern="1200" dirty="0"/>
-                <a:t>Software</a:t>
+                <a:t>Model Results</a:t>
               </a:r>
             </a:p>
           </p:txBody>
@@ -7077,10 +3829,10 @@
       </p:grpSp>
       <p:cxnSp>
         <p:nvCxnSpPr>
-          <p:cNvPr id="49" name="Straight Arrow Connector 48">
-            <a:extLst>
-              <a:ext uri="{FF2B5EF4-FFF2-40B4-BE49-F238E27FC236}">
-                <a16:creationId xmlns:a16="http://schemas.microsoft.com/office/drawing/2014/main" id="{1861A6B6-1C67-D042-8322-FBE12FC4BB66}"/>
+          <p:cNvPr id="68" name="Straight Arrow Connector 67">
+            <a:extLst>
+              <a:ext uri="{FF2B5EF4-FFF2-40B4-BE49-F238E27FC236}">
+                <a16:creationId xmlns:a16="http://schemas.microsoft.com/office/drawing/2014/main" id="{F85FB4A1-1793-D341-9EBC-D0CB4DB5C713}"/>
               </a:ext>
             </a:extLst>
           </p:cNvPr>
@@ -7090,9 +3842,407 @@
           <p:nvPr/>
         </p:nvCxnSpPr>
         <p:spPr>
-          <a:xfrm flipV="1">
-            <a:off x="5295039" y="3775657"/>
-            <a:ext cx="1991586" cy="1548295"/>
+          <a:xfrm>
+            <a:off x="6808373" y="1774904"/>
+            <a:ext cx="1113864" cy="0"/>
+          </a:xfrm>
+          <a:prstGeom prst="straightConnector1">
+            <a:avLst/>
+          </a:prstGeom>
+          <a:ln w="127000">
+            <a:solidFill>
+              <a:schemeClr val="tx1">
+                <a:alpha val="34000"/>
+              </a:schemeClr>
+            </a:solidFill>
+            <a:headEnd w="med" len="sm"/>
+            <a:tailEnd type="triangle" w="med" len="sm"/>
+          </a:ln>
+        </p:spPr>
+        <p:style>
+          <a:lnRef idx="1">
+            <a:schemeClr val="accent1"/>
+          </a:lnRef>
+          <a:fillRef idx="0">
+            <a:schemeClr val="accent1"/>
+          </a:fillRef>
+          <a:effectRef idx="0">
+            <a:schemeClr val="accent1"/>
+          </a:effectRef>
+          <a:fontRef idx="minor">
+            <a:schemeClr val="tx1"/>
+          </a:fontRef>
+        </p:style>
+      </p:cxnSp>
+    </p:spTree>
+    <p:extLst>
+      <p:ext uri="{BB962C8B-B14F-4D97-AF65-F5344CB8AC3E}">
+        <p14:creationId xmlns:p14="http://schemas.microsoft.com/office/powerpoint/2010/main" val="2801911927"/>
+      </p:ext>
+    </p:extLst>
+  </p:cSld>
+  <p:clrMapOvr>
+    <a:masterClrMapping/>
+  </p:clrMapOvr>
+</p:sld>
+</file>
+
+<file path=ppt/slides/slide2.xml><?xml version="1.0" encoding="utf-8"?>
+<p:sld xmlns:a="http://schemas.openxmlformats.org/drawingml/2006/main" xmlns:r="http://schemas.openxmlformats.org/officeDocument/2006/relationships" xmlns:p="http://schemas.openxmlformats.org/presentationml/2006/main">
+  <p:cSld>
+    <p:spTree>
+      <p:nvGrpSpPr>
+        <p:cNvPr id="1" name=""/>
+        <p:cNvGrpSpPr/>
+        <p:nvPr/>
+      </p:nvGrpSpPr>
+      <p:grpSpPr>
+        <a:xfrm>
+          <a:off x="0" y="0"/>
+          <a:ext cx="0" cy="0"/>
+          <a:chOff x="0" y="0"/>
+          <a:chExt cx="0" cy="0"/>
+        </a:xfrm>
+      </p:grpSpPr>
+      <p:sp>
+        <p:nvSpPr>
+          <p:cNvPr id="77" name="Rounded Rectangle 76">
+            <a:extLst>
+              <a:ext uri="{FF2B5EF4-FFF2-40B4-BE49-F238E27FC236}">
+                <a16:creationId xmlns:a16="http://schemas.microsoft.com/office/drawing/2014/main" id="{190D7A0D-44C1-9B44-B70A-7B084A771DA6}"/>
+              </a:ext>
+            </a:extLst>
+          </p:cNvPr>
+          <p:cNvSpPr/>
+          <p:nvPr/>
+        </p:nvSpPr>
+        <p:spPr>
+          <a:xfrm>
+            <a:off x="1273215" y="763930"/>
+            <a:ext cx="9154126" cy="5421626"/>
+          </a:xfrm>
+          <a:prstGeom prst="roundRect">
+            <a:avLst>
+              <a:gd name="adj" fmla="val 10000"/>
+            </a:avLst>
+          </a:prstGeom>
+          <a:solidFill>
+            <a:schemeClr val="bg2">
+              <a:alpha val="34000"/>
+            </a:schemeClr>
+          </a:solidFill>
+          <a:ln w="0">
+            <a:noFill/>
+          </a:ln>
+        </p:spPr>
+        <p:style>
+          <a:lnRef idx="1">
+            <a:schemeClr val="accent3"/>
+          </a:lnRef>
+          <a:fillRef idx="2">
+            <a:schemeClr val="accent3"/>
+          </a:fillRef>
+          <a:effectRef idx="1">
+            <a:schemeClr val="accent3"/>
+          </a:effectRef>
+          <a:fontRef idx="minor">
+            <a:schemeClr val="dk1"/>
+          </a:fontRef>
+        </p:style>
+        <p:txBody>
+          <a:bodyPr/>
+          <a:lstStyle/>
+          <a:p>
+            <a:endParaRPr lang="en-US" dirty="0"/>
+          </a:p>
+        </p:txBody>
+      </p:sp>
+      <p:grpSp>
+        <p:nvGrpSpPr>
+          <p:cNvPr id="5" name="Group 4">
+            <a:extLst>
+              <a:ext uri="{FF2B5EF4-FFF2-40B4-BE49-F238E27FC236}">
+                <a16:creationId xmlns:a16="http://schemas.microsoft.com/office/drawing/2014/main" id="{C6B49293-0DBF-0145-A0F2-F1E1CB36B51A}"/>
+              </a:ext>
+            </a:extLst>
+          </p:cNvPr>
+          <p:cNvGrpSpPr/>
+          <p:nvPr/>
+        </p:nvGrpSpPr>
+        <p:grpSpPr>
+          <a:xfrm>
+            <a:off x="1861861" y="1342112"/>
+            <a:ext cx="1779984" cy="889992"/>
+            <a:chOff x="612016" y="1973795"/>
+            <a:chExt cx="1779984" cy="889992"/>
+          </a:xfrm>
+        </p:grpSpPr>
+        <p:sp>
+          <p:nvSpPr>
+            <p:cNvPr id="6" name="Rounded Rectangle 5">
+              <a:extLst>
+                <a:ext uri="{FF2B5EF4-FFF2-40B4-BE49-F238E27FC236}">
+                  <a16:creationId xmlns:a16="http://schemas.microsoft.com/office/drawing/2014/main" id="{7F77358B-F273-AC4B-AFE1-A6C909C80CF2}"/>
+                </a:ext>
+              </a:extLst>
+            </p:cNvPr>
+            <p:cNvSpPr/>
+            <p:nvPr/>
+          </p:nvSpPr>
+          <p:spPr>
+            <a:xfrm>
+              <a:off x="612016" y="1973795"/>
+              <a:ext cx="1779984" cy="889992"/>
+            </a:xfrm>
+            <a:prstGeom prst="roundRect">
+              <a:avLst>
+                <a:gd name="adj" fmla="val 10000"/>
+              </a:avLst>
+            </a:prstGeom>
+          </p:spPr>
+          <p:style>
+            <a:lnRef idx="2">
+              <a:schemeClr val="lt1">
+                <a:hueOff val="0"/>
+                <a:satOff val="0"/>
+                <a:lumOff val="0"/>
+                <a:alphaOff val="0"/>
+              </a:schemeClr>
+            </a:lnRef>
+            <a:fillRef idx="1">
+              <a:schemeClr val="accent1">
+                <a:hueOff val="0"/>
+                <a:satOff val="0"/>
+                <a:lumOff val="0"/>
+                <a:alphaOff val="0"/>
+              </a:schemeClr>
+            </a:fillRef>
+            <a:effectRef idx="0">
+              <a:schemeClr val="accent1">
+                <a:hueOff val="0"/>
+                <a:satOff val="0"/>
+                <a:lumOff val="0"/>
+                <a:alphaOff val="0"/>
+              </a:schemeClr>
+            </a:effectRef>
+            <a:fontRef idx="minor">
+              <a:schemeClr val="lt1"/>
+            </a:fontRef>
+          </p:style>
+        </p:sp>
+        <p:sp>
+          <p:nvSpPr>
+            <p:cNvPr id="7" name="Rounded Rectangle 4">
+              <a:extLst>
+                <a:ext uri="{FF2B5EF4-FFF2-40B4-BE49-F238E27FC236}">
+                  <a16:creationId xmlns:a16="http://schemas.microsoft.com/office/drawing/2014/main" id="{0A854CB0-B4CD-844C-956C-95B5424254F7}"/>
+                </a:ext>
+              </a:extLst>
+            </p:cNvPr>
+            <p:cNvSpPr txBox="1"/>
+            <p:nvPr/>
+          </p:nvSpPr>
+          <p:spPr>
+            <a:xfrm>
+              <a:off x="638083" y="1999862"/>
+              <a:ext cx="1727850" cy="837858"/>
+            </a:xfrm>
+            <a:prstGeom prst="rect">
+              <a:avLst/>
+            </a:prstGeom>
+          </p:spPr>
+          <p:style>
+            <a:lnRef idx="0">
+              <a:scrgbClr r="0" g="0" b="0"/>
+            </a:lnRef>
+            <a:fillRef idx="0">
+              <a:scrgbClr r="0" g="0" b="0"/>
+            </a:fillRef>
+            <a:effectRef idx="0">
+              <a:scrgbClr r="0" g="0" b="0"/>
+            </a:effectRef>
+            <a:fontRef idx="minor">
+              <a:schemeClr val="lt1"/>
+            </a:fontRef>
+          </p:style>
+          <p:txBody>
+            <a:bodyPr spcFirstLastPara="0" vert="horz" wrap="square" lIns="87630" tIns="87630" rIns="87630" bIns="87630" numCol="1" spcCol="1270" anchor="ctr" anchorCtr="0">
+              <a:noAutofit/>
+            </a:bodyPr>
+            <a:lstStyle/>
+            <a:p>
+              <a:pPr marL="0" lvl="0" indent="0" algn="ctr" defTabSz="1022350">
+                <a:lnSpc>
+                  <a:spcPct val="90000"/>
+                </a:lnSpc>
+                <a:spcBef>
+                  <a:spcPct val="0"/>
+                </a:spcBef>
+                <a:spcAft>
+                  <a:spcPct val="35000"/>
+                </a:spcAft>
+                <a:buNone/>
+              </a:pPr>
+              <a:r>
+                <a:rPr lang="en-US" sz="2300" kern="1200" dirty="0"/>
+                <a:t>Raw Data</a:t>
+              </a:r>
+            </a:p>
+          </p:txBody>
+        </p:sp>
+      </p:grpSp>
+      <p:grpSp>
+        <p:nvGrpSpPr>
+          <p:cNvPr id="11" name="Group 10">
+            <a:extLst>
+              <a:ext uri="{FF2B5EF4-FFF2-40B4-BE49-F238E27FC236}">
+                <a16:creationId xmlns:a16="http://schemas.microsoft.com/office/drawing/2014/main" id="{C7D4969E-6376-B748-A395-7D99B65A222C}"/>
+              </a:ext>
+            </a:extLst>
+          </p:cNvPr>
+          <p:cNvGrpSpPr/>
+          <p:nvPr/>
+        </p:nvGrpSpPr>
+        <p:grpSpPr>
+          <a:xfrm>
+            <a:off x="4945702" y="1368179"/>
+            <a:ext cx="1779984" cy="889992"/>
+            <a:chOff x="612016" y="1973795"/>
+            <a:chExt cx="1779984" cy="889992"/>
+          </a:xfrm>
+        </p:grpSpPr>
+        <p:sp>
+          <p:nvSpPr>
+            <p:cNvPr id="12" name="Rounded Rectangle 11">
+              <a:extLst>
+                <a:ext uri="{FF2B5EF4-FFF2-40B4-BE49-F238E27FC236}">
+                  <a16:creationId xmlns:a16="http://schemas.microsoft.com/office/drawing/2014/main" id="{F3F5A22D-0930-E24C-A0D8-0616A20C18FA}"/>
+                </a:ext>
+              </a:extLst>
+            </p:cNvPr>
+            <p:cNvSpPr/>
+            <p:nvPr/>
+          </p:nvSpPr>
+          <p:spPr>
+            <a:xfrm>
+              <a:off x="612016" y="1973795"/>
+              <a:ext cx="1779984" cy="889992"/>
+            </a:xfrm>
+            <a:prstGeom prst="roundRect">
+              <a:avLst>
+                <a:gd name="adj" fmla="val 10000"/>
+              </a:avLst>
+            </a:prstGeom>
+          </p:spPr>
+          <p:style>
+            <a:lnRef idx="2">
+              <a:schemeClr val="lt1">
+                <a:hueOff val="0"/>
+                <a:satOff val="0"/>
+                <a:lumOff val="0"/>
+                <a:alphaOff val="0"/>
+              </a:schemeClr>
+            </a:lnRef>
+            <a:fillRef idx="1">
+              <a:schemeClr val="accent1">
+                <a:hueOff val="0"/>
+                <a:satOff val="0"/>
+                <a:lumOff val="0"/>
+                <a:alphaOff val="0"/>
+              </a:schemeClr>
+            </a:fillRef>
+            <a:effectRef idx="0">
+              <a:schemeClr val="accent1">
+                <a:hueOff val="0"/>
+                <a:satOff val="0"/>
+                <a:lumOff val="0"/>
+                <a:alphaOff val="0"/>
+              </a:schemeClr>
+            </a:effectRef>
+            <a:fontRef idx="minor">
+              <a:schemeClr val="lt1"/>
+            </a:fontRef>
+          </p:style>
+        </p:sp>
+        <p:sp>
+          <p:nvSpPr>
+            <p:cNvPr id="13" name="Rounded Rectangle 4">
+              <a:extLst>
+                <a:ext uri="{FF2B5EF4-FFF2-40B4-BE49-F238E27FC236}">
+                  <a16:creationId xmlns:a16="http://schemas.microsoft.com/office/drawing/2014/main" id="{86B29C58-EA4C-1145-A7AF-0BF9FADB82F6}"/>
+                </a:ext>
+              </a:extLst>
+            </p:cNvPr>
+            <p:cNvSpPr txBox="1"/>
+            <p:nvPr/>
+          </p:nvSpPr>
+          <p:spPr>
+            <a:xfrm>
+              <a:off x="638083" y="1999862"/>
+              <a:ext cx="1727850" cy="837858"/>
+            </a:xfrm>
+            <a:prstGeom prst="rect">
+              <a:avLst/>
+            </a:prstGeom>
+          </p:spPr>
+          <p:style>
+            <a:lnRef idx="0">
+              <a:scrgbClr r="0" g="0" b="0"/>
+            </a:lnRef>
+            <a:fillRef idx="0">
+              <a:scrgbClr r="0" g="0" b="0"/>
+            </a:fillRef>
+            <a:effectRef idx="0">
+              <a:scrgbClr r="0" g="0" b="0"/>
+            </a:effectRef>
+            <a:fontRef idx="minor">
+              <a:schemeClr val="lt1"/>
+            </a:fontRef>
+          </p:style>
+          <p:txBody>
+            <a:bodyPr spcFirstLastPara="0" vert="horz" wrap="square" lIns="87630" tIns="87630" rIns="87630" bIns="87630" numCol="1" spcCol="1270" anchor="ctr" anchorCtr="0">
+              <a:noAutofit/>
+            </a:bodyPr>
+            <a:lstStyle/>
+            <a:p>
+              <a:pPr marL="0" lvl="0" indent="0" algn="ctr" defTabSz="1022350">
+                <a:lnSpc>
+                  <a:spcPct val="90000"/>
+                </a:lnSpc>
+                <a:spcBef>
+                  <a:spcPct val="0"/>
+                </a:spcBef>
+                <a:spcAft>
+                  <a:spcPct val="35000"/>
+                </a:spcAft>
+                <a:buNone/>
+              </a:pPr>
+              <a:r>
+                <a:rPr lang="en-US" sz="2300" kern="1200" dirty="0"/>
+                <a:t>Modelling</a:t>
+              </a:r>
+            </a:p>
+          </p:txBody>
+        </p:sp>
+      </p:grpSp>
+      <p:cxnSp>
+        <p:nvCxnSpPr>
+          <p:cNvPr id="34" name="Straight Arrow Connector 33">
+            <a:extLst>
+              <a:ext uri="{FF2B5EF4-FFF2-40B4-BE49-F238E27FC236}">
+                <a16:creationId xmlns:a16="http://schemas.microsoft.com/office/drawing/2014/main" id="{C0FC2E24-02CB-014F-B96B-16E338D1CAB4}"/>
+              </a:ext>
+            </a:extLst>
+          </p:cNvPr>
+          <p:cNvCxnSpPr>
+            <a:cxnSpLocks/>
+          </p:cNvCxnSpPr>
+          <p:nvPr/>
+        </p:nvCxnSpPr>
+        <p:spPr>
+          <a:xfrm>
+            <a:off x="3693979" y="1774904"/>
+            <a:ext cx="1113864" cy="0"/>
           </a:xfrm>
           <a:prstGeom prst="straightConnector1">
             <a:avLst/>
@@ -7136,7 +4286,767 @@
         </p:nvGrpSpPr>
         <p:grpSpPr>
           <a:xfrm>
-            <a:off x="3337073" y="4878956"/>
+            <a:off x="8029543" y="1394246"/>
+            <a:ext cx="1779984" cy="889992"/>
+            <a:chOff x="612016" y="1973795"/>
+            <a:chExt cx="1779984" cy="889992"/>
+          </a:xfrm>
+        </p:grpSpPr>
+        <p:sp>
+          <p:nvSpPr>
+            <p:cNvPr id="51" name="Rounded Rectangle 50">
+              <a:extLst>
+                <a:ext uri="{FF2B5EF4-FFF2-40B4-BE49-F238E27FC236}">
+                  <a16:creationId xmlns:a16="http://schemas.microsoft.com/office/drawing/2014/main" id="{66882A24-7901-4D4C-AFED-718E611716F5}"/>
+                </a:ext>
+              </a:extLst>
+            </p:cNvPr>
+            <p:cNvSpPr/>
+            <p:nvPr/>
+          </p:nvSpPr>
+          <p:spPr>
+            <a:xfrm>
+              <a:off x="612016" y="1973795"/>
+              <a:ext cx="1779984" cy="889992"/>
+            </a:xfrm>
+            <a:prstGeom prst="roundRect">
+              <a:avLst>
+                <a:gd name="adj" fmla="val 10000"/>
+              </a:avLst>
+            </a:prstGeom>
+          </p:spPr>
+          <p:style>
+            <a:lnRef idx="2">
+              <a:schemeClr val="lt1">
+                <a:hueOff val="0"/>
+                <a:satOff val="0"/>
+                <a:lumOff val="0"/>
+                <a:alphaOff val="0"/>
+              </a:schemeClr>
+            </a:lnRef>
+            <a:fillRef idx="1">
+              <a:schemeClr val="accent1">
+                <a:hueOff val="0"/>
+                <a:satOff val="0"/>
+                <a:lumOff val="0"/>
+                <a:alphaOff val="0"/>
+              </a:schemeClr>
+            </a:fillRef>
+            <a:effectRef idx="0">
+              <a:schemeClr val="accent1">
+                <a:hueOff val="0"/>
+                <a:satOff val="0"/>
+                <a:lumOff val="0"/>
+                <a:alphaOff val="0"/>
+              </a:schemeClr>
+            </a:effectRef>
+            <a:fontRef idx="minor">
+              <a:schemeClr val="lt1"/>
+            </a:fontRef>
+          </p:style>
+        </p:sp>
+        <p:sp>
+          <p:nvSpPr>
+            <p:cNvPr id="52" name="Rounded Rectangle 4">
+              <a:extLst>
+                <a:ext uri="{FF2B5EF4-FFF2-40B4-BE49-F238E27FC236}">
+                  <a16:creationId xmlns:a16="http://schemas.microsoft.com/office/drawing/2014/main" id="{D470F569-E4AB-CE4D-B110-EAB9C7541BFC}"/>
+                </a:ext>
+              </a:extLst>
+            </p:cNvPr>
+            <p:cNvSpPr txBox="1"/>
+            <p:nvPr/>
+          </p:nvSpPr>
+          <p:spPr>
+            <a:xfrm>
+              <a:off x="638083" y="1999862"/>
+              <a:ext cx="1727850" cy="837858"/>
+            </a:xfrm>
+            <a:prstGeom prst="rect">
+              <a:avLst/>
+            </a:prstGeom>
+          </p:spPr>
+          <p:style>
+            <a:lnRef idx="0">
+              <a:scrgbClr r="0" g="0" b="0"/>
+            </a:lnRef>
+            <a:fillRef idx="0">
+              <a:scrgbClr r="0" g="0" b="0"/>
+            </a:fillRef>
+            <a:effectRef idx="0">
+              <a:scrgbClr r="0" g="0" b="0"/>
+            </a:effectRef>
+            <a:fontRef idx="minor">
+              <a:schemeClr val="lt1"/>
+            </a:fontRef>
+          </p:style>
+          <p:txBody>
+            <a:bodyPr spcFirstLastPara="0" vert="horz" wrap="square" lIns="87630" tIns="87630" rIns="87630" bIns="87630" numCol="1" spcCol="1270" anchor="ctr" anchorCtr="0">
+              <a:noAutofit/>
+            </a:bodyPr>
+            <a:lstStyle/>
+            <a:p>
+              <a:pPr marL="0" lvl="0" indent="0" algn="ctr" defTabSz="1022350">
+                <a:lnSpc>
+                  <a:spcPct val="90000"/>
+                </a:lnSpc>
+                <a:spcBef>
+                  <a:spcPct val="0"/>
+                </a:spcBef>
+                <a:spcAft>
+                  <a:spcPct val="35000"/>
+                </a:spcAft>
+                <a:buNone/>
+              </a:pPr>
+              <a:r>
+                <a:rPr lang="en-US" sz="2300" kern="1200" dirty="0"/>
+                <a:t>Model Results</a:t>
+              </a:r>
+            </a:p>
+          </p:txBody>
+        </p:sp>
+      </p:grpSp>
+      <p:cxnSp>
+        <p:nvCxnSpPr>
+          <p:cNvPr id="68" name="Straight Arrow Connector 67">
+            <a:extLst>
+              <a:ext uri="{FF2B5EF4-FFF2-40B4-BE49-F238E27FC236}">
+                <a16:creationId xmlns:a16="http://schemas.microsoft.com/office/drawing/2014/main" id="{F85FB4A1-1793-D341-9EBC-D0CB4DB5C713}"/>
+              </a:ext>
+            </a:extLst>
+          </p:cNvPr>
+          <p:cNvCxnSpPr>
+            <a:cxnSpLocks/>
+          </p:cNvCxnSpPr>
+          <p:nvPr/>
+        </p:nvCxnSpPr>
+        <p:spPr>
+          <a:xfrm>
+            <a:off x="6808373" y="1774904"/>
+            <a:ext cx="1113864" cy="0"/>
+          </a:xfrm>
+          <a:prstGeom prst="straightConnector1">
+            <a:avLst/>
+          </a:prstGeom>
+          <a:ln w="127000">
+            <a:solidFill>
+              <a:schemeClr val="tx1">
+                <a:alpha val="34000"/>
+              </a:schemeClr>
+            </a:solidFill>
+            <a:headEnd w="med" len="sm"/>
+            <a:tailEnd type="triangle" w="med" len="sm"/>
+          </a:ln>
+        </p:spPr>
+        <p:style>
+          <a:lnRef idx="1">
+            <a:schemeClr val="accent1"/>
+          </a:lnRef>
+          <a:fillRef idx="0">
+            <a:schemeClr val="accent1"/>
+          </a:fillRef>
+          <a:effectRef idx="0">
+            <a:schemeClr val="accent1"/>
+          </a:effectRef>
+          <a:fontRef idx="minor">
+            <a:schemeClr val="tx1"/>
+          </a:fontRef>
+        </p:style>
+      </p:cxnSp>
+      <p:grpSp>
+        <p:nvGrpSpPr>
+          <p:cNvPr id="69" name="Group 68">
+            <a:extLst>
+              <a:ext uri="{FF2B5EF4-FFF2-40B4-BE49-F238E27FC236}">
+                <a16:creationId xmlns:a16="http://schemas.microsoft.com/office/drawing/2014/main" id="{C8728FC4-E232-694E-83D9-FF0071F5E8E5}"/>
+              </a:ext>
+            </a:extLst>
+          </p:cNvPr>
+          <p:cNvGrpSpPr/>
+          <p:nvPr/>
+        </p:nvGrpSpPr>
+        <p:grpSpPr>
+          <a:xfrm>
+            <a:off x="1861861" y="3576724"/>
+            <a:ext cx="1779984" cy="889992"/>
+            <a:chOff x="612016" y="1973795"/>
+            <a:chExt cx="1779984" cy="889992"/>
+          </a:xfrm>
+        </p:grpSpPr>
+        <p:sp>
+          <p:nvSpPr>
+            <p:cNvPr id="70" name="Rounded Rectangle 69">
+              <a:extLst>
+                <a:ext uri="{FF2B5EF4-FFF2-40B4-BE49-F238E27FC236}">
+                  <a16:creationId xmlns:a16="http://schemas.microsoft.com/office/drawing/2014/main" id="{F1CD5571-3F12-664A-A97E-C600A3077976}"/>
+                </a:ext>
+              </a:extLst>
+            </p:cNvPr>
+            <p:cNvSpPr/>
+            <p:nvPr/>
+          </p:nvSpPr>
+          <p:spPr>
+            <a:xfrm>
+              <a:off x="612016" y="1973795"/>
+              <a:ext cx="1779984" cy="889992"/>
+            </a:xfrm>
+            <a:prstGeom prst="roundRect">
+              <a:avLst>
+                <a:gd name="adj" fmla="val 10000"/>
+              </a:avLst>
+            </a:prstGeom>
+          </p:spPr>
+          <p:style>
+            <a:lnRef idx="2">
+              <a:schemeClr val="lt1">
+                <a:hueOff val="0"/>
+                <a:satOff val="0"/>
+                <a:lumOff val="0"/>
+                <a:alphaOff val="0"/>
+              </a:schemeClr>
+            </a:lnRef>
+            <a:fillRef idx="1">
+              <a:schemeClr val="accent1">
+                <a:hueOff val="0"/>
+                <a:satOff val="0"/>
+                <a:lumOff val="0"/>
+                <a:alphaOff val="0"/>
+              </a:schemeClr>
+            </a:fillRef>
+            <a:effectRef idx="0">
+              <a:schemeClr val="accent1">
+                <a:hueOff val="0"/>
+                <a:satOff val="0"/>
+                <a:lumOff val="0"/>
+                <a:alphaOff val="0"/>
+              </a:schemeClr>
+            </a:effectRef>
+            <a:fontRef idx="minor">
+              <a:schemeClr val="lt1"/>
+            </a:fontRef>
+          </p:style>
+        </p:sp>
+        <p:sp>
+          <p:nvSpPr>
+            <p:cNvPr id="71" name="Rounded Rectangle 4">
+              <a:extLst>
+                <a:ext uri="{FF2B5EF4-FFF2-40B4-BE49-F238E27FC236}">
+                  <a16:creationId xmlns:a16="http://schemas.microsoft.com/office/drawing/2014/main" id="{E831B3D6-6FA1-554B-82D2-15715F9FBC1A}"/>
+                </a:ext>
+              </a:extLst>
+            </p:cNvPr>
+            <p:cNvSpPr txBox="1"/>
+            <p:nvPr/>
+          </p:nvSpPr>
+          <p:spPr>
+            <a:xfrm>
+              <a:off x="638083" y="1999862"/>
+              <a:ext cx="1727850" cy="837858"/>
+            </a:xfrm>
+            <a:prstGeom prst="rect">
+              <a:avLst/>
+            </a:prstGeom>
+          </p:spPr>
+          <p:style>
+            <a:lnRef idx="0">
+              <a:scrgbClr r="0" g="0" b="0"/>
+            </a:lnRef>
+            <a:fillRef idx="0">
+              <a:scrgbClr r="0" g="0" b="0"/>
+            </a:fillRef>
+            <a:effectRef idx="0">
+              <a:scrgbClr r="0" g="0" b="0"/>
+            </a:effectRef>
+            <a:fontRef idx="minor">
+              <a:schemeClr val="lt1"/>
+            </a:fontRef>
+          </p:style>
+          <p:txBody>
+            <a:bodyPr spcFirstLastPara="0" vert="horz" wrap="square" lIns="87630" tIns="87630" rIns="87630" bIns="87630" numCol="1" spcCol="1270" anchor="ctr" anchorCtr="0">
+              <a:noAutofit/>
+            </a:bodyPr>
+            <a:lstStyle/>
+            <a:p>
+              <a:pPr marL="0" lvl="0" indent="0" algn="ctr" defTabSz="1022350">
+                <a:lnSpc>
+                  <a:spcPct val="90000"/>
+                </a:lnSpc>
+                <a:spcBef>
+                  <a:spcPct val="0"/>
+                </a:spcBef>
+                <a:spcAft>
+                  <a:spcPct val="35000"/>
+                </a:spcAft>
+                <a:buNone/>
+              </a:pPr>
+              <a:r>
+                <a:rPr lang="en-US" sz="2300" kern="1200" dirty="0"/>
+                <a:t>Integrated Data</a:t>
+              </a:r>
+            </a:p>
+          </p:txBody>
+        </p:sp>
+      </p:grpSp>
+      <p:cxnSp>
+        <p:nvCxnSpPr>
+          <p:cNvPr id="72" name="Straight Arrow Connector 71">
+            <a:extLst>
+              <a:ext uri="{FF2B5EF4-FFF2-40B4-BE49-F238E27FC236}">
+                <a16:creationId xmlns:a16="http://schemas.microsoft.com/office/drawing/2014/main" id="{0DE84F97-BEC8-9544-916D-8BB543F2887D}"/>
+              </a:ext>
+            </a:extLst>
+          </p:cNvPr>
+          <p:cNvCxnSpPr>
+            <a:cxnSpLocks/>
+          </p:cNvCxnSpPr>
+          <p:nvPr/>
+        </p:nvCxnSpPr>
+        <p:spPr>
+          <a:xfrm>
+            <a:off x="2751853" y="2435886"/>
+            <a:ext cx="0" cy="1048756"/>
+          </a:xfrm>
+          <a:prstGeom prst="straightConnector1">
+            <a:avLst/>
+          </a:prstGeom>
+          <a:ln w="127000">
+            <a:solidFill>
+              <a:schemeClr val="tx1">
+                <a:alpha val="34000"/>
+              </a:schemeClr>
+            </a:solidFill>
+            <a:headEnd w="med" len="sm"/>
+            <a:tailEnd type="triangle" w="med" len="sm"/>
+          </a:ln>
+        </p:spPr>
+        <p:style>
+          <a:lnRef idx="1">
+            <a:schemeClr val="accent1"/>
+          </a:lnRef>
+          <a:fillRef idx="0">
+            <a:schemeClr val="accent1"/>
+          </a:fillRef>
+          <a:effectRef idx="0">
+            <a:schemeClr val="accent1"/>
+          </a:effectRef>
+          <a:fontRef idx="minor">
+            <a:schemeClr val="tx1"/>
+          </a:fontRef>
+        </p:style>
+      </p:cxnSp>
+    </p:spTree>
+    <p:extLst>
+      <p:ext uri="{BB962C8B-B14F-4D97-AF65-F5344CB8AC3E}">
+        <p14:creationId xmlns:p14="http://schemas.microsoft.com/office/powerpoint/2010/main" val="3692380004"/>
+      </p:ext>
+    </p:extLst>
+  </p:cSld>
+  <p:clrMapOvr>
+    <a:masterClrMapping/>
+  </p:clrMapOvr>
+</p:sld>
+</file>
+
+<file path=ppt/slides/slide3.xml><?xml version="1.0" encoding="utf-8"?>
+<p:sld xmlns:a="http://schemas.openxmlformats.org/drawingml/2006/main" xmlns:r="http://schemas.openxmlformats.org/officeDocument/2006/relationships" xmlns:p="http://schemas.openxmlformats.org/presentationml/2006/main">
+  <p:cSld>
+    <p:spTree>
+      <p:nvGrpSpPr>
+        <p:cNvPr id="1" name=""/>
+        <p:cNvGrpSpPr/>
+        <p:nvPr/>
+      </p:nvGrpSpPr>
+      <p:grpSpPr>
+        <a:xfrm>
+          <a:off x="0" y="0"/>
+          <a:ext cx="0" cy="0"/>
+          <a:chOff x="0" y="0"/>
+          <a:chExt cx="0" cy="0"/>
+        </a:xfrm>
+      </p:grpSpPr>
+      <p:sp>
+        <p:nvSpPr>
+          <p:cNvPr id="77" name="Rounded Rectangle 76">
+            <a:extLst>
+              <a:ext uri="{FF2B5EF4-FFF2-40B4-BE49-F238E27FC236}">
+                <a16:creationId xmlns:a16="http://schemas.microsoft.com/office/drawing/2014/main" id="{190D7A0D-44C1-9B44-B70A-7B084A771DA6}"/>
+              </a:ext>
+            </a:extLst>
+          </p:cNvPr>
+          <p:cNvSpPr/>
+          <p:nvPr/>
+        </p:nvSpPr>
+        <p:spPr>
+          <a:xfrm>
+            <a:off x="1273215" y="763930"/>
+            <a:ext cx="9154126" cy="5421626"/>
+          </a:xfrm>
+          <a:prstGeom prst="roundRect">
+            <a:avLst>
+              <a:gd name="adj" fmla="val 10000"/>
+            </a:avLst>
+          </a:prstGeom>
+          <a:solidFill>
+            <a:schemeClr val="bg2">
+              <a:alpha val="34000"/>
+            </a:schemeClr>
+          </a:solidFill>
+          <a:ln w="0">
+            <a:noFill/>
+          </a:ln>
+        </p:spPr>
+        <p:style>
+          <a:lnRef idx="1">
+            <a:schemeClr val="accent3"/>
+          </a:lnRef>
+          <a:fillRef idx="2">
+            <a:schemeClr val="accent3"/>
+          </a:fillRef>
+          <a:effectRef idx="1">
+            <a:schemeClr val="accent3"/>
+          </a:effectRef>
+          <a:fontRef idx="minor">
+            <a:schemeClr val="dk1"/>
+          </a:fontRef>
+        </p:style>
+        <p:txBody>
+          <a:bodyPr/>
+          <a:lstStyle/>
+          <a:p>
+            <a:endParaRPr lang="en-US" dirty="0"/>
+          </a:p>
+        </p:txBody>
+      </p:sp>
+      <p:grpSp>
+        <p:nvGrpSpPr>
+          <p:cNvPr id="5" name="Group 4">
+            <a:extLst>
+              <a:ext uri="{FF2B5EF4-FFF2-40B4-BE49-F238E27FC236}">
+                <a16:creationId xmlns:a16="http://schemas.microsoft.com/office/drawing/2014/main" id="{C6B49293-0DBF-0145-A0F2-F1E1CB36B51A}"/>
+              </a:ext>
+            </a:extLst>
+          </p:cNvPr>
+          <p:cNvGrpSpPr/>
+          <p:nvPr/>
+        </p:nvGrpSpPr>
+        <p:grpSpPr>
+          <a:xfrm>
+            <a:off x="1861861" y="1342112"/>
+            <a:ext cx="1779984" cy="889992"/>
+            <a:chOff x="612016" y="1973795"/>
+            <a:chExt cx="1779984" cy="889992"/>
+          </a:xfrm>
+        </p:grpSpPr>
+        <p:sp>
+          <p:nvSpPr>
+            <p:cNvPr id="6" name="Rounded Rectangle 5">
+              <a:extLst>
+                <a:ext uri="{FF2B5EF4-FFF2-40B4-BE49-F238E27FC236}">
+                  <a16:creationId xmlns:a16="http://schemas.microsoft.com/office/drawing/2014/main" id="{7F77358B-F273-AC4B-AFE1-A6C909C80CF2}"/>
+                </a:ext>
+              </a:extLst>
+            </p:cNvPr>
+            <p:cNvSpPr/>
+            <p:nvPr/>
+          </p:nvSpPr>
+          <p:spPr>
+            <a:xfrm>
+              <a:off x="612016" y="1973795"/>
+              <a:ext cx="1779984" cy="889992"/>
+            </a:xfrm>
+            <a:prstGeom prst="roundRect">
+              <a:avLst>
+                <a:gd name="adj" fmla="val 10000"/>
+              </a:avLst>
+            </a:prstGeom>
+          </p:spPr>
+          <p:style>
+            <a:lnRef idx="2">
+              <a:schemeClr val="lt1">
+                <a:hueOff val="0"/>
+                <a:satOff val="0"/>
+                <a:lumOff val="0"/>
+                <a:alphaOff val="0"/>
+              </a:schemeClr>
+            </a:lnRef>
+            <a:fillRef idx="1">
+              <a:schemeClr val="accent1">
+                <a:hueOff val="0"/>
+                <a:satOff val="0"/>
+                <a:lumOff val="0"/>
+                <a:alphaOff val="0"/>
+              </a:schemeClr>
+            </a:fillRef>
+            <a:effectRef idx="0">
+              <a:schemeClr val="accent1">
+                <a:hueOff val="0"/>
+                <a:satOff val="0"/>
+                <a:lumOff val="0"/>
+                <a:alphaOff val="0"/>
+              </a:schemeClr>
+            </a:effectRef>
+            <a:fontRef idx="minor">
+              <a:schemeClr val="lt1"/>
+            </a:fontRef>
+          </p:style>
+        </p:sp>
+        <p:sp>
+          <p:nvSpPr>
+            <p:cNvPr id="7" name="Rounded Rectangle 4">
+              <a:extLst>
+                <a:ext uri="{FF2B5EF4-FFF2-40B4-BE49-F238E27FC236}">
+                  <a16:creationId xmlns:a16="http://schemas.microsoft.com/office/drawing/2014/main" id="{0A854CB0-B4CD-844C-956C-95B5424254F7}"/>
+                </a:ext>
+              </a:extLst>
+            </p:cNvPr>
+            <p:cNvSpPr txBox="1"/>
+            <p:nvPr/>
+          </p:nvSpPr>
+          <p:spPr>
+            <a:xfrm>
+              <a:off x="638083" y="1999862"/>
+              <a:ext cx="1727850" cy="837858"/>
+            </a:xfrm>
+            <a:prstGeom prst="rect">
+              <a:avLst/>
+            </a:prstGeom>
+          </p:spPr>
+          <p:style>
+            <a:lnRef idx="0">
+              <a:scrgbClr r="0" g="0" b="0"/>
+            </a:lnRef>
+            <a:fillRef idx="0">
+              <a:scrgbClr r="0" g="0" b="0"/>
+            </a:fillRef>
+            <a:effectRef idx="0">
+              <a:scrgbClr r="0" g="0" b="0"/>
+            </a:effectRef>
+            <a:fontRef idx="minor">
+              <a:schemeClr val="lt1"/>
+            </a:fontRef>
+          </p:style>
+          <p:txBody>
+            <a:bodyPr spcFirstLastPara="0" vert="horz" wrap="square" lIns="87630" tIns="87630" rIns="87630" bIns="87630" numCol="1" spcCol="1270" anchor="ctr" anchorCtr="0">
+              <a:noAutofit/>
+            </a:bodyPr>
+            <a:lstStyle/>
+            <a:p>
+              <a:pPr marL="0" lvl="0" indent="0" algn="ctr" defTabSz="1022350">
+                <a:lnSpc>
+                  <a:spcPct val="90000"/>
+                </a:lnSpc>
+                <a:spcBef>
+                  <a:spcPct val="0"/>
+                </a:spcBef>
+                <a:spcAft>
+                  <a:spcPct val="35000"/>
+                </a:spcAft>
+                <a:buNone/>
+              </a:pPr>
+              <a:r>
+                <a:rPr lang="en-US" sz="2300" kern="1200" dirty="0"/>
+                <a:t>Raw Data</a:t>
+              </a:r>
+            </a:p>
+          </p:txBody>
+        </p:sp>
+      </p:grpSp>
+      <p:grpSp>
+        <p:nvGrpSpPr>
+          <p:cNvPr id="11" name="Group 10">
+            <a:extLst>
+              <a:ext uri="{FF2B5EF4-FFF2-40B4-BE49-F238E27FC236}">
+                <a16:creationId xmlns:a16="http://schemas.microsoft.com/office/drawing/2014/main" id="{C7D4969E-6376-B748-A395-7D99B65A222C}"/>
+              </a:ext>
+            </a:extLst>
+          </p:cNvPr>
+          <p:cNvGrpSpPr/>
+          <p:nvPr/>
+        </p:nvGrpSpPr>
+        <p:grpSpPr>
+          <a:xfrm>
+            <a:off x="4945702" y="1368179"/>
+            <a:ext cx="1779984" cy="889992"/>
+            <a:chOff x="612016" y="1973795"/>
+            <a:chExt cx="1779984" cy="889992"/>
+          </a:xfrm>
+        </p:grpSpPr>
+        <p:sp>
+          <p:nvSpPr>
+            <p:cNvPr id="12" name="Rounded Rectangle 11">
+              <a:extLst>
+                <a:ext uri="{FF2B5EF4-FFF2-40B4-BE49-F238E27FC236}">
+                  <a16:creationId xmlns:a16="http://schemas.microsoft.com/office/drawing/2014/main" id="{F3F5A22D-0930-E24C-A0D8-0616A20C18FA}"/>
+                </a:ext>
+              </a:extLst>
+            </p:cNvPr>
+            <p:cNvSpPr/>
+            <p:nvPr/>
+          </p:nvSpPr>
+          <p:spPr>
+            <a:xfrm>
+              <a:off x="612016" y="1973795"/>
+              <a:ext cx="1779984" cy="889992"/>
+            </a:xfrm>
+            <a:prstGeom prst="roundRect">
+              <a:avLst>
+                <a:gd name="adj" fmla="val 10000"/>
+              </a:avLst>
+            </a:prstGeom>
+          </p:spPr>
+          <p:style>
+            <a:lnRef idx="2">
+              <a:schemeClr val="lt1">
+                <a:hueOff val="0"/>
+                <a:satOff val="0"/>
+                <a:lumOff val="0"/>
+                <a:alphaOff val="0"/>
+              </a:schemeClr>
+            </a:lnRef>
+            <a:fillRef idx="1">
+              <a:schemeClr val="accent1">
+                <a:hueOff val="0"/>
+                <a:satOff val="0"/>
+                <a:lumOff val="0"/>
+                <a:alphaOff val="0"/>
+              </a:schemeClr>
+            </a:fillRef>
+            <a:effectRef idx="0">
+              <a:schemeClr val="accent1">
+                <a:hueOff val="0"/>
+                <a:satOff val="0"/>
+                <a:lumOff val="0"/>
+                <a:alphaOff val="0"/>
+              </a:schemeClr>
+            </a:effectRef>
+            <a:fontRef idx="minor">
+              <a:schemeClr val="lt1"/>
+            </a:fontRef>
+          </p:style>
+        </p:sp>
+        <p:sp>
+          <p:nvSpPr>
+            <p:cNvPr id="13" name="Rounded Rectangle 4">
+              <a:extLst>
+                <a:ext uri="{FF2B5EF4-FFF2-40B4-BE49-F238E27FC236}">
+                  <a16:creationId xmlns:a16="http://schemas.microsoft.com/office/drawing/2014/main" id="{86B29C58-EA4C-1145-A7AF-0BF9FADB82F6}"/>
+                </a:ext>
+              </a:extLst>
+            </p:cNvPr>
+            <p:cNvSpPr txBox="1"/>
+            <p:nvPr/>
+          </p:nvSpPr>
+          <p:spPr>
+            <a:xfrm>
+              <a:off x="638083" y="1999862"/>
+              <a:ext cx="1727850" cy="837858"/>
+            </a:xfrm>
+            <a:prstGeom prst="rect">
+              <a:avLst/>
+            </a:prstGeom>
+          </p:spPr>
+          <p:style>
+            <a:lnRef idx="0">
+              <a:scrgbClr r="0" g="0" b="0"/>
+            </a:lnRef>
+            <a:fillRef idx="0">
+              <a:scrgbClr r="0" g="0" b="0"/>
+            </a:fillRef>
+            <a:effectRef idx="0">
+              <a:scrgbClr r="0" g="0" b="0"/>
+            </a:effectRef>
+            <a:fontRef idx="minor">
+              <a:schemeClr val="lt1"/>
+            </a:fontRef>
+          </p:style>
+          <p:txBody>
+            <a:bodyPr spcFirstLastPara="0" vert="horz" wrap="square" lIns="87630" tIns="87630" rIns="87630" bIns="87630" numCol="1" spcCol="1270" anchor="ctr" anchorCtr="0">
+              <a:noAutofit/>
+            </a:bodyPr>
+            <a:lstStyle/>
+            <a:p>
+              <a:pPr marL="0" lvl="0" indent="0" algn="ctr" defTabSz="1022350">
+                <a:lnSpc>
+                  <a:spcPct val="90000"/>
+                </a:lnSpc>
+                <a:spcBef>
+                  <a:spcPct val="0"/>
+                </a:spcBef>
+                <a:spcAft>
+                  <a:spcPct val="35000"/>
+                </a:spcAft>
+                <a:buNone/>
+              </a:pPr>
+              <a:r>
+                <a:rPr lang="en-US" sz="2300" kern="1200" dirty="0"/>
+                <a:t>Modelling</a:t>
+              </a:r>
+            </a:p>
+          </p:txBody>
+        </p:sp>
+      </p:grpSp>
+      <p:cxnSp>
+        <p:nvCxnSpPr>
+          <p:cNvPr id="34" name="Straight Arrow Connector 33">
+            <a:extLst>
+              <a:ext uri="{FF2B5EF4-FFF2-40B4-BE49-F238E27FC236}">
+                <a16:creationId xmlns:a16="http://schemas.microsoft.com/office/drawing/2014/main" id="{C0FC2E24-02CB-014F-B96B-16E338D1CAB4}"/>
+              </a:ext>
+            </a:extLst>
+          </p:cNvPr>
+          <p:cNvCxnSpPr>
+            <a:cxnSpLocks/>
+          </p:cNvCxnSpPr>
+          <p:nvPr/>
+        </p:nvCxnSpPr>
+        <p:spPr>
+          <a:xfrm>
+            <a:off x="3693979" y="1774904"/>
+            <a:ext cx="1113864" cy="0"/>
+          </a:xfrm>
+          <a:prstGeom prst="straightConnector1">
+            <a:avLst/>
+          </a:prstGeom>
+          <a:ln w="127000">
+            <a:solidFill>
+              <a:schemeClr val="tx1">
+                <a:alpha val="34000"/>
+              </a:schemeClr>
+            </a:solidFill>
+            <a:headEnd w="med" len="sm"/>
+            <a:tailEnd type="triangle" w="med" len="sm"/>
+          </a:ln>
+        </p:spPr>
+        <p:style>
+          <a:lnRef idx="1">
+            <a:schemeClr val="accent1"/>
+          </a:lnRef>
+          <a:fillRef idx="0">
+            <a:schemeClr val="accent1"/>
+          </a:fillRef>
+          <a:effectRef idx="0">
+            <a:schemeClr val="accent1"/>
+          </a:effectRef>
+          <a:fontRef idx="minor">
+            <a:schemeClr val="tx1"/>
+          </a:fontRef>
+        </p:style>
+      </p:cxnSp>
+      <p:grpSp>
+        <p:nvGrpSpPr>
+          <p:cNvPr id="50" name="Group 49">
+            <a:extLst>
+              <a:ext uri="{FF2B5EF4-FFF2-40B4-BE49-F238E27FC236}">
+                <a16:creationId xmlns:a16="http://schemas.microsoft.com/office/drawing/2014/main" id="{7883139C-3ADA-C349-85F1-EC311573C32D}"/>
+              </a:ext>
+            </a:extLst>
+          </p:cNvPr>
+          <p:cNvGrpSpPr/>
+          <p:nvPr/>
+        </p:nvGrpSpPr>
+        <p:grpSpPr>
+          <a:xfrm>
+            <a:off x="8029543" y="1394246"/>
             <a:ext cx="1779984" cy="889992"/>
             <a:chOff x="612016" y="1973795"/>
             <a:chExt cx="1779984" cy="889992"/>
@@ -7271,9 +5181,9 @@
           <p:nvPr/>
         </p:nvCxnSpPr>
         <p:spPr>
-          <a:xfrm>
-            <a:off x="4227065" y="3775657"/>
-            <a:ext cx="0" cy="1048756"/>
+          <a:xfrm flipV="1">
+            <a:off x="3819646" y="2546429"/>
+            <a:ext cx="1909823" cy="1493134"/>
           </a:xfrm>
           <a:prstGeom prst="straightConnector1">
             <a:avLst/>
@@ -7305,10 +5215,10 @@
       </p:cxnSp>
       <p:cxnSp>
         <p:nvCxnSpPr>
-          <p:cNvPr id="55" name="Straight Arrow Connector 54">
-            <a:extLst>
-              <a:ext uri="{FF2B5EF4-FFF2-40B4-BE49-F238E27FC236}">
-                <a16:creationId xmlns:a16="http://schemas.microsoft.com/office/drawing/2014/main" id="{1A25A803-C82E-3C4B-882A-9869428E3E6D}"/>
+          <p:cNvPr id="68" name="Straight Arrow Connector 67">
+            <a:extLst>
+              <a:ext uri="{FF2B5EF4-FFF2-40B4-BE49-F238E27FC236}">
+                <a16:creationId xmlns:a16="http://schemas.microsoft.com/office/drawing/2014/main" id="{F85FB4A1-1793-D341-9EBC-D0CB4DB5C713}"/>
               </a:ext>
             </a:extLst>
           </p:cNvPr>
@@ -7318,9 +5228,9 @@
           <p:nvPr/>
         </p:nvCxnSpPr>
         <p:spPr>
-          <a:xfrm flipH="1">
-            <a:off x="4863076" y="1735417"/>
-            <a:ext cx="863926" cy="907771"/>
+          <a:xfrm>
+            <a:off x="6808373" y="1774904"/>
+            <a:ext cx="1113864" cy="0"/>
           </a:xfrm>
           <a:prstGeom prst="straightConnector1">
             <a:avLst/>
@@ -7350,12 +5260,146 @@
           </a:fontRef>
         </p:style>
       </p:cxnSp>
+      <p:grpSp>
+        <p:nvGrpSpPr>
+          <p:cNvPr id="69" name="Group 68">
+            <a:extLst>
+              <a:ext uri="{FF2B5EF4-FFF2-40B4-BE49-F238E27FC236}">
+                <a16:creationId xmlns:a16="http://schemas.microsoft.com/office/drawing/2014/main" id="{C8728FC4-E232-694E-83D9-FF0071F5E8E5}"/>
+              </a:ext>
+            </a:extLst>
+          </p:cNvPr>
+          <p:cNvGrpSpPr/>
+          <p:nvPr/>
+        </p:nvGrpSpPr>
+        <p:grpSpPr>
+          <a:xfrm>
+            <a:off x="1861861" y="3576724"/>
+            <a:ext cx="1779984" cy="889992"/>
+            <a:chOff x="612016" y="1973795"/>
+            <a:chExt cx="1779984" cy="889992"/>
+          </a:xfrm>
+        </p:grpSpPr>
+        <p:sp>
+          <p:nvSpPr>
+            <p:cNvPr id="70" name="Rounded Rectangle 69">
+              <a:extLst>
+                <a:ext uri="{FF2B5EF4-FFF2-40B4-BE49-F238E27FC236}">
+                  <a16:creationId xmlns:a16="http://schemas.microsoft.com/office/drawing/2014/main" id="{F1CD5571-3F12-664A-A97E-C600A3077976}"/>
+                </a:ext>
+              </a:extLst>
+            </p:cNvPr>
+            <p:cNvSpPr/>
+            <p:nvPr/>
+          </p:nvSpPr>
+          <p:spPr>
+            <a:xfrm>
+              <a:off x="612016" y="1973795"/>
+              <a:ext cx="1779984" cy="889992"/>
+            </a:xfrm>
+            <a:prstGeom prst="roundRect">
+              <a:avLst>
+                <a:gd name="adj" fmla="val 10000"/>
+              </a:avLst>
+            </a:prstGeom>
+          </p:spPr>
+          <p:style>
+            <a:lnRef idx="2">
+              <a:schemeClr val="lt1">
+                <a:hueOff val="0"/>
+                <a:satOff val="0"/>
+                <a:lumOff val="0"/>
+                <a:alphaOff val="0"/>
+              </a:schemeClr>
+            </a:lnRef>
+            <a:fillRef idx="1">
+              <a:schemeClr val="accent1">
+                <a:hueOff val="0"/>
+                <a:satOff val="0"/>
+                <a:lumOff val="0"/>
+                <a:alphaOff val="0"/>
+              </a:schemeClr>
+            </a:fillRef>
+            <a:effectRef idx="0">
+              <a:schemeClr val="accent1">
+                <a:hueOff val="0"/>
+                <a:satOff val="0"/>
+                <a:lumOff val="0"/>
+                <a:alphaOff val="0"/>
+              </a:schemeClr>
+            </a:effectRef>
+            <a:fontRef idx="minor">
+              <a:schemeClr val="lt1"/>
+            </a:fontRef>
+          </p:style>
+        </p:sp>
+        <p:sp>
+          <p:nvSpPr>
+            <p:cNvPr id="71" name="Rounded Rectangle 4">
+              <a:extLst>
+                <a:ext uri="{FF2B5EF4-FFF2-40B4-BE49-F238E27FC236}">
+                  <a16:creationId xmlns:a16="http://schemas.microsoft.com/office/drawing/2014/main" id="{E831B3D6-6FA1-554B-82D2-15715F9FBC1A}"/>
+                </a:ext>
+              </a:extLst>
+            </p:cNvPr>
+            <p:cNvSpPr txBox="1"/>
+            <p:nvPr/>
+          </p:nvSpPr>
+          <p:spPr>
+            <a:xfrm>
+              <a:off x="638083" y="1999862"/>
+              <a:ext cx="1727850" cy="837858"/>
+            </a:xfrm>
+            <a:prstGeom prst="rect">
+              <a:avLst/>
+            </a:prstGeom>
+          </p:spPr>
+          <p:style>
+            <a:lnRef idx="0">
+              <a:scrgbClr r="0" g="0" b="0"/>
+            </a:lnRef>
+            <a:fillRef idx="0">
+              <a:scrgbClr r="0" g="0" b="0"/>
+            </a:fillRef>
+            <a:effectRef idx="0">
+              <a:scrgbClr r="0" g="0" b="0"/>
+            </a:effectRef>
+            <a:fontRef idx="minor">
+              <a:schemeClr val="lt1"/>
+            </a:fontRef>
+          </p:style>
+          <p:txBody>
+            <a:bodyPr spcFirstLastPara="0" vert="horz" wrap="square" lIns="87630" tIns="87630" rIns="87630" bIns="87630" numCol="1" spcCol="1270" anchor="ctr" anchorCtr="0">
+              <a:noAutofit/>
+            </a:bodyPr>
+            <a:lstStyle/>
+            <a:p>
+              <a:pPr marL="0" lvl="0" indent="0" algn="ctr" defTabSz="1022350">
+                <a:lnSpc>
+                  <a:spcPct val="90000"/>
+                </a:lnSpc>
+                <a:spcBef>
+                  <a:spcPct val="0"/>
+                </a:spcBef>
+                <a:spcAft>
+                  <a:spcPct val="35000"/>
+                </a:spcAft>
+                <a:buNone/>
+              </a:pPr>
+              <a:r>
+                <a:rPr lang="en-US" sz="2300" kern="1200" dirty="0"/>
+                <a:t>Integrated Data</a:t>
+              </a:r>
+            </a:p>
+          </p:txBody>
+        </p:sp>
+      </p:grpSp>
       <p:cxnSp>
         <p:nvCxnSpPr>
-          <p:cNvPr id="61" name="Straight Arrow Connector 60">
-            <a:extLst>
-              <a:ext uri="{FF2B5EF4-FFF2-40B4-BE49-F238E27FC236}">
-                <a16:creationId xmlns:a16="http://schemas.microsoft.com/office/drawing/2014/main" id="{D7453A3F-F213-3C4C-96C0-8F79F2846733}"/>
+          <p:cNvPr id="72" name="Straight Arrow Connector 71">
+            <a:extLst>
+              <a:ext uri="{FF2B5EF4-FFF2-40B4-BE49-F238E27FC236}">
+                <a16:creationId xmlns:a16="http://schemas.microsoft.com/office/drawing/2014/main" id="{0DE84F97-BEC8-9544-916D-8BB543F2887D}"/>
               </a:ext>
             </a:extLst>
           </p:cNvPr>
@@ -7366,55 +5410,8 @@
         </p:nvCxnSpPr>
         <p:spPr>
           <a:xfrm>
-            <a:off x="5219795" y="3196716"/>
-            <a:ext cx="1866805" cy="26067"/>
-          </a:xfrm>
-          <a:prstGeom prst="straightConnector1">
-            <a:avLst/>
-          </a:prstGeom>
-          <a:ln w="127000">
-            <a:solidFill>
-              <a:schemeClr val="tx1">
-                <a:alpha val="34000"/>
-              </a:schemeClr>
-            </a:solidFill>
-            <a:headEnd w="med" len="sm"/>
-            <a:tailEnd type="triangle" w="med" len="sm"/>
-          </a:ln>
-        </p:spPr>
-        <p:style>
-          <a:lnRef idx="1">
-            <a:schemeClr val="accent1"/>
-          </a:lnRef>
-          <a:fillRef idx="0">
-            <a:schemeClr val="accent1"/>
-          </a:fillRef>
-          <a:effectRef idx="0">
-            <a:schemeClr val="accent1"/>
-          </a:effectRef>
-          <a:fontRef idx="minor">
-            <a:schemeClr val="tx1"/>
-          </a:fontRef>
-        </p:style>
-      </p:cxnSp>
-      <p:cxnSp>
-        <p:nvCxnSpPr>
-          <p:cNvPr id="63" name="Straight Arrow Connector 62">
-            <a:extLst>
-              <a:ext uri="{FF2B5EF4-FFF2-40B4-BE49-F238E27FC236}">
-                <a16:creationId xmlns:a16="http://schemas.microsoft.com/office/drawing/2014/main" id="{7B5A2C55-F9EA-FB4B-8C6A-77937F104EF7}"/>
-              </a:ext>
-            </a:extLst>
-          </p:cNvPr>
-          <p:cNvCxnSpPr>
-            <a:cxnSpLocks/>
-          </p:cNvCxnSpPr>
-          <p:nvPr/>
-        </p:nvCxnSpPr>
-        <p:spPr>
-          <a:xfrm>
-            <a:off x="6779419" y="1095546"/>
-            <a:ext cx="1397198" cy="1547642"/>
+            <a:off x="2751853" y="2435886"/>
+            <a:ext cx="0" cy="1048756"/>
           </a:xfrm>
           <a:prstGeom prst="straightConnector1">
             <a:avLst/>
@@ -7447,7 +5444,7 @@
     </p:spTree>
     <p:extLst>
       <p:ext uri="{BB962C8B-B14F-4D97-AF65-F5344CB8AC3E}">
-        <p14:creationId xmlns:p14="http://schemas.microsoft.com/office/powerpoint/2010/main" val="1457660992"/>
+        <p14:creationId xmlns:p14="http://schemas.microsoft.com/office/powerpoint/2010/main" val="632866103"/>
       </p:ext>
     </p:extLst>
   </p:cSld>
@@ -7457,7 +5454,7 @@
 </p:sld>
 </file>
 
-<file path=ppt/slides/slide3.xml><?xml version="1.0" encoding="utf-8"?>
+<file path=ppt/slides/slide4.xml><?xml version="1.0" encoding="utf-8"?>
 <p:sld xmlns:a="http://schemas.openxmlformats.org/drawingml/2006/main" xmlns:r="http://schemas.openxmlformats.org/officeDocument/2006/relationships" xmlns:p="http://schemas.openxmlformats.org/presentationml/2006/main">
   <p:cSld>
     <p:spTree>
@@ -7474,6 +5471,129 @@
           <a:chExt cx="0" cy="0"/>
         </a:xfrm>
       </p:grpSpPr>
+      <p:sp>
+        <p:nvSpPr>
+          <p:cNvPr id="77" name="Rounded Rectangle 76">
+            <a:extLst>
+              <a:ext uri="{FF2B5EF4-FFF2-40B4-BE49-F238E27FC236}">
+                <a16:creationId xmlns:a16="http://schemas.microsoft.com/office/drawing/2014/main" id="{190D7A0D-44C1-9B44-B70A-7B084A771DA6}"/>
+              </a:ext>
+            </a:extLst>
+          </p:cNvPr>
+          <p:cNvSpPr/>
+          <p:nvPr/>
+        </p:nvSpPr>
+        <p:spPr>
+          <a:xfrm>
+            <a:off x="1273215" y="763930"/>
+            <a:ext cx="9154126" cy="5421626"/>
+          </a:xfrm>
+          <a:prstGeom prst="roundRect">
+            <a:avLst>
+              <a:gd name="adj" fmla="val 10000"/>
+            </a:avLst>
+          </a:prstGeom>
+          <a:solidFill>
+            <a:schemeClr val="bg2">
+              <a:alpha val="34000"/>
+            </a:schemeClr>
+          </a:solidFill>
+          <a:ln w="0">
+            <a:noFill/>
+          </a:ln>
+        </p:spPr>
+        <p:style>
+          <a:lnRef idx="1">
+            <a:schemeClr val="accent3"/>
+          </a:lnRef>
+          <a:fillRef idx="2">
+            <a:schemeClr val="accent3"/>
+          </a:fillRef>
+          <a:effectRef idx="1">
+            <a:schemeClr val="accent3"/>
+          </a:effectRef>
+          <a:fontRef idx="minor">
+            <a:schemeClr val="dk1"/>
+          </a:fontRef>
+        </p:style>
+        <p:txBody>
+          <a:bodyPr/>
+          <a:lstStyle/>
+          <a:p>
+            <a:endParaRPr lang="en-US" dirty="0"/>
+          </a:p>
+        </p:txBody>
+      </p:sp>
+      <p:sp>
+        <p:nvSpPr>
+          <p:cNvPr id="19" name="Rounded Rectangle 4">
+            <a:extLst>
+              <a:ext uri="{FF2B5EF4-FFF2-40B4-BE49-F238E27FC236}">
+                <a16:creationId xmlns:a16="http://schemas.microsoft.com/office/drawing/2014/main" id="{9D0156F2-03EC-5349-B6E7-8EDD43527E9D}"/>
+              </a:ext>
+            </a:extLst>
+          </p:cNvPr>
+          <p:cNvSpPr txBox="1"/>
+          <p:nvPr/>
+        </p:nvSpPr>
+        <p:spPr>
+          <a:xfrm>
+            <a:off x="1407273" y="1148311"/>
+            <a:ext cx="8801598" cy="3632033"/>
+          </a:xfrm>
+          <a:prstGeom prst="rect">
+            <a:avLst/>
+          </a:prstGeom>
+          <a:solidFill>
+            <a:schemeClr val="accent2">
+              <a:lumMod val="40000"/>
+              <a:lumOff val="60000"/>
+            </a:schemeClr>
+          </a:solidFill>
+        </p:spPr>
+        <p:style>
+          <a:lnRef idx="0">
+            <a:scrgbClr r="0" g="0" b="0"/>
+          </a:lnRef>
+          <a:fillRef idx="0">
+            <a:scrgbClr r="0" g="0" b="0"/>
+          </a:fillRef>
+          <a:effectRef idx="0">
+            <a:scrgbClr r="0" g="0" b="0"/>
+          </a:effectRef>
+          <a:fontRef idx="minor">
+            <a:schemeClr val="lt1"/>
+          </a:fontRef>
+        </p:style>
+        <p:txBody>
+          <a:bodyPr spcFirstLastPara="0" vert="horz" wrap="square" lIns="87630" tIns="87630" rIns="87630" bIns="87630" numCol="1" spcCol="1270" anchor="b" anchorCtr="0">
+            <a:noAutofit/>
+          </a:bodyPr>
+          <a:lstStyle/>
+          <a:p>
+            <a:pPr marL="0" lvl="0" indent="0" algn="r" defTabSz="1022350">
+              <a:lnSpc>
+                <a:spcPct val="90000"/>
+              </a:lnSpc>
+              <a:spcBef>
+                <a:spcPct val="0"/>
+              </a:spcBef>
+              <a:spcAft>
+                <a:spcPct val="35000"/>
+              </a:spcAft>
+              <a:buNone/>
+            </a:pPr>
+            <a:r>
+              <a:rPr lang="en-US" sz="5500" kern="1200" dirty="0">
+                <a:solidFill>
+                  <a:schemeClr val="tx1"/>
+                </a:solidFill>
+              </a:rPr>
+              <a:t>Software</a:t>
+            </a:r>
+          </a:p>
+        </p:txBody>
+      </p:sp>
       <p:grpSp>
         <p:nvGrpSpPr>
           <p:cNvPr id="5" name="Group 4">
@@ -7488,7 +5608,7 @@
         </p:nvGrpSpPr>
         <p:grpSpPr>
           <a:xfrm>
-            <a:off x="1583156" y="624483"/>
+            <a:off x="1861861" y="1342112"/>
             <a:ext cx="1779984" cy="889992"/>
             <a:chOff x="612016" y="1973795"/>
             <a:chExt cx="1779984" cy="889992"/>
@@ -7610,10 +5730,10 @@
       </p:grpSp>
       <p:grpSp>
         <p:nvGrpSpPr>
-          <p:cNvPr id="8" name="Group 7">
-            <a:extLst>
-              <a:ext uri="{FF2B5EF4-FFF2-40B4-BE49-F238E27FC236}">
-                <a16:creationId xmlns:a16="http://schemas.microsoft.com/office/drawing/2014/main" id="{C9B3C6EB-5FB1-2045-9A3A-9D8E1557EB58}"/>
+          <p:cNvPr id="11" name="Group 10">
+            <a:extLst>
+              <a:ext uri="{FF2B5EF4-FFF2-40B4-BE49-F238E27FC236}">
+                <a16:creationId xmlns:a16="http://schemas.microsoft.com/office/drawing/2014/main" id="{C7D4969E-6376-B748-A395-7D99B65A222C}"/>
               </a:ext>
             </a:extLst>
           </p:cNvPr>
@@ -7622,141 +5742,7 @@
         </p:nvGrpSpPr>
         <p:grpSpPr>
           <a:xfrm>
-            <a:off x="4837009" y="650550"/>
-            <a:ext cx="1779984" cy="889992"/>
-            <a:chOff x="612016" y="1973795"/>
-            <a:chExt cx="1779984" cy="889992"/>
-          </a:xfrm>
-        </p:grpSpPr>
-        <p:sp>
-          <p:nvSpPr>
-            <p:cNvPr id="9" name="Rounded Rectangle 8">
-              <a:extLst>
-                <a:ext uri="{FF2B5EF4-FFF2-40B4-BE49-F238E27FC236}">
-                  <a16:creationId xmlns:a16="http://schemas.microsoft.com/office/drawing/2014/main" id="{8768D07A-BA6C-CC46-8476-0E7C73907A28}"/>
-                </a:ext>
-              </a:extLst>
-            </p:cNvPr>
-            <p:cNvSpPr/>
-            <p:nvPr/>
-          </p:nvSpPr>
-          <p:spPr>
-            <a:xfrm>
-              <a:off x="612016" y="1973795"/>
-              <a:ext cx="1779984" cy="889992"/>
-            </a:xfrm>
-            <a:prstGeom prst="roundRect">
-              <a:avLst>
-                <a:gd name="adj" fmla="val 10000"/>
-              </a:avLst>
-            </a:prstGeom>
-          </p:spPr>
-          <p:style>
-            <a:lnRef idx="2">
-              <a:schemeClr val="lt1">
-                <a:hueOff val="0"/>
-                <a:satOff val="0"/>
-                <a:lumOff val="0"/>
-                <a:alphaOff val="0"/>
-              </a:schemeClr>
-            </a:lnRef>
-            <a:fillRef idx="1">
-              <a:schemeClr val="accent1">
-                <a:hueOff val="0"/>
-                <a:satOff val="0"/>
-                <a:lumOff val="0"/>
-                <a:alphaOff val="0"/>
-              </a:schemeClr>
-            </a:fillRef>
-            <a:effectRef idx="0">
-              <a:schemeClr val="accent1">
-                <a:hueOff val="0"/>
-                <a:satOff val="0"/>
-                <a:lumOff val="0"/>
-                <a:alphaOff val="0"/>
-              </a:schemeClr>
-            </a:effectRef>
-            <a:fontRef idx="minor">
-              <a:schemeClr val="lt1"/>
-            </a:fontRef>
-          </p:style>
-        </p:sp>
-        <p:sp>
-          <p:nvSpPr>
-            <p:cNvPr id="10" name="Rounded Rectangle 4">
-              <a:extLst>
-                <a:ext uri="{FF2B5EF4-FFF2-40B4-BE49-F238E27FC236}">
-                  <a16:creationId xmlns:a16="http://schemas.microsoft.com/office/drawing/2014/main" id="{39D4F9D0-889D-0543-899E-0F9EC3D996DE}"/>
-                </a:ext>
-              </a:extLst>
-            </p:cNvPr>
-            <p:cNvSpPr txBox="1"/>
-            <p:nvPr/>
-          </p:nvSpPr>
-          <p:spPr>
-            <a:xfrm>
-              <a:off x="638083" y="1999862"/>
-              <a:ext cx="1727850" cy="837858"/>
-            </a:xfrm>
-            <a:prstGeom prst="rect">
-              <a:avLst/>
-            </a:prstGeom>
-          </p:spPr>
-          <p:style>
-            <a:lnRef idx="0">
-              <a:scrgbClr r="0" g="0" b="0"/>
-            </a:lnRef>
-            <a:fillRef idx="0">
-              <a:scrgbClr r="0" g="0" b="0"/>
-            </a:fillRef>
-            <a:effectRef idx="0">
-              <a:scrgbClr r="0" g="0" b="0"/>
-            </a:effectRef>
-            <a:fontRef idx="minor">
-              <a:schemeClr val="lt1"/>
-            </a:fontRef>
-          </p:style>
-          <p:txBody>
-            <a:bodyPr spcFirstLastPara="0" vert="horz" wrap="square" lIns="87630" tIns="87630" rIns="87630" bIns="87630" numCol="1" spcCol="1270" anchor="ctr" anchorCtr="0">
-              <a:noAutofit/>
-            </a:bodyPr>
-            <a:lstStyle/>
-            <a:p>
-              <a:pPr marL="0" lvl="0" indent="0" algn="ctr" defTabSz="1022350">
-                <a:lnSpc>
-                  <a:spcPct val="90000"/>
-                </a:lnSpc>
-                <a:spcBef>
-                  <a:spcPct val="0"/>
-                </a:spcBef>
-                <a:spcAft>
-                  <a:spcPct val="35000"/>
-                </a:spcAft>
-                <a:buNone/>
-              </a:pPr>
-              <a:r>
-                <a:rPr lang="en-US" sz="2300" kern="1200" dirty="0"/>
-                <a:t>Integrated Data</a:t>
-              </a:r>
-            </a:p>
-          </p:txBody>
-        </p:sp>
-      </p:grpSp>
-      <p:grpSp>
-        <p:nvGrpSpPr>
-          <p:cNvPr id="11" name="Group 10">
-            <a:extLst>
-              <a:ext uri="{FF2B5EF4-FFF2-40B4-BE49-F238E27FC236}">
-                <a16:creationId xmlns:a16="http://schemas.microsoft.com/office/drawing/2014/main" id="{C7D4969E-6376-B748-A395-7D99B65A222C}"/>
-              </a:ext>
-            </a:extLst>
-          </p:cNvPr>
-          <p:cNvGrpSpPr/>
-          <p:nvPr/>
-        </p:nvGrpSpPr>
-        <p:grpSpPr>
-          <a:xfrm>
-            <a:off x="3337073" y="2751720"/>
+            <a:off x="4945702" y="1368179"/>
             <a:ext cx="1779984" cy="889992"/>
             <a:chOff x="612016" y="1973795"/>
             <a:chExt cx="1779984" cy="889992"/>
@@ -7878,10 +5864,10 @@
       </p:grpSp>
       <p:cxnSp>
         <p:nvCxnSpPr>
-          <p:cNvPr id="27" name="Straight Arrow Connector 26">
-            <a:extLst>
-              <a:ext uri="{FF2B5EF4-FFF2-40B4-BE49-F238E27FC236}">
-                <a16:creationId xmlns:a16="http://schemas.microsoft.com/office/drawing/2014/main" id="{54AF83C0-A85B-A44E-817A-F0ADF606E81B}"/>
+          <p:cNvPr id="34" name="Straight Arrow Connector 33">
+            <a:extLst>
+              <a:ext uri="{FF2B5EF4-FFF2-40B4-BE49-F238E27FC236}">
+                <a16:creationId xmlns:a16="http://schemas.microsoft.com/office/drawing/2014/main" id="{C0FC2E24-02CB-014F-B96B-16E338D1CAB4}"/>
               </a:ext>
             </a:extLst>
           </p:cNvPr>
@@ -7892,236 +5878,8 @@
         </p:nvCxnSpPr>
         <p:spPr>
           <a:xfrm>
-            <a:off x="3557588" y="1069479"/>
-            <a:ext cx="1014412" cy="0"/>
-          </a:xfrm>
-          <a:prstGeom prst="straightConnector1">
-            <a:avLst/>
-          </a:prstGeom>
-          <a:ln w="127000">
-            <a:solidFill>
-              <a:schemeClr val="tx1">
-                <a:alpha val="34000"/>
-              </a:schemeClr>
-            </a:solidFill>
-            <a:headEnd w="med" len="sm"/>
-            <a:tailEnd type="triangle" w="med" len="sm"/>
-          </a:ln>
-        </p:spPr>
-        <p:style>
-          <a:lnRef idx="1">
-            <a:schemeClr val="accent1"/>
-          </a:lnRef>
-          <a:fillRef idx="0">
-            <a:schemeClr val="accent1"/>
-          </a:fillRef>
-          <a:effectRef idx="0">
-            <a:schemeClr val="accent1"/>
-          </a:effectRef>
-          <a:fontRef idx="minor">
-            <a:schemeClr val="tx1"/>
-          </a:fontRef>
-        </p:style>
-      </p:cxnSp>
-      <p:cxnSp>
-        <p:nvCxnSpPr>
-          <p:cNvPr id="34" name="Straight Arrow Connector 33">
-            <a:extLst>
-              <a:ext uri="{FF2B5EF4-FFF2-40B4-BE49-F238E27FC236}">
-                <a16:creationId xmlns:a16="http://schemas.microsoft.com/office/drawing/2014/main" id="{C0FC2E24-02CB-014F-B96B-16E338D1CAB4}"/>
-              </a:ext>
-            </a:extLst>
-          </p:cNvPr>
-          <p:cNvCxnSpPr>
-            <a:cxnSpLocks/>
-          </p:cNvCxnSpPr>
-          <p:nvPr/>
-        </p:nvCxnSpPr>
-        <p:spPr>
-          <a:xfrm>
-            <a:off x="2473148" y="1623007"/>
-            <a:ext cx="942126" cy="1020181"/>
-          </a:xfrm>
-          <a:prstGeom prst="straightConnector1">
-            <a:avLst/>
-          </a:prstGeom>
-          <a:ln w="127000">
-            <a:solidFill>
-              <a:schemeClr val="tx1">
-                <a:alpha val="34000"/>
-              </a:schemeClr>
-            </a:solidFill>
-            <a:headEnd w="med" len="sm"/>
-            <a:tailEnd type="triangle" w="med" len="sm"/>
-          </a:ln>
-        </p:spPr>
-        <p:style>
-          <a:lnRef idx="1">
-            <a:schemeClr val="accent1"/>
-          </a:lnRef>
-          <a:fillRef idx="0">
-            <a:schemeClr val="accent1"/>
-          </a:fillRef>
-          <a:effectRef idx="0">
-            <a:schemeClr val="accent1"/>
-          </a:effectRef>
-          <a:fontRef idx="minor">
-            <a:schemeClr val="tx1"/>
-          </a:fontRef>
-        </p:style>
-      </p:cxnSp>
-      <p:grpSp>
-        <p:nvGrpSpPr>
-          <p:cNvPr id="40" name="Group 39">
-            <a:extLst>
-              <a:ext uri="{FF2B5EF4-FFF2-40B4-BE49-F238E27FC236}">
-                <a16:creationId xmlns:a16="http://schemas.microsoft.com/office/drawing/2014/main" id="{7D5CA198-9EEC-194F-9E35-F0CD67FEBD50}"/>
-              </a:ext>
-            </a:extLst>
-          </p:cNvPr>
-          <p:cNvGrpSpPr/>
-          <p:nvPr/>
-        </p:nvGrpSpPr>
-        <p:grpSpPr>
-          <a:xfrm>
-            <a:off x="7286625" y="2777787"/>
-            <a:ext cx="1779984" cy="889992"/>
-            <a:chOff x="612016" y="1973795"/>
-            <a:chExt cx="1779984" cy="889992"/>
-          </a:xfrm>
-        </p:grpSpPr>
-        <p:sp>
-          <p:nvSpPr>
-            <p:cNvPr id="41" name="Rounded Rectangle 40">
-              <a:extLst>
-                <a:ext uri="{FF2B5EF4-FFF2-40B4-BE49-F238E27FC236}">
-                  <a16:creationId xmlns:a16="http://schemas.microsoft.com/office/drawing/2014/main" id="{BEDBF21E-DE61-104E-AE4B-E3D2F3D0F017}"/>
-                </a:ext>
-              </a:extLst>
-            </p:cNvPr>
-            <p:cNvSpPr/>
-            <p:nvPr/>
-          </p:nvSpPr>
-          <p:spPr>
-            <a:xfrm>
-              <a:off x="612016" y="1973795"/>
-              <a:ext cx="1779984" cy="889992"/>
-            </a:xfrm>
-            <a:prstGeom prst="roundRect">
-              <a:avLst>
-                <a:gd name="adj" fmla="val 10000"/>
-              </a:avLst>
-            </a:prstGeom>
-          </p:spPr>
-          <p:style>
-            <a:lnRef idx="2">
-              <a:schemeClr val="lt1">
-                <a:hueOff val="0"/>
-                <a:satOff val="0"/>
-                <a:lumOff val="0"/>
-                <a:alphaOff val="0"/>
-              </a:schemeClr>
-            </a:lnRef>
-            <a:fillRef idx="1">
-              <a:schemeClr val="accent1">
-                <a:hueOff val="0"/>
-                <a:satOff val="0"/>
-                <a:lumOff val="0"/>
-                <a:alphaOff val="0"/>
-              </a:schemeClr>
-            </a:fillRef>
-            <a:effectRef idx="0">
-              <a:schemeClr val="accent1">
-                <a:hueOff val="0"/>
-                <a:satOff val="0"/>
-                <a:lumOff val="0"/>
-                <a:alphaOff val="0"/>
-              </a:schemeClr>
-            </a:effectRef>
-            <a:fontRef idx="minor">
-              <a:schemeClr val="lt1"/>
-            </a:fontRef>
-          </p:style>
-        </p:sp>
-        <p:sp>
-          <p:nvSpPr>
-            <p:cNvPr id="42" name="Rounded Rectangle 4">
-              <a:extLst>
-                <a:ext uri="{FF2B5EF4-FFF2-40B4-BE49-F238E27FC236}">
-                  <a16:creationId xmlns:a16="http://schemas.microsoft.com/office/drawing/2014/main" id="{7DAD1CEB-96BC-1946-B0DE-8F9D8029DA16}"/>
-                </a:ext>
-              </a:extLst>
-            </p:cNvPr>
-            <p:cNvSpPr txBox="1"/>
-            <p:nvPr/>
-          </p:nvSpPr>
-          <p:spPr>
-            <a:xfrm>
-              <a:off x="638083" y="1999862"/>
-              <a:ext cx="1727850" cy="837858"/>
-            </a:xfrm>
-            <a:prstGeom prst="rect">
-              <a:avLst/>
-            </a:prstGeom>
-          </p:spPr>
-          <p:style>
-            <a:lnRef idx="0">
-              <a:scrgbClr r="0" g="0" b="0"/>
-            </a:lnRef>
-            <a:fillRef idx="0">
-              <a:scrgbClr r="0" g="0" b="0"/>
-            </a:fillRef>
-            <a:effectRef idx="0">
-              <a:scrgbClr r="0" g="0" b="0"/>
-            </a:effectRef>
-            <a:fontRef idx="minor">
-              <a:schemeClr val="lt1"/>
-            </a:fontRef>
-          </p:style>
-          <p:txBody>
-            <a:bodyPr spcFirstLastPara="0" vert="horz" wrap="square" lIns="87630" tIns="87630" rIns="87630" bIns="87630" numCol="1" spcCol="1270" anchor="ctr" anchorCtr="0">
-              <a:noAutofit/>
-            </a:bodyPr>
-            <a:lstStyle/>
-            <a:p>
-              <a:pPr marL="0" lvl="0" indent="0" algn="ctr" defTabSz="1022350">
-                <a:lnSpc>
-                  <a:spcPct val="90000"/>
-                </a:lnSpc>
-                <a:spcBef>
-                  <a:spcPct val="0"/>
-                </a:spcBef>
-                <a:spcAft>
-                  <a:spcPct val="35000"/>
-                </a:spcAft>
-                <a:buNone/>
-              </a:pPr>
-              <a:r>
-                <a:rPr lang="en-US" sz="2300" kern="1200" dirty="0"/>
-                <a:t>Software</a:t>
-              </a:r>
-            </a:p>
-          </p:txBody>
-        </p:sp>
-      </p:grpSp>
-      <p:cxnSp>
-        <p:nvCxnSpPr>
-          <p:cNvPr id="49" name="Straight Arrow Connector 48">
-            <a:extLst>
-              <a:ext uri="{FF2B5EF4-FFF2-40B4-BE49-F238E27FC236}">
-                <a16:creationId xmlns:a16="http://schemas.microsoft.com/office/drawing/2014/main" id="{1861A6B6-1C67-D042-8322-FBE12FC4BB66}"/>
-              </a:ext>
-            </a:extLst>
-          </p:cNvPr>
-          <p:cNvCxnSpPr>
-            <a:cxnSpLocks/>
-          </p:cNvCxnSpPr>
-          <p:nvPr/>
-        </p:nvCxnSpPr>
-        <p:spPr>
-          <a:xfrm flipV="1">
-            <a:off x="5295039" y="3775657"/>
-            <a:ext cx="1991586" cy="1548295"/>
+            <a:off x="3693979" y="1774904"/>
+            <a:ext cx="1113864" cy="0"/>
           </a:xfrm>
           <a:prstGeom prst="straightConnector1">
             <a:avLst/>
@@ -8165,7 +5923,7 @@
         </p:nvGrpSpPr>
         <p:grpSpPr>
           <a:xfrm>
-            <a:off x="3337073" y="4878956"/>
+            <a:off x="8029543" y="1394246"/>
             <a:ext cx="1779984" cy="889992"/>
             <a:chOff x="612016" y="1973795"/>
             <a:chExt cx="1779984" cy="889992"/>
@@ -8287,10 +6045,10 @@
       </p:grpSp>
       <p:cxnSp>
         <p:nvCxnSpPr>
-          <p:cNvPr id="53" name="Straight Arrow Connector 52">
-            <a:extLst>
-              <a:ext uri="{FF2B5EF4-FFF2-40B4-BE49-F238E27FC236}">
-                <a16:creationId xmlns:a16="http://schemas.microsoft.com/office/drawing/2014/main" id="{FDE4B989-2092-B746-8861-C8CA95A94DAF}"/>
+          <p:cNvPr id="68" name="Straight Arrow Connector 67">
+            <a:extLst>
+              <a:ext uri="{FF2B5EF4-FFF2-40B4-BE49-F238E27FC236}">
+                <a16:creationId xmlns:a16="http://schemas.microsoft.com/office/drawing/2014/main" id="{F85FB4A1-1793-D341-9EBC-D0CB4DB5C713}"/>
               </a:ext>
             </a:extLst>
           </p:cNvPr>
@@ -8301,8 +6059,8 @@
         </p:nvCxnSpPr>
         <p:spPr>
           <a:xfrm>
-            <a:off x="4227065" y="3775657"/>
-            <a:ext cx="0" cy="1048756"/>
+            <a:off x="6808373" y="1774904"/>
+            <a:ext cx="1113864" cy="0"/>
           </a:xfrm>
           <a:prstGeom prst="straightConnector1">
             <a:avLst/>
@@ -8332,235 +6090,12 @@
           </a:fontRef>
         </p:style>
       </p:cxnSp>
-      <p:cxnSp>
-        <p:nvCxnSpPr>
-          <p:cNvPr id="55" name="Straight Arrow Connector 54">
-            <a:extLst>
-              <a:ext uri="{FF2B5EF4-FFF2-40B4-BE49-F238E27FC236}">
-                <a16:creationId xmlns:a16="http://schemas.microsoft.com/office/drawing/2014/main" id="{1A25A803-C82E-3C4B-882A-9869428E3E6D}"/>
-              </a:ext>
-            </a:extLst>
-          </p:cNvPr>
-          <p:cNvCxnSpPr>
-            <a:cxnSpLocks/>
-          </p:cNvCxnSpPr>
-          <p:nvPr/>
-        </p:nvCxnSpPr>
-        <p:spPr>
-          <a:xfrm flipH="1">
-            <a:off x="4863076" y="1735417"/>
-            <a:ext cx="863926" cy="907771"/>
-          </a:xfrm>
-          <a:prstGeom prst="straightConnector1">
-            <a:avLst/>
-          </a:prstGeom>
-          <a:ln w="127000">
-            <a:solidFill>
-              <a:schemeClr val="tx1">
-                <a:alpha val="34000"/>
-              </a:schemeClr>
-            </a:solidFill>
-            <a:headEnd w="med" len="sm"/>
-            <a:tailEnd type="triangle" w="med" len="sm"/>
-          </a:ln>
-        </p:spPr>
-        <p:style>
-          <a:lnRef idx="1">
-            <a:schemeClr val="accent1"/>
-          </a:lnRef>
-          <a:fillRef idx="0">
-            <a:schemeClr val="accent1"/>
-          </a:fillRef>
-          <a:effectRef idx="0">
-            <a:schemeClr val="accent1"/>
-          </a:effectRef>
-          <a:fontRef idx="minor">
-            <a:schemeClr val="tx1"/>
-          </a:fontRef>
-        </p:style>
-      </p:cxnSp>
-      <p:cxnSp>
-        <p:nvCxnSpPr>
-          <p:cNvPr id="61" name="Straight Arrow Connector 60">
-            <a:extLst>
-              <a:ext uri="{FF2B5EF4-FFF2-40B4-BE49-F238E27FC236}">
-                <a16:creationId xmlns:a16="http://schemas.microsoft.com/office/drawing/2014/main" id="{D7453A3F-F213-3C4C-96C0-8F79F2846733}"/>
-              </a:ext>
-            </a:extLst>
-          </p:cNvPr>
-          <p:cNvCxnSpPr>
-            <a:cxnSpLocks/>
-          </p:cNvCxnSpPr>
-          <p:nvPr/>
-        </p:nvCxnSpPr>
-        <p:spPr>
-          <a:xfrm>
-            <a:off x="5219795" y="3196716"/>
-            <a:ext cx="1866805" cy="26067"/>
-          </a:xfrm>
-          <a:prstGeom prst="straightConnector1">
-            <a:avLst/>
-          </a:prstGeom>
-          <a:ln w="127000">
-            <a:solidFill>
-              <a:schemeClr val="tx1">
-                <a:alpha val="34000"/>
-              </a:schemeClr>
-            </a:solidFill>
-            <a:headEnd w="med" len="sm"/>
-            <a:tailEnd type="triangle" w="med" len="sm"/>
-          </a:ln>
-        </p:spPr>
-        <p:style>
-          <a:lnRef idx="1">
-            <a:schemeClr val="accent1"/>
-          </a:lnRef>
-          <a:fillRef idx="0">
-            <a:schemeClr val="accent1"/>
-          </a:fillRef>
-          <a:effectRef idx="0">
-            <a:schemeClr val="accent1"/>
-          </a:effectRef>
-          <a:fontRef idx="minor">
-            <a:schemeClr val="tx1"/>
-          </a:fontRef>
-        </p:style>
-      </p:cxnSp>
-      <p:cxnSp>
-        <p:nvCxnSpPr>
-          <p:cNvPr id="63" name="Straight Arrow Connector 62">
-            <a:extLst>
-              <a:ext uri="{FF2B5EF4-FFF2-40B4-BE49-F238E27FC236}">
-                <a16:creationId xmlns:a16="http://schemas.microsoft.com/office/drawing/2014/main" id="{7B5A2C55-F9EA-FB4B-8C6A-77937F104EF7}"/>
-              </a:ext>
-            </a:extLst>
-          </p:cNvPr>
-          <p:cNvCxnSpPr>
-            <a:cxnSpLocks/>
-          </p:cNvCxnSpPr>
-          <p:nvPr/>
-        </p:nvCxnSpPr>
-        <p:spPr>
-          <a:xfrm>
-            <a:off x="6779419" y="1095546"/>
-            <a:ext cx="1397198" cy="1547642"/>
-          </a:xfrm>
-          <a:prstGeom prst="straightConnector1">
-            <a:avLst/>
-          </a:prstGeom>
-          <a:ln w="127000">
-            <a:solidFill>
-              <a:schemeClr val="tx1">
-                <a:alpha val="34000"/>
-              </a:schemeClr>
-            </a:solidFill>
-            <a:headEnd w="med" len="sm"/>
-            <a:tailEnd type="triangle" w="med" len="sm"/>
-          </a:ln>
-        </p:spPr>
-        <p:style>
-          <a:lnRef idx="1">
-            <a:schemeClr val="accent1"/>
-          </a:lnRef>
-          <a:fillRef idx="0">
-            <a:schemeClr val="accent1"/>
-          </a:fillRef>
-          <a:effectRef idx="0">
-            <a:schemeClr val="accent1"/>
-          </a:effectRef>
-          <a:fontRef idx="minor">
-            <a:schemeClr val="tx1"/>
-          </a:fontRef>
-        </p:style>
-      </p:cxnSp>
-      <p:sp>
-        <p:nvSpPr>
-          <p:cNvPr id="2" name="Oval 1">
-            <a:extLst>
-              <a:ext uri="{FF2B5EF4-FFF2-40B4-BE49-F238E27FC236}">
-                <a16:creationId xmlns:a16="http://schemas.microsoft.com/office/drawing/2014/main" id="{579CA8CD-48D4-CF4F-A581-D6ABB9ACE360}"/>
-              </a:ext>
-            </a:extLst>
-          </p:cNvPr>
-          <p:cNvSpPr/>
-          <p:nvPr/>
-        </p:nvSpPr>
-        <p:spPr>
-          <a:xfrm rot="18491578">
-            <a:off x="5736415" y="-594266"/>
-            <a:ext cx="2525622" cy="5516787"/>
-          </a:xfrm>
-          <a:prstGeom prst="ellipse">
-            <a:avLst/>
-          </a:prstGeom>
-          <a:noFill/>
-          <a:ln w="127000">
-            <a:solidFill>
-              <a:srgbClr val="FF0000"/>
-            </a:solidFill>
-          </a:ln>
-        </p:spPr>
-        <p:style>
-          <a:lnRef idx="2">
-            <a:schemeClr val="accent1">
-              <a:shade val="50000"/>
-            </a:schemeClr>
-          </a:lnRef>
-          <a:fillRef idx="1">
-            <a:schemeClr val="accent1"/>
-          </a:fillRef>
-          <a:effectRef idx="0">
-            <a:schemeClr val="accent1"/>
-          </a:effectRef>
-          <a:fontRef idx="minor">
-            <a:schemeClr val="lt1"/>
-          </a:fontRef>
-        </p:style>
-        <p:txBody>
-          <a:bodyPr rtlCol="0" anchor="ctr"/>
-          <a:lstStyle/>
-          <a:p>
-            <a:pPr algn="ctr"/>
-            <a:endParaRPr lang="en-US"/>
-          </a:p>
-        </p:txBody>
-      </p:sp>
-    </p:spTree>
-    <p:extLst>
-      <p:ext uri="{BB962C8B-B14F-4D97-AF65-F5344CB8AC3E}">
-        <p14:creationId xmlns:p14="http://schemas.microsoft.com/office/powerpoint/2010/main" val="958090400"/>
-      </p:ext>
-    </p:extLst>
-  </p:cSld>
-  <p:clrMapOvr>
-    <a:masterClrMapping/>
-  </p:clrMapOvr>
-</p:sld>
-</file>
-
-<file path=ppt/slides/slide4.xml><?xml version="1.0" encoding="utf-8"?>
-<p:sld xmlns:a="http://schemas.openxmlformats.org/drawingml/2006/main" xmlns:r="http://schemas.openxmlformats.org/officeDocument/2006/relationships" xmlns:p="http://schemas.openxmlformats.org/presentationml/2006/main">
-  <p:cSld>
-    <p:spTree>
-      <p:nvGrpSpPr>
-        <p:cNvPr id="1" name=""/>
-        <p:cNvGrpSpPr/>
-        <p:nvPr/>
-      </p:nvGrpSpPr>
-      <p:grpSpPr>
-        <a:xfrm>
-          <a:off x="0" y="0"/>
-          <a:ext cx="0" cy="0"/>
-          <a:chOff x="0" y="0"/>
-          <a:chExt cx="0" cy="0"/>
-        </a:xfrm>
-      </p:grpSpPr>
       <p:grpSp>
         <p:nvGrpSpPr>
-          <p:cNvPr id="8" name="Group 7">
-            <a:extLst>
-              <a:ext uri="{FF2B5EF4-FFF2-40B4-BE49-F238E27FC236}">
-                <a16:creationId xmlns:a16="http://schemas.microsoft.com/office/drawing/2014/main" id="{C9B3C6EB-5FB1-2045-9A3A-9D8E1557EB58}"/>
+          <p:cNvPr id="69" name="Group 68">
+            <a:extLst>
+              <a:ext uri="{FF2B5EF4-FFF2-40B4-BE49-F238E27FC236}">
+                <a16:creationId xmlns:a16="http://schemas.microsoft.com/office/drawing/2014/main" id="{C8728FC4-E232-694E-83D9-FF0071F5E8E5}"/>
               </a:ext>
             </a:extLst>
           </p:cNvPr>
@@ -8569,7 +6104,7 @@
         </p:nvGrpSpPr>
         <p:grpSpPr>
           <a:xfrm>
-            <a:off x="4837009" y="650550"/>
+            <a:off x="1861861" y="3576724"/>
             <a:ext cx="1779984" cy="889992"/>
             <a:chOff x="612016" y="1973795"/>
             <a:chExt cx="1779984" cy="889992"/>
@@ -8577,10 +6112,10 @@
         </p:grpSpPr>
         <p:sp>
           <p:nvSpPr>
-            <p:cNvPr id="9" name="Rounded Rectangle 8">
+            <p:cNvPr id="70" name="Rounded Rectangle 69">
               <a:extLst>
                 <a:ext uri="{FF2B5EF4-FFF2-40B4-BE49-F238E27FC236}">
-                  <a16:creationId xmlns:a16="http://schemas.microsoft.com/office/drawing/2014/main" id="{8768D07A-BA6C-CC46-8476-0E7C73907A28}"/>
+                  <a16:creationId xmlns:a16="http://schemas.microsoft.com/office/drawing/2014/main" id="{F1CD5571-3F12-664A-A97E-C600A3077976}"/>
                 </a:ext>
               </a:extLst>
             </p:cNvPr>
@@ -8630,10 +6165,10 @@
         </p:sp>
         <p:sp>
           <p:nvSpPr>
-            <p:cNvPr id="10" name="Rounded Rectangle 4">
+            <p:cNvPr id="71" name="Rounded Rectangle 4">
               <a:extLst>
                 <a:ext uri="{FF2B5EF4-FFF2-40B4-BE49-F238E27FC236}">
-                  <a16:creationId xmlns:a16="http://schemas.microsoft.com/office/drawing/2014/main" id="{39D4F9D0-889D-0543-899E-0F9EC3D996DE}"/>
+                  <a16:creationId xmlns:a16="http://schemas.microsoft.com/office/drawing/2014/main" id="{E831B3D6-6FA1-554B-82D2-15715F9FBC1A}"/>
                 </a:ext>
               </a:extLst>
             </p:cNvPr>
@@ -8689,12 +6224,259 @@
           </p:txBody>
         </p:sp>
       </p:grpSp>
+      <p:cxnSp>
+        <p:nvCxnSpPr>
+          <p:cNvPr id="20" name="Straight Arrow Connector 19">
+            <a:extLst>
+              <a:ext uri="{FF2B5EF4-FFF2-40B4-BE49-F238E27FC236}">
+                <a16:creationId xmlns:a16="http://schemas.microsoft.com/office/drawing/2014/main" id="{89CB815F-BE3E-B44A-8BBD-3C2FAFEEEF31}"/>
+              </a:ext>
+            </a:extLst>
+          </p:cNvPr>
+          <p:cNvCxnSpPr>
+            <a:cxnSpLocks/>
+          </p:cNvCxnSpPr>
+          <p:nvPr/>
+        </p:nvCxnSpPr>
+        <p:spPr>
+          <a:xfrm flipV="1">
+            <a:off x="3819646" y="2546429"/>
+            <a:ext cx="1909823" cy="1493134"/>
+          </a:xfrm>
+          <a:prstGeom prst="straightConnector1">
+            <a:avLst/>
+          </a:prstGeom>
+          <a:ln w="127000">
+            <a:solidFill>
+              <a:schemeClr val="tx1">
+                <a:alpha val="34000"/>
+              </a:schemeClr>
+            </a:solidFill>
+            <a:headEnd w="med" len="sm"/>
+            <a:tailEnd type="triangle" w="med" len="sm"/>
+          </a:ln>
+        </p:spPr>
+        <p:style>
+          <a:lnRef idx="1">
+            <a:schemeClr val="accent1"/>
+          </a:lnRef>
+          <a:fillRef idx="0">
+            <a:schemeClr val="accent1"/>
+          </a:fillRef>
+          <a:effectRef idx="0">
+            <a:schemeClr val="accent1"/>
+          </a:effectRef>
+          <a:fontRef idx="minor">
+            <a:schemeClr val="tx1"/>
+          </a:fontRef>
+        </p:style>
+      </p:cxnSp>
+      <p:cxnSp>
+        <p:nvCxnSpPr>
+          <p:cNvPr id="21" name="Straight Arrow Connector 20">
+            <a:extLst>
+              <a:ext uri="{FF2B5EF4-FFF2-40B4-BE49-F238E27FC236}">
+                <a16:creationId xmlns:a16="http://schemas.microsoft.com/office/drawing/2014/main" id="{1E42F56C-2A68-1445-AA64-AFFD95D4F2A9}"/>
+              </a:ext>
+            </a:extLst>
+          </p:cNvPr>
+          <p:cNvCxnSpPr>
+            <a:cxnSpLocks/>
+          </p:cNvCxnSpPr>
+          <p:nvPr/>
+        </p:nvCxnSpPr>
+        <p:spPr>
+          <a:xfrm>
+            <a:off x="2751853" y="2435886"/>
+            <a:ext cx="0" cy="1048756"/>
+          </a:xfrm>
+          <a:prstGeom prst="straightConnector1">
+            <a:avLst/>
+          </a:prstGeom>
+          <a:ln w="127000">
+            <a:solidFill>
+              <a:schemeClr val="tx1">
+                <a:alpha val="34000"/>
+              </a:schemeClr>
+            </a:solidFill>
+            <a:headEnd w="med" len="sm"/>
+            <a:tailEnd type="triangle" w="med" len="sm"/>
+          </a:ln>
+        </p:spPr>
+        <p:style>
+          <a:lnRef idx="1">
+            <a:schemeClr val="accent1"/>
+          </a:lnRef>
+          <a:fillRef idx="0">
+            <a:schemeClr val="accent1"/>
+          </a:fillRef>
+          <a:effectRef idx="0">
+            <a:schemeClr val="accent1"/>
+          </a:effectRef>
+          <a:fontRef idx="minor">
+            <a:schemeClr val="tx1"/>
+          </a:fontRef>
+        </p:style>
+      </p:cxnSp>
+    </p:spTree>
+    <p:extLst>
+      <p:ext uri="{BB962C8B-B14F-4D97-AF65-F5344CB8AC3E}">
+        <p14:creationId xmlns:p14="http://schemas.microsoft.com/office/powerpoint/2010/main" val="3650599707"/>
+      </p:ext>
+    </p:extLst>
+  </p:cSld>
+  <p:clrMapOvr>
+    <a:masterClrMapping/>
+  </p:clrMapOvr>
+</p:sld>
+</file>
+
+<file path=ppt/slides/slide5.xml><?xml version="1.0" encoding="utf-8"?>
+<p:sld xmlns:a="http://schemas.openxmlformats.org/drawingml/2006/main" xmlns:r="http://schemas.openxmlformats.org/officeDocument/2006/relationships" xmlns:p="http://schemas.openxmlformats.org/presentationml/2006/main">
+  <p:cSld>
+    <p:spTree>
+      <p:nvGrpSpPr>
+        <p:cNvPr id="1" name=""/>
+        <p:cNvGrpSpPr/>
+        <p:nvPr/>
+      </p:nvGrpSpPr>
+      <p:grpSpPr>
+        <a:xfrm>
+          <a:off x="0" y="0"/>
+          <a:ext cx="0" cy="0"/>
+          <a:chOff x="0" y="0"/>
+          <a:chExt cx="0" cy="0"/>
+        </a:xfrm>
+      </p:grpSpPr>
+      <p:sp>
+        <p:nvSpPr>
+          <p:cNvPr id="25" name="Rounded Rectangle 24">
+            <a:extLst>
+              <a:ext uri="{FF2B5EF4-FFF2-40B4-BE49-F238E27FC236}">
+                <a16:creationId xmlns:a16="http://schemas.microsoft.com/office/drawing/2014/main" id="{0CAB885D-BF3F-274C-8E5A-77ADF80ED34B}"/>
+              </a:ext>
+            </a:extLst>
+          </p:cNvPr>
+          <p:cNvSpPr/>
+          <p:nvPr/>
+        </p:nvSpPr>
+        <p:spPr>
+          <a:xfrm>
+            <a:off x="1273215" y="763930"/>
+            <a:ext cx="9154126" cy="5421626"/>
+          </a:xfrm>
+          <a:prstGeom prst="roundRect">
+            <a:avLst>
+              <a:gd name="adj" fmla="val 10000"/>
+            </a:avLst>
+          </a:prstGeom>
+          <a:solidFill>
+            <a:schemeClr val="bg2">
+              <a:alpha val="34000"/>
+            </a:schemeClr>
+          </a:solidFill>
+          <a:ln w="0">
+            <a:noFill/>
+          </a:ln>
+        </p:spPr>
+        <p:style>
+          <a:lnRef idx="1">
+            <a:schemeClr val="accent3"/>
+          </a:lnRef>
+          <a:fillRef idx="2">
+            <a:schemeClr val="accent3"/>
+          </a:fillRef>
+          <a:effectRef idx="1">
+            <a:schemeClr val="accent3"/>
+          </a:effectRef>
+          <a:fontRef idx="minor">
+            <a:schemeClr val="dk1"/>
+          </a:fontRef>
+        </p:style>
+        <p:txBody>
+          <a:bodyPr/>
+          <a:lstStyle/>
+          <a:p>
+            <a:endParaRPr lang="en-US" dirty="0"/>
+          </a:p>
+        </p:txBody>
+      </p:sp>
+      <p:sp>
+        <p:nvSpPr>
+          <p:cNvPr id="21" name="Rounded Rectangle 4">
+            <a:extLst>
+              <a:ext uri="{FF2B5EF4-FFF2-40B4-BE49-F238E27FC236}">
+                <a16:creationId xmlns:a16="http://schemas.microsoft.com/office/drawing/2014/main" id="{7A0F93E3-8346-C840-AE74-15175D405201}"/>
+              </a:ext>
+            </a:extLst>
+          </p:cNvPr>
+          <p:cNvSpPr txBox="1"/>
+          <p:nvPr/>
+        </p:nvSpPr>
+        <p:spPr>
+          <a:xfrm>
+            <a:off x="1407273" y="1148311"/>
+            <a:ext cx="8801598" cy="3632033"/>
+          </a:xfrm>
+          <a:prstGeom prst="rect">
+            <a:avLst/>
+          </a:prstGeom>
+          <a:solidFill>
+            <a:schemeClr val="accent2">
+              <a:lumMod val="40000"/>
+              <a:lumOff val="60000"/>
+            </a:schemeClr>
+          </a:solidFill>
+        </p:spPr>
+        <p:style>
+          <a:lnRef idx="0">
+            <a:scrgbClr r="0" g="0" b="0"/>
+          </a:lnRef>
+          <a:fillRef idx="0">
+            <a:scrgbClr r="0" g="0" b="0"/>
+          </a:fillRef>
+          <a:effectRef idx="0">
+            <a:scrgbClr r="0" g="0" b="0"/>
+          </a:effectRef>
+          <a:fontRef idx="minor">
+            <a:schemeClr val="lt1"/>
+          </a:fontRef>
+        </p:style>
+        <p:txBody>
+          <a:bodyPr spcFirstLastPara="0" vert="horz" wrap="square" lIns="87630" tIns="87630" rIns="87630" bIns="87630" numCol="1" spcCol="1270" anchor="b" anchorCtr="0">
+            <a:noAutofit/>
+          </a:bodyPr>
+          <a:lstStyle/>
+          <a:p>
+            <a:pPr marL="0" lvl="0" indent="0" algn="r" defTabSz="1022350">
+              <a:lnSpc>
+                <a:spcPct val="90000"/>
+              </a:lnSpc>
+              <a:spcBef>
+                <a:spcPct val="0"/>
+              </a:spcBef>
+              <a:spcAft>
+                <a:spcPct val="35000"/>
+              </a:spcAft>
+              <a:buNone/>
+            </a:pPr>
+            <a:r>
+              <a:rPr lang="en-US" sz="5500" kern="1200" dirty="0">
+                <a:solidFill>
+                  <a:schemeClr val="tx1"/>
+                </a:solidFill>
+              </a:rPr>
+              <a:t>Software</a:t>
+            </a:r>
+          </a:p>
+        </p:txBody>
+      </p:sp>
       <p:grpSp>
         <p:nvGrpSpPr>
-          <p:cNvPr id="40" name="Group 39">
-            <a:extLst>
-              <a:ext uri="{FF2B5EF4-FFF2-40B4-BE49-F238E27FC236}">
-                <a16:creationId xmlns:a16="http://schemas.microsoft.com/office/drawing/2014/main" id="{7D5CA198-9EEC-194F-9E35-F0CD67FEBD50}"/>
+          <p:cNvPr id="5" name="Group 4">
+            <a:extLst>
+              <a:ext uri="{FF2B5EF4-FFF2-40B4-BE49-F238E27FC236}">
+                <a16:creationId xmlns:a16="http://schemas.microsoft.com/office/drawing/2014/main" id="{C6B49293-0DBF-0145-A0F2-F1E1CB36B51A}"/>
               </a:ext>
             </a:extLst>
           </p:cNvPr>
@@ -8703,7 +6485,7 @@
         </p:nvGrpSpPr>
         <p:grpSpPr>
           <a:xfrm>
-            <a:off x="7286625" y="2777787"/>
+            <a:off x="1861861" y="1342112"/>
             <a:ext cx="1779984" cy="889992"/>
             <a:chOff x="612016" y="1973795"/>
             <a:chExt cx="1779984" cy="889992"/>
@@ -8711,10 +6493,10 @@
         </p:grpSpPr>
         <p:sp>
           <p:nvSpPr>
-            <p:cNvPr id="41" name="Rounded Rectangle 40">
+            <p:cNvPr id="6" name="Rounded Rectangle 5">
               <a:extLst>
                 <a:ext uri="{FF2B5EF4-FFF2-40B4-BE49-F238E27FC236}">
-                  <a16:creationId xmlns:a16="http://schemas.microsoft.com/office/drawing/2014/main" id="{BEDBF21E-DE61-104E-AE4B-E3D2F3D0F017}"/>
+                  <a16:creationId xmlns:a16="http://schemas.microsoft.com/office/drawing/2014/main" id="{7F77358B-F273-AC4B-AFE1-A6C909C80CF2}"/>
                 </a:ext>
               </a:extLst>
             </p:cNvPr>
@@ -8764,10 +6546,10 @@
         </p:sp>
         <p:sp>
           <p:nvSpPr>
-            <p:cNvPr id="42" name="Rounded Rectangle 4">
+            <p:cNvPr id="7" name="Rounded Rectangle 4">
               <a:extLst>
                 <a:ext uri="{FF2B5EF4-FFF2-40B4-BE49-F238E27FC236}">
-                  <a16:creationId xmlns:a16="http://schemas.microsoft.com/office/drawing/2014/main" id="{7DAD1CEB-96BC-1946-B0DE-8F9D8029DA16}"/>
+                  <a16:creationId xmlns:a16="http://schemas.microsoft.com/office/drawing/2014/main" id="{0A854CB0-B4CD-844C-956C-95B5424254F7}"/>
                 </a:ext>
               </a:extLst>
             </p:cNvPr>
@@ -8817,7 +6599,141 @@
               </a:pPr>
               <a:r>
                 <a:rPr lang="en-US" sz="2300" kern="1200" dirty="0"/>
-                <a:t>Software</a:t>
+                <a:t>Raw Data</a:t>
+              </a:r>
+            </a:p>
+          </p:txBody>
+        </p:sp>
+      </p:grpSp>
+      <p:grpSp>
+        <p:nvGrpSpPr>
+          <p:cNvPr id="11" name="Group 10">
+            <a:extLst>
+              <a:ext uri="{FF2B5EF4-FFF2-40B4-BE49-F238E27FC236}">
+                <a16:creationId xmlns:a16="http://schemas.microsoft.com/office/drawing/2014/main" id="{C7D4969E-6376-B748-A395-7D99B65A222C}"/>
+              </a:ext>
+            </a:extLst>
+          </p:cNvPr>
+          <p:cNvGrpSpPr/>
+          <p:nvPr/>
+        </p:nvGrpSpPr>
+        <p:grpSpPr>
+          <a:xfrm>
+            <a:off x="4945702" y="1368179"/>
+            <a:ext cx="1779984" cy="889992"/>
+            <a:chOff x="612016" y="1973795"/>
+            <a:chExt cx="1779984" cy="889992"/>
+          </a:xfrm>
+        </p:grpSpPr>
+        <p:sp>
+          <p:nvSpPr>
+            <p:cNvPr id="12" name="Rounded Rectangle 11">
+              <a:extLst>
+                <a:ext uri="{FF2B5EF4-FFF2-40B4-BE49-F238E27FC236}">
+                  <a16:creationId xmlns:a16="http://schemas.microsoft.com/office/drawing/2014/main" id="{F3F5A22D-0930-E24C-A0D8-0616A20C18FA}"/>
+                </a:ext>
+              </a:extLst>
+            </p:cNvPr>
+            <p:cNvSpPr/>
+            <p:nvPr/>
+          </p:nvSpPr>
+          <p:spPr>
+            <a:xfrm>
+              <a:off x="612016" y="1973795"/>
+              <a:ext cx="1779984" cy="889992"/>
+            </a:xfrm>
+            <a:prstGeom prst="roundRect">
+              <a:avLst>
+                <a:gd name="adj" fmla="val 10000"/>
+              </a:avLst>
+            </a:prstGeom>
+          </p:spPr>
+          <p:style>
+            <a:lnRef idx="2">
+              <a:schemeClr val="lt1">
+                <a:hueOff val="0"/>
+                <a:satOff val="0"/>
+                <a:lumOff val="0"/>
+                <a:alphaOff val="0"/>
+              </a:schemeClr>
+            </a:lnRef>
+            <a:fillRef idx="1">
+              <a:schemeClr val="accent1">
+                <a:hueOff val="0"/>
+                <a:satOff val="0"/>
+                <a:lumOff val="0"/>
+                <a:alphaOff val="0"/>
+              </a:schemeClr>
+            </a:fillRef>
+            <a:effectRef idx="0">
+              <a:schemeClr val="accent1">
+                <a:hueOff val="0"/>
+                <a:satOff val="0"/>
+                <a:lumOff val="0"/>
+                <a:alphaOff val="0"/>
+              </a:schemeClr>
+            </a:effectRef>
+            <a:fontRef idx="minor">
+              <a:schemeClr val="lt1"/>
+            </a:fontRef>
+          </p:style>
+        </p:sp>
+        <p:sp>
+          <p:nvSpPr>
+            <p:cNvPr id="13" name="Rounded Rectangle 4">
+              <a:extLst>
+                <a:ext uri="{FF2B5EF4-FFF2-40B4-BE49-F238E27FC236}">
+                  <a16:creationId xmlns:a16="http://schemas.microsoft.com/office/drawing/2014/main" id="{86B29C58-EA4C-1145-A7AF-0BF9FADB82F6}"/>
+                </a:ext>
+              </a:extLst>
+            </p:cNvPr>
+            <p:cNvSpPr txBox="1"/>
+            <p:nvPr/>
+          </p:nvSpPr>
+          <p:spPr>
+            <a:xfrm>
+              <a:off x="638083" y="1999862"/>
+              <a:ext cx="1727850" cy="837858"/>
+            </a:xfrm>
+            <a:prstGeom prst="rect">
+              <a:avLst/>
+            </a:prstGeom>
+          </p:spPr>
+          <p:style>
+            <a:lnRef idx="0">
+              <a:scrgbClr r="0" g="0" b="0"/>
+            </a:lnRef>
+            <a:fillRef idx="0">
+              <a:scrgbClr r="0" g="0" b="0"/>
+            </a:fillRef>
+            <a:effectRef idx="0">
+              <a:scrgbClr r="0" g="0" b="0"/>
+            </a:effectRef>
+            <a:fontRef idx="minor">
+              <a:schemeClr val="lt1"/>
+            </a:fontRef>
+          </p:style>
+          <p:txBody>
+            <a:bodyPr spcFirstLastPara="0" vert="horz" wrap="square" lIns="87630" tIns="87630" rIns="87630" bIns="87630" numCol="1" spcCol="1270" anchor="ctr" anchorCtr="0">
+              <a:noAutofit/>
+            </a:bodyPr>
+            <a:lstStyle/>
+            <a:p>
+              <a:pPr marL="0" lvl="0" indent="0" algn="ctr" defTabSz="1022350">
+                <a:lnSpc>
+                  <a:spcPct val="90000"/>
+                </a:lnSpc>
+                <a:spcBef>
+                  <a:spcPct val="0"/>
+                </a:spcBef>
+                <a:spcAft>
+                  <a:spcPct val="35000"/>
+                </a:spcAft>
+                <a:buNone/>
+              </a:pPr>
+              <a:r>
+                <a:rPr lang="en-US" sz="2300" kern="1200" dirty="0"/>
+                <a:t>Modelling</a:t>
               </a:r>
             </a:p>
           </p:txBody>
@@ -8825,10 +6741,10 @@
       </p:grpSp>
       <p:cxnSp>
         <p:nvCxnSpPr>
-          <p:cNvPr id="63" name="Straight Arrow Connector 62">
-            <a:extLst>
-              <a:ext uri="{FF2B5EF4-FFF2-40B4-BE49-F238E27FC236}">
-                <a16:creationId xmlns:a16="http://schemas.microsoft.com/office/drawing/2014/main" id="{7B5A2C55-F9EA-FB4B-8C6A-77937F104EF7}"/>
+          <p:cNvPr id="34" name="Straight Arrow Connector 33">
+            <a:extLst>
+              <a:ext uri="{FF2B5EF4-FFF2-40B4-BE49-F238E27FC236}">
+                <a16:creationId xmlns:a16="http://schemas.microsoft.com/office/drawing/2014/main" id="{C0FC2E24-02CB-014F-B96B-16E338D1CAB4}"/>
               </a:ext>
             </a:extLst>
           </p:cNvPr>
@@ -8839,8 +6755,8 @@
         </p:nvCxnSpPr>
         <p:spPr>
           <a:xfrm>
-            <a:off x="6779419" y="1095546"/>
-            <a:ext cx="1397198" cy="1547642"/>
+            <a:off x="3693979" y="1774904"/>
+            <a:ext cx="1113864" cy="0"/>
           </a:xfrm>
           <a:prstGeom prst="straightConnector1">
             <a:avLst/>
@@ -8870,62 +6786,490 @@
           </a:fontRef>
         </p:style>
       </p:cxnSp>
-      <p:sp>
-        <p:nvSpPr>
-          <p:cNvPr id="2" name="Oval 1">
-            <a:extLst>
-              <a:ext uri="{FF2B5EF4-FFF2-40B4-BE49-F238E27FC236}">
-                <a16:creationId xmlns:a16="http://schemas.microsoft.com/office/drawing/2014/main" id="{579CA8CD-48D4-CF4F-A581-D6ABB9ACE360}"/>
-              </a:ext>
-            </a:extLst>
-          </p:cNvPr>
-          <p:cNvSpPr/>
+      <p:grpSp>
+        <p:nvGrpSpPr>
+          <p:cNvPr id="50" name="Group 49">
+            <a:extLst>
+              <a:ext uri="{FF2B5EF4-FFF2-40B4-BE49-F238E27FC236}">
+                <a16:creationId xmlns:a16="http://schemas.microsoft.com/office/drawing/2014/main" id="{7883139C-3ADA-C349-85F1-EC311573C32D}"/>
+              </a:ext>
+            </a:extLst>
+          </p:cNvPr>
+          <p:cNvGrpSpPr/>
           <p:nvPr/>
-        </p:nvSpPr>
+        </p:nvGrpSpPr>
+        <p:grpSpPr>
+          <a:xfrm>
+            <a:off x="8029543" y="1394246"/>
+            <a:ext cx="1779984" cy="889992"/>
+            <a:chOff x="612016" y="1973795"/>
+            <a:chExt cx="1779984" cy="889992"/>
+          </a:xfrm>
+        </p:grpSpPr>
+        <p:sp>
+          <p:nvSpPr>
+            <p:cNvPr id="51" name="Rounded Rectangle 50">
+              <a:extLst>
+                <a:ext uri="{FF2B5EF4-FFF2-40B4-BE49-F238E27FC236}">
+                  <a16:creationId xmlns:a16="http://schemas.microsoft.com/office/drawing/2014/main" id="{66882A24-7901-4D4C-AFED-718E611716F5}"/>
+                </a:ext>
+              </a:extLst>
+            </p:cNvPr>
+            <p:cNvSpPr/>
+            <p:nvPr/>
+          </p:nvSpPr>
+          <p:spPr>
+            <a:xfrm>
+              <a:off x="612016" y="1973795"/>
+              <a:ext cx="1779984" cy="889992"/>
+            </a:xfrm>
+            <a:prstGeom prst="roundRect">
+              <a:avLst>
+                <a:gd name="adj" fmla="val 10000"/>
+              </a:avLst>
+            </a:prstGeom>
+          </p:spPr>
+          <p:style>
+            <a:lnRef idx="2">
+              <a:schemeClr val="lt1">
+                <a:hueOff val="0"/>
+                <a:satOff val="0"/>
+                <a:lumOff val="0"/>
+                <a:alphaOff val="0"/>
+              </a:schemeClr>
+            </a:lnRef>
+            <a:fillRef idx="1">
+              <a:schemeClr val="accent1">
+                <a:hueOff val="0"/>
+                <a:satOff val="0"/>
+                <a:lumOff val="0"/>
+                <a:alphaOff val="0"/>
+              </a:schemeClr>
+            </a:fillRef>
+            <a:effectRef idx="0">
+              <a:schemeClr val="accent1">
+                <a:hueOff val="0"/>
+                <a:satOff val="0"/>
+                <a:lumOff val="0"/>
+                <a:alphaOff val="0"/>
+              </a:schemeClr>
+            </a:effectRef>
+            <a:fontRef idx="minor">
+              <a:schemeClr val="lt1"/>
+            </a:fontRef>
+          </p:style>
+        </p:sp>
+        <p:sp>
+          <p:nvSpPr>
+            <p:cNvPr id="52" name="Rounded Rectangle 4">
+              <a:extLst>
+                <a:ext uri="{FF2B5EF4-FFF2-40B4-BE49-F238E27FC236}">
+                  <a16:creationId xmlns:a16="http://schemas.microsoft.com/office/drawing/2014/main" id="{D470F569-E4AB-CE4D-B110-EAB9C7541BFC}"/>
+                </a:ext>
+              </a:extLst>
+            </p:cNvPr>
+            <p:cNvSpPr txBox="1"/>
+            <p:nvPr/>
+          </p:nvSpPr>
+          <p:spPr>
+            <a:xfrm>
+              <a:off x="638083" y="1999862"/>
+              <a:ext cx="1727850" cy="837858"/>
+            </a:xfrm>
+            <a:prstGeom prst="rect">
+              <a:avLst/>
+            </a:prstGeom>
+          </p:spPr>
+          <p:style>
+            <a:lnRef idx="0">
+              <a:scrgbClr r="0" g="0" b="0"/>
+            </a:lnRef>
+            <a:fillRef idx="0">
+              <a:scrgbClr r="0" g="0" b="0"/>
+            </a:fillRef>
+            <a:effectRef idx="0">
+              <a:scrgbClr r="0" g="0" b="0"/>
+            </a:effectRef>
+            <a:fontRef idx="minor">
+              <a:schemeClr val="lt1"/>
+            </a:fontRef>
+          </p:style>
+          <p:txBody>
+            <a:bodyPr spcFirstLastPara="0" vert="horz" wrap="square" lIns="87630" tIns="87630" rIns="87630" bIns="87630" numCol="1" spcCol="1270" anchor="ctr" anchorCtr="0">
+              <a:noAutofit/>
+            </a:bodyPr>
+            <a:lstStyle/>
+            <a:p>
+              <a:pPr marL="0" lvl="0" indent="0" algn="ctr" defTabSz="1022350">
+                <a:lnSpc>
+                  <a:spcPct val="90000"/>
+                </a:lnSpc>
+                <a:spcBef>
+                  <a:spcPct val="0"/>
+                </a:spcBef>
+                <a:spcAft>
+                  <a:spcPct val="35000"/>
+                </a:spcAft>
+                <a:buNone/>
+              </a:pPr>
+              <a:r>
+                <a:rPr lang="en-US" sz="2300" kern="1200" dirty="0"/>
+                <a:t>Model Results</a:t>
+              </a:r>
+            </a:p>
+          </p:txBody>
+        </p:sp>
+      </p:grpSp>
+      <p:cxnSp>
+        <p:nvCxnSpPr>
+          <p:cNvPr id="68" name="Straight Arrow Connector 67">
+            <a:extLst>
+              <a:ext uri="{FF2B5EF4-FFF2-40B4-BE49-F238E27FC236}">
+                <a16:creationId xmlns:a16="http://schemas.microsoft.com/office/drawing/2014/main" id="{F85FB4A1-1793-D341-9EBC-D0CB4DB5C713}"/>
+              </a:ext>
+            </a:extLst>
+          </p:cNvPr>
+          <p:cNvCxnSpPr>
+            <a:cxnSpLocks/>
+          </p:cNvCxnSpPr>
+          <p:nvPr/>
+        </p:nvCxnSpPr>
         <p:spPr>
-          <a:xfrm rot="18491578">
-            <a:off x="5736415" y="-594266"/>
-            <a:ext cx="2525622" cy="5516787"/>
+          <a:xfrm>
+            <a:off x="6808373" y="1774904"/>
+            <a:ext cx="1113864" cy="0"/>
           </a:xfrm>
-          <a:prstGeom prst="ellipse">
+          <a:prstGeom prst="straightConnector1">
             <a:avLst/>
           </a:prstGeom>
-          <a:noFill/>
           <a:ln w="127000">
             <a:solidFill>
-              <a:srgbClr val="FF0000"/>
+              <a:schemeClr val="tx1">
+                <a:alpha val="34000"/>
+              </a:schemeClr>
             </a:solidFill>
+            <a:headEnd w="med" len="sm"/>
+            <a:tailEnd type="triangle" w="med" len="sm"/>
           </a:ln>
         </p:spPr>
         <p:style>
-          <a:lnRef idx="2">
-            <a:schemeClr val="accent1">
-              <a:shade val="50000"/>
-            </a:schemeClr>
+          <a:lnRef idx="1">
+            <a:schemeClr val="accent1"/>
           </a:lnRef>
-          <a:fillRef idx="1">
+          <a:fillRef idx="0">
             <a:schemeClr val="accent1"/>
           </a:fillRef>
           <a:effectRef idx="0">
             <a:schemeClr val="accent1"/>
           </a:effectRef>
           <a:fontRef idx="minor">
+            <a:schemeClr val="tx1"/>
+          </a:fontRef>
+        </p:style>
+      </p:cxnSp>
+      <p:grpSp>
+        <p:nvGrpSpPr>
+          <p:cNvPr id="69" name="Group 68">
+            <a:extLst>
+              <a:ext uri="{FF2B5EF4-FFF2-40B4-BE49-F238E27FC236}">
+                <a16:creationId xmlns:a16="http://schemas.microsoft.com/office/drawing/2014/main" id="{C8728FC4-E232-694E-83D9-FF0071F5E8E5}"/>
+              </a:ext>
+            </a:extLst>
+          </p:cNvPr>
+          <p:cNvGrpSpPr/>
+          <p:nvPr/>
+        </p:nvGrpSpPr>
+        <p:grpSpPr>
+          <a:xfrm>
+            <a:off x="1861861" y="3576724"/>
+            <a:ext cx="1779984" cy="889992"/>
+            <a:chOff x="612016" y="1973795"/>
+            <a:chExt cx="1779984" cy="889992"/>
+          </a:xfrm>
+        </p:grpSpPr>
+        <p:sp>
+          <p:nvSpPr>
+            <p:cNvPr id="70" name="Rounded Rectangle 69">
+              <a:extLst>
+                <a:ext uri="{FF2B5EF4-FFF2-40B4-BE49-F238E27FC236}">
+                  <a16:creationId xmlns:a16="http://schemas.microsoft.com/office/drawing/2014/main" id="{F1CD5571-3F12-664A-A97E-C600A3077976}"/>
+                </a:ext>
+              </a:extLst>
+            </p:cNvPr>
+            <p:cNvSpPr/>
+            <p:nvPr/>
+          </p:nvSpPr>
+          <p:spPr>
+            <a:xfrm>
+              <a:off x="612016" y="1973795"/>
+              <a:ext cx="1779984" cy="889992"/>
+            </a:xfrm>
+            <a:prstGeom prst="roundRect">
+              <a:avLst>
+                <a:gd name="adj" fmla="val 10000"/>
+              </a:avLst>
+            </a:prstGeom>
+          </p:spPr>
+          <p:style>
+            <a:lnRef idx="2">
+              <a:schemeClr val="lt1">
+                <a:hueOff val="0"/>
+                <a:satOff val="0"/>
+                <a:lumOff val="0"/>
+                <a:alphaOff val="0"/>
+              </a:schemeClr>
+            </a:lnRef>
+            <a:fillRef idx="1">
+              <a:schemeClr val="accent1">
+                <a:hueOff val="0"/>
+                <a:satOff val="0"/>
+                <a:lumOff val="0"/>
+                <a:alphaOff val="0"/>
+              </a:schemeClr>
+            </a:fillRef>
+            <a:effectRef idx="0">
+              <a:schemeClr val="accent1">
+                <a:hueOff val="0"/>
+                <a:satOff val="0"/>
+                <a:lumOff val="0"/>
+                <a:alphaOff val="0"/>
+              </a:schemeClr>
+            </a:effectRef>
+            <a:fontRef idx="minor">
+              <a:schemeClr val="lt1"/>
+            </a:fontRef>
+          </p:style>
+        </p:sp>
+        <p:sp>
+          <p:nvSpPr>
+            <p:cNvPr id="71" name="Rounded Rectangle 4">
+              <a:extLst>
+                <a:ext uri="{FF2B5EF4-FFF2-40B4-BE49-F238E27FC236}">
+                  <a16:creationId xmlns:a16="http://schemas.microsoft.com/office/drawing/2014/main" id="{E831B3D6-6FA1-554B-82D2-15715F9FBC1A}"/>
+                </a:ext>
+              </a:extLst>
+            </p:cNvPr>
+            <p:cNvSpPr txBox="1"/>
+            <p:nvPr/>
+          </p:nvSpPr>
+          <p:spPr>
+            <a:xfrm>
+              <a:off x="638083" y="1999862"/>
+              <a:ext cx="1727850" cy="837858"/>
+            </a:xfrm>
+            <a:prstGeom prst="rect">
+              <a:avLst/>
+            </a:prstGeom>
+          </p:spPr>
+          <p:style>
+            <a:lnRef idx="0">
+              <a:scrgbClr r="0" g="0" b="0"/>
+            </a:lnRef>
+            <a:fillRef idx="0">
+              <a:scrgbClr r="0" g="0" b="0"/>
+            </a:fillRef>
+            <a:effectRef idx="0">
+              <a:scrgbClr r="0" g="0" b="0"/>
+            </a:effectRef>
+            <a:fontRef idx="minor">
+              <a:schemeClr val="lt1"/>
+            </a:fontRef>
+          </p:style>
+          <p:txBody>
+            <a:bodyPr spcFirstLastPara="0" vert="horz" wrap="square" lIns="87630" tIns="87630" rIns="87630" bIns="87630" numCol="1" spcCol="1270" anchor="ctr" anchorCtr="0">
+              <a:noAutofit/>
+            </a:bodyPr>
+            <a:lstStyle/>
+            <a:p>
+              <a:pPr marL="0" lvl="0" indent="0" algn="ctr" defTabSz="1022350">
+                <a:lnSpc>
+                  <a:spcPct val="90000"/>
+                </a:lnSpc>
+                <a:spcBef>
+                  <a:spcPct val="0"/>
+                </a:spcBef>
+                <a:spcAft>
+                  <a:spcPct val="35000"/>
+                </a:spcAft>
+                <a:buNone/>
+              </a:pPr>
+              <a:r>
+                <a:rPr lang="en-US" sz="2300" kern="1200" dirty="0"/>
+                <a:t>Integrated Data</a:t>
+              </a:r>
+            </a:p>
+          </p:txBody>
+        </p:sp>
+      </p:grpSp>
+      <p:sp>
+        <p:nvSpPr>
+          <p:cNvPr id="26" name="Rounded Rectangle 4">
+            <a:extLst>
+              <a:ext uri="{FF2B5EF4-FFF2-40B4-BE49-F238E27FC236}">
+                <a16:creationId xmlns:a16="http://schemas.microsoft.com/office/drawing/2014/main" id="{0219AA5C-80BC-8541-ACB2-50EC64A7ABE1}"/>
+              </a:ext>
+            </a:extLst>
+          </p:cNvPr>
+          <p:cNvSpPr txBox="1"/>
+          <p:nvPr/>
+        </p:nvSpPr>
+        <p:spPr>
+          <a:xfrm>
+            <a:off x="1407273" y="4780344"/>
+            <a:ext cx="8801598" cy="1145894"/>
+          </a:xfrm>
+          <a:prstGeom prst="rect">
+            <a:avLst/>
+          </a:prstGeom>
+          <a:solidFill>
+            <a:schemeClr val="accent1">
+              <a:lumMod val="40000"/>
+              <a:lumOff val="60000"/>
+              <a:alpha val="63000"/>
+            </a:schemeClr>
+          </a:solidFill>
+        </p:spPr>
+        <p:style>
+          <a:lnRef idx="0">
+            <a:scrgbClr r="0" g="0" b="0"/>
+          </a:lnRef>
+          <a:fillRef idx="0">
+            <a:scrgbClr r="0" g="0" b="0"/>
+          </a:fillRef>
+          <a:effectRef idx="0">
+            <a:scrgbClr r="0" g="0" b="0"/>
+          </a:effectRef>
+          <a:fontRef idx="minor">
             <a:schemeClr val="lt1"/>
           </a:fontRef>
         </p:style>
         <p:txBody>
-          <a:bodyPr rtlCol="0" anchor="ctr"/>
+          <a:bodyPr spcFirstLastPara="0" vert="horz" wrap="square" lIns="87630" tIns="87630" rIns="87630" bIns="87630" numCol="1" spcCol="1270" anchor="b" anchorCtr="0">
+            <a:noAutofit/>
+          </a:bodyPr>
           <a:lstStyle/>
           <a:p>
-            <a:pPr algn="ctr"/>
-            <a:endParaRPr lang="en-US"/>
+            <a:pPr marL="0" lvl="0" indent="0" algn="r" defTabSz="1022350">
+              <a:lnSpc>
+                <a:spcPct val="90000"/>
+              </a:lnSpc>
+              <a:spcBef>
+                <a:spcPct val="0"/>
+              </a:spcBef>
+              <a:spcAft>
+                <a:spcPct val="35000"/>
+              </a:spcAft>
+              <a:buNone/>
+            </a:pPr>
+            <a:r>
+              <a:rPr lang="en-US" sz="5500" kern="1200" dirty="0">
+                <a:solidFill>
+                  <a:schemeClr val="tx1"/>
+                </a:solidFill>
+              </a:rPr>
+              <a:t>Decision Making?</a:t>
+            </a:r>
           </a:p>
         </p:txBody>
       </p:sp>
+      <p:cxnSp>
+        <p:nvCxnSpPr>
+          <p:cNvPr id="27" name="Straight Arrow Connector 26">
+            <a:extLst>
+              <a:ext uri="{FF2B5EF4-FFF2-40B4-BE49-F238E27FC236}">
+                <a16:creationId xmlns:a16="http://schemas.microsoft.com/office/drawing/2014/main" id="{F73B424D-B83B-2748-99FD-A3780EA04F76}"/>
+              </a:ext>
+            </a:extLst>
+          </p:cNvPr>
+          <p:cNvCxnSpPr>
+            <a:cxnSpLocks/>
+          </p:cNvCxnSpPr>
+          <p:nvPr/>
+        </p:nvCxnSpPr>
+        <p:spPr>
+          <a:xfrm flipV="1">
+            <a:off x="3819646" y="2546429"/>
+            <a:ext cx="1909823" cy="1493134"/>
+          </a:xfrm>
+          <a:prstGeom prst="straightConnector1">
+            <a:avLst/>
+          </a:prstGeom>
+          <a:ln w="127000">
+            <a:solidFill>
+              <a:schemeClr val="tx1">
+                <a:alpha val="34000"/>
+              </a:schemeClr>
+            </a:solidFill>
+            <a:headEnd w="med" len="sm"/>
+            <a:tailEnd type="triangle" w="med" len="sm"/>
+          </a:ln>
+        </p:spPr>
+        <p:style>
+          <a:lnRef idx="1">
+            <a:schemeClr val="accent1"/>
+          </a:lnRef>
+          <a:fillRef idx="0">
+            <a:schemeClr val="accent1"/>
+          </a:fillRef>
+          <a:effectRef idx="0">
+            <a:schemeClr val="accent1"/>
+          </a:effectRef>
+          <a:fontRef idx="minor">
+            <a:schemeClr val="tx1"/>
+          </a:fontRef>
+        </p:style>
+      </p:cxnSp>
+      <p:cxnSp>
+        <p:nvCxnSpPr>
+          <p:cNvPr id="28" name="Straight Arrow Connector 27">
+            <a:extLst>
+              <a:ext uri="{FF2B5EF4-FFF2-40B4-BE49-F238E27FC236}">
+                <a16:creationId xmlns:a16="http://schemas.microsoft.com/office/drawing/2014/main" id="{82121C05-F41E-6F4C-907C-052F7CBF98D5}"/>
+              </a:ext>
+            </a:extLst>
+          </p:cNvPr>
+          <p:cNvCxnSpPr>
+            <a:cxnSpLocks/>
+          </p:cNvCxnSpPr>
+          <p:nvPr/>
+        </p:nvCxnSpPr>
+        <p:spPr>
+          <a:xfrm>
+            <a:off x="2751853" y="2435886"/>
+            <a:ext cx="0" cy="1048756"/>
+          </a:xfrm>
+          <a:prstGeom prst="straightConnector1">
+            <a:avLst/>
+          </a:prstGeom>
+          <a:ln w="127000">
+            <a:solidFill>
+              <a:schemeClr val="tx1">
+                <a:alpha val="34000"/>
+              </a:schemeClr>
+            </a:solidFill>
+            <a:headEnd w="med" len="sm"/>
+            <a:tailEnd type="triangle" w="med" len="sm"/>
+          </a:ln>
+        </p:spPr>
+        <p:style>
+          <a:lnRef idx="1">
+            <a:schemeClr val="accent1"/>
+          </a:lnRef>
+          <a:fillRef idx="0">
+            <a:schemeClr val="accent1"/>
+          </a:fillRef>
+          <a:effectRef idx="0">
+            <a:schemeClr val="accent1"/>
+          </a:effectRef>
+          <a:fontRef idx="minor">
+            <a:schemeClr val="tx1"/>
+          </a:fontRef>
+        </p:style>
+      </p:cxnSp>
     </p:spTree>
     <p:extLst>
       <p:ext uri="{BB962C8B-B14F-4D97-AF65-F5344CB8AC3E}">
-        <p14:creationId xmlns:p14="http://schemas.microsoft.com/office/powerpoint/2010/main" val="3597262287"/>
+        <p14:creationId xmlns:p14="http://schemas.microsoft.com/office/powerpoint/2010/main" val="4212988059"/>
       </p:ext>
     </p:extLst>
   </p:cSld>
